--- a/lab3/AI_RTOS.pptx
+++ b/lab3/AI_RTOS.pptx
@@ -12,12 +12,15 @@
     <p:sldId id="266" r:id="rId6"/>
     <p:sldId id="267" r:id="rId7"/>
     <p:sldId id="268" r:id="rId8"/>
-    <p:sldId id="258" r:id="rId9"/>
-    <p:sldId id="259" r:id="rId10"/>
-    <p:sldId id="265" r:id="rId11"/>
-    <p:sldId id="264" r:id="rId12"/>
-    <p:sldId id="263" r:id="rId13"/>
-    <p:sldId id="261" r:id="rId14"/>
+    <p:sldId id="270" r:id="rId9"/>
+    <p:sldId id="271" r:id="rId10"/>
+    <p:sldId id="258" r:id="rId11"/>
+    <p:sldId id="259" r:id="rId12"/>
+    <p:sldId id="269" r:id="rId13"/>
+    <p:sldId id="265" r:id="rId14"/>
+    <p:sldId id="264" r:id="rId15"/>
+    <p:sldId id="263" r:id="rId16"/>
+    <p:sldId id="261" r:id="rId17"/>
   </p:sldIdLst>
   <p:sldSz cx="12192000" cy="6858000"/>
   <p:notesSz cx="6858000" cy="9144000"/>
@@ -116,6 +119,11 @@
       </a:defRPr>
     </a:lvl9pPr>
   </p:defaultTextStyle>
+  <p:extLst>
+    <p:ext uri="{EFAFB233-063F-42B5-8137-9DF3F51BA10A}">
+      <p15:sldGuideLst xmlns:p15="http://schemas.microsoft.com/office/powerpoint/2012/main"/>
+    </p:ext>
+  </p:extLst>
 </p:presentation>
 </file>
 
@@ -16029,6 +16037,352 @@
 <file path=ppt/slides/slide10.xml><?xml version="1.0" encoding="utf-8"?>
 <p:sld xmlns:a="http://schemas.openxmlformats.org/drawingml/2006/main" xmlns:r="http://schemas.openxmlformats.org/officeDocument/2006/relationships" xmlns:p="http://schemas.openxmlformats.org/presentationml/2006/main">
   <p:cSld>
+    <p:spTree>
+      <p:nvGrpSpPr>
+        <p:cNvPr id="1" name=""/>
+        <p:cNvGrpSpPr/>
+        <p:nvPr/>
+      </p:nvGrpSpPr>
+      <p:grpSpPr>
+        <a:xfrm>
+          <a:off x="0" y="0"/>
+          <a:ext cx="0" cy="0"/>
+          <a:chOff x="0" y="0"/>
+          <a:chExt cx="0" cy="0"/>
+        </a:xfrm>
+      </p:grpSpPr>
+      <p:sp>
+        <p:nvSpPr>
+          <p:cNvPr id="2" name="Title 1">
+            <a:extLst>
+              <a:ext uri="{FF2B5EF4-FFF2-40B4-BE49-F238E27FC236}">
+                <a16:creationId xmlns:a16="http://schemas.microsoft.com/office/drawing/2014/main" id="{7BEADE84-B136-0946-BCF0-1FF9C155F035}"/>
+              </a:ext>
+            </a:extLst>
+          </p:cNvPr>
+          <p:cNvSpPr>
+            <a:spLocks noGrp="1"/>
+          </p:cNvSpPr>
+          <p:nvPr>
+            <p:ph type="title"/>
+          </p:nvPr>
+        </p:nvSpPr>
+        <p:spPr/>
+        <p:txBody>
+          <a:bodyPr/>
+          <a:lstStyle/>
+          <a:p>
+            <a:r>
+              <a:rPr lang="en-US" dirty="0"/>
+              <a:t>Hello World of AI</a:t>
+            </a:r>
+          </a:p>
+        </p:txBody>
+      </p:sp>
+      <p:sp>
+        <p:nvSpPr>
+          <p:cNvPr id="3" name="Content Placeholder 2">
+            <a:extLst>
+              <a:ext uri="{FF2B5EF4-FFF2-40B4-BE49-F238E27FC236}">
+                <a16:creationId xmlns:a16="http://schemas.microsoft.com/office/drawing/2014/main" id="{B8FB3FCC-76D4-FF29-1483-742E0D222D4D}"/>
+              </a:ext>
+            </a:extLst>
+          </p:cNvPr>
+          <p:cNvSpPr>
+            <a:spLocks noGrp="1"/>
+          </p:cNvSpPr>
+          <p:nvPr>
+            <p:ph idx="1"/>
+          </p:nvPr>
+        </p:nvSpPr>
+        <p:spPr/>
+        <p:txBody>
+          <a:bodyPr>
+            <a:normAutofit/>
+          </a:bodyPr>
+          <a:lstStyle/>
+          <a:p>
+            <a:r>
+              <a:rPr lang="en-US" dirty="0"/>
+              <a:t>Introduce the problem – MNIST</a:t>
+            </a:r>
+          </a:p>
+          <a:p>
+            <a:r>
+              <a:rPr lang="en-US" dirty="0"/>
+              <a:t>Neural Network – “buzz word”</a:t>
+            </a:r>
+          </a:p>
+          <a:p>
+            <a:pPr lvl="1"/>
+            <a:r>
+              <a:rPr lang="en-US" dirty="0"/>
+              <a:t>What happens in the middle?</a:t>
+            </a:r>
+          </a:p>
+          <a:p>
+            <a:r>
+              <a:rPr lang="en-US" dirty="0"/>
+              <a:t>Inputs/</a:t>
+            </a:r>
+            <a:r>
+              <a:rPr lang="en-US" dirty="0" err="1"/>
+              <a:t>Ouputs</a:t>
+            </a:r>
+            <a:endParaRPr lang="en-US" dirty="0"/>
+          </a:p>
+          <a:p>
+            <a:r>
+              <a:rPr lang="en-US" dirty="0"/>
+              <a:t>Training/rewards</a:t>
+            </a:r>
+          </a:p>
+          <a:p>
+            <a:r>
+              <a:rPr lang="en-US" dirty="0"/>
+              <a:t>Neuron</a:t>
+            </a:r>
+          </a:p>
+          <a:p>
+            <a:r>
+              <a:rPr lang="en-US" dirty="0"/>
+              <a:t>Weights and Biases -&gt; linear algebra and calculus</a:t>
+            </a:r>
+          </a:p>
+          <a:p>
+            <a:endParaRPr lang="en-US" dirty="0"/>
+          </a:p>
+        </p:txBody>
+      </p:sp>
+    </p:spTree>
+    <p:extLst>
+      <p:ext uri="{BB962C8B-B14F-4D97-AF65-F5344CB8AC3E}">
+        <p14:creationId xmlns:p14="http://schemas.microsoft.com/office/powerpoint/2010/main" val="2675459233"/>
+      </p:ext>
+    </p:extLst>
+  </p:cSld>
+  <p:clrMapOvr>
+    <a:masterClrMapping/>
+  </p:clrMapOvr>
+</p:sld>
+</file>
+
+<file path=ppt/slides/slide11.xml><?xml version="1.0" encoding="utf-8"?>
+<p:sld xmlns:a="http://schemas.openxmlformats.org/drawingml/2006/main" xmlns:r="http://schemas.openxmlformats.org/officeDocument/2006/relationships" xmlns:p="http://schemas.openxmlformats.org/presentationml/2006/main">
+  <p:cSld>
+    <p:spTree>
+      <p:nvGrpSpPr>
+        <p:cNvPr id="1" name=""/>
+        <p:cNvGrpSpPr/>
+        <p:nvPr/>
+      </p:nvGrpSpPr>
+      <p:grpSpPr>
+        <a:xfrm>
+          <a:off x="0" y="0"/>
+          <a:ext cx="0" cy="0"/>
+          <a:chOff x="0" y="0"/>
+          <a:chExt cx="0" cy="0"/>
+        </a:xfrm>
+      </p:grpSpPr>
+      <p:sp>
+        <p:nvSpPr>
+          <p:cNvPr id="2" name="Title 1">
+            <a:extLst>
+              <a:ext uri="{FF2B5EF4-FFF2-40B4-BE49-F238E27FC236}">
+                <a16:creationId xmlns:a16="http://schemas.microsoft.com/office/drawing/2014/main" id="{D4728324-D021-928A-8AA3-6B8005B26D38}"/>
+              </a:ext>
+            </a:extLst>
+          </p:cNvPr>
+          <p:cNvSpPr>
+            <a:spLocks noGrp="1"/>
+          </p:cNvSpPr>
+          <p:nvPr>
+            <p:ph type="title"/>
+          </p:nvPr>
+        </p:nvSpPr>
+        <p:spPr/>
+        <p:txBody>
+          <a:bodyPr/>
+          <a:lstStyle/>
+          <a:p>
+            <a:r>
+              <a:rPr lang="en-US" dirty="0"/>
+              <a:t>What does this have to do with RTOS?</a:t>
+            </a:r>
+          </a:p>
+        </p:txBody>
+      </p:sp>
+      <p:sp>
+        <p:nvSpPr>
+          <p:cNvPr id="3" name="Content Placeholder 2">
+            <a:extLst>
+              <a:ext uri="{FF2B5EF4-FFF2-40B4-BE49-F238E27FC236}">
+                <a16:creationId xmlns:a16="http://schemas.microsoft.com/office/drawing/2014/main" id="{C85B457B-0820-0BFD-1CA4-C6E861D2FCA4}"/>
+              </a:ext>
+            </a:extLst>
+          </p:cNvPr>
+          <p:cNvSpPr>
+            <a:spLocks noGrp="1"/>
+          </p:cNvSpPr>
+          <p:nvPr>
+            <p:ph idx="1"/>
+          </p:nvPr>
+        </p:nvSpPr>
+        <p:spPr/>
+        <p:txBody>
+          <a:bodyPr/>
+          <a:lstStyle/>
+          <a:p>
+            <a:r>
+              <a:rPr lang="en-US" dirty="0"/>
+              <a:t>Nvidia H100</a:t>
+            </a:r>
+          </a:p>
+          <a:p>
+            <a:r>
+              <a:rPr lang="en-US" dirty="0"/>
+              <a:t>Chip manufacturing</a:t>
+            </a:r>
+          </a:p>
+          <a:p>
+            <a:pPr lvl="1"/>
+            <a:r>
+              <a:rPr lang="en-US" dirty="0"/>
+              <a:t>Producing features on a single gold atom</a:t>
+            </a:r>
+          </a:p>
+          <a:p>
+            <a:pPr lvl="1"/>
+            <a:r>
+              <a:rPr lang="en-US" dirty="0"/>
+              <a:t>40x speed, 7x less power</a:t>
+            </a:r>
+          </a:p>
+          <a:p>
+            <a:pPr lvl="1"/>
+            <a:r>
+              <a:rPr lang="en-US" dirty="0" err="1"/>
+              <a:t>AlexNet</a:t>
+            </a:r>
+            <a:r>
+              <a:rPr lang="en-US" dirty="0"/>
+              <a:t> vs GPT-3 (GPT-4 is now out)</a:t>
+            </a:r>
+          </a:p>
+          <a:p>
+            <a:pPr lvl="1"/>
+            <a:r>
+              <a:rPr lang="en-US" dirty="0"/>
+              <a:t>New Nvidia graphics cards specialized for training AI</a:t>
+            </a:r>
+          </a:p>
+          <a:p>
+            <a:r>
+              <a:rPr lang="en-US" dirty="0"/>
+              <a:t>If AI can be used to solve NP complete problems, RM and EDF could be solved faster</a:t>
+            </a:r>
+          </a:p>
+        </p:txBody>
+      </p:sp>
+    </p:spTree>
+    <p:extLst>
+      <p:ext uri="{BB962C8B-B14F-4D97-AF65-F5344CB8AC3E}">
+        <p14:creationId xmlns:p14="http://schemas.microsoft.com/office/powerpoint/2010/main" val="1381184248"/>
+      </p:ext>
+    </p:extLst>
+  </p:cSld>
+  <p:clrMapOvr>
+    <a:masterClrMapping/>
+  </p:clrMapOvr>
+</p:sld>
+</file>
+
+<file path=ppt/slides/slide12.xml><?xml version="1.0" encoding="utf-8"?>
+<p:sld xmlns:a="http://schemas.openxmlformats.org/drawingml/2006/main" xmlns:r="http://schemas.openxmlformats.org/officeDocument/2006/relationships" xmlns:p="http://schemas.openxmlformats.org/presentationml/2006/main">
+  <p:cSld>
+    <p:spTree>
+      <p:nvGrpSpPr>
+        <p:cNvPr id="1" name=""/>
+        <p:cNvGrpSpPr/>
+        <p:nvPr/>
+      </p:nvGrpSpPr>
+      <p:grpSpPr>
+        <a:xfrm>
+          <a:off x="0" y="0"/>
+          <a:ext cx="0" cy="0"/>
+          <a:chOff x="0" y="0"/>
+          <a:chExt cx="0" cy="0"/>
+        </a:xfrm>
+      </p:grpSpPr>
+      <p:sp>
+        <p:nvSpPr>
+          <p:cNvPr id="2" name="Title 1">
+            <a:extLst>
+              <a:ext uri="{FF2B5EF4-FFF2-40B4-BE49-F238E27FC236}">
+                <a16:creationId xmlns:a16="http://schemas.microsoft.com/office/drawing/2014/main" id="{70EB6C7C-DFC5-361F-1FD7-7BA7E9FD5879}"/>
+              </a:ext>
+            </a:extLst>
+          </p:cNvPr>
+          <p:cNvSpPr>
+            <a:spLocks noGrp="1"/>
+          </p:cNvSpPr>
+          <p:nvPr>
+            <p:ph type="title"/>
+          </p:nvPr>
+        </p:nvSpPr>
+        <p:spPr/>
+        <p:txBody>
+          <a:bodyPr/>
+          <a:lstStyle/>
+          <a:p>
+            <a:r>
+              <a:rPr lang="en-US" dirty="0"/>
+              <a:t>Conclusion</a:t>
+            </a:r>
+          </a:p>
+        </p:txBody>
+      </p:sp>
+      <p:sp>
+        <p:nvSpPr>
+          <p:cNvPr id="3" name="Content Placeholder 2">
+            <a:extLst>
+              <a:ext uri="{FF2B5EF4-FFF2-40B4-BE49-F238E27FC236}">
+                <a16:creationId xmlns:a16="http://schemas.microsoft.com/office/drawing/2014/main" id="{42E50143-6629-1D19-BA68-02A9764C02FE}"/>
+              </a:ext>
+            </a:extLst>
+          </p:cNvPr>
+          <p:cNvSpPr>
+            <a:spLocks noGrp="1"/>
+          </p:cNvSpPr>
+          <p:nvPr>
+            <p:ph idx="1"/>
+          </p:nvPr>
+        </p:nvSpPr>
+        <p:spPr/>
+        <p:txBody>
+          <a:bodyPr/>
+          <a:lstStyle/>
+          <a:p>
+            <a:endParaRPr lang="en-US"/>
+          </a:p>
+        </p:txBody>
+      </p:sp>
+    </p:spTree>
+    <p:extLst>
+      <p:ext uri="{BB962C8B-B14F-4D97-AF65-F5344CB8AC3E}">
+        <p14:creationId xmlns:p14="http://schemas.microsoft.com/office/powerpoint/2010/main" val="3326607896"/>
+      </p:ext>
+    </p:extLst>
+  </p:cSld>
+  <p:clrMapOvr>
+    <a:masterClrMapping/>
+  </p:clrMapOvr>
+</p:sld>
+</file>
+
+<file path=ppt/slides/slide13.xml><?xml version="1.0" encoding="utf-8"?>
+<p:sld xmlns:a="http://schemas.openxmlformats.org/drawingml/2006/main" xmlns:r="http://schemas.openxmlformats.org/officeDocument/2006/relationships" xmlns:p="http://schemas.openxmlformats.org/presentationml/2006/main">
+  <p:cSld>
     <p:bg>
       <p:bgPr>
         <a:solidFill>
@@ -19857,7 +20211,7 @@
 </p:sld>
 </file>
 
-<file path=ppt/slides/slide11.xml><?xml version="1.0" encoding="utf-8"?>
+<file path=ppt/slides/slide14.xml><?xml version="1.0" encoding="utf-8"?>
 <p:sld xmlns:a="http://schemas.openxmlformats.org/drawingml/2006/main" xmlns:r="http://schemas.openxmlformats.org/officeDocument/2006/relationships" xmlns:p="http://schemas.openxmlformats.org/presentationml/2006/main">
   <p:cSld>
     <p:spTree>
@@ -20055,7 +20409,7 @@
 </p:sld>
 </file>
 
-<file path=ppt/slides/slide12.xml><?xml version="1.0" encoding="utf-8"?>
+<file path=ppt/slides/slide15.xml><?xml version="1.0" encoding="utf-8"?>
 <p:sld xmlns:a="http://schemas.openxmlformats.org/drawingml/2006/main" xmlns:r="http://schemas.openxmlformats.org/officeDocument/2006/relationships" xmlns:p="http://schemas.openxmlformats.org/presentationml/2006/main">
   <p:cSld>
     <p:bg>
@@ -23821,7 +24175,7 @@
 </p:sld>
 </file>
 
-<file path=ppt/slides/slide13.xml><?xml version="1.0" encoding="utf-8"?>
+<file path=ppt/slides/slide16.xml><?xml version="1.0" encoding="utf-8"?>
 <p:sld xmlns:a="http://schemas.openxmlformats.org/drawingml/2006/main" xmlns:r="http://schemas.openxmlformats.org/officeDocument/2006/relationships" xmlns:p="http://schemas.openxmlformats.org/presentationml/2006/main">
   <p:cSld>
     <p:spTree>
@@ -23956,6 +24310,18 @@
               </a:rPr>
               <a:t>https://victorzhou.com/series/neural-networks-from-scratch/</a:t>
             </a:r>
+            <a:endParaRPr lang="en-US" sz="1000" dirty="0"/>
+          </a:p>
+          <a:p>
+            <a:r>
+              <a:rPr lang="en-US" sz="1000" dirty="0">
+                <a:hlinkClick r:id="rId10"/>
+              </a:rPr>
+              <a:t>https://www.jeremyjordan.me/intro-to-neural-networks/</a:t>
+            </a:r>
+            <a:endParaRPr lang="en-US" sz="1000" dirty="0"/>
+          </a:p>
+          <a:p>
             <a:endParaRPr lang="en-US" sz="1000" dirty="0"/>
           </a:p>
           <a:p>
@@ -31454,7 +31820,7 @@
           <p:cNvPr id="2" name="Title 1">
             <a:extLst>
               <a:ext uri="{FF2B5EF4-FFF2-40B4-BE49-F238E27FC236}">
-                <a16:creationId xmlns:a16="http://schemas.microsoft.com/office/drawing/2014/main" id="{7BEADE84-B136-0946-BCF0-1FF9C155F035}"/>
+                <a16:creationId xmlns:a16="http://schemas.microsoft.com/office/drawing/2014/main" id="{CEADD95D-7C99-E60F-B4F1-55136D7BD54A}"/>
               </a:ext>
             </a:extLst>
           </p:cNvPr>
@@ -31465,97 +31831,1262 @@
             <p:ph type="title"/>
           </p:nvPr>
         </p:nvSpPr>
-        <p:spPr/>
+        <p:spPr>
+          <a:xfrm>
+            <a:off x="691079" y="725951"/>
+            <a:ext cx="2975852" cy="1442463"/>
+          </a:xfrm>
+        </p:spPr>
         <p:txBody>
           <a:bodyPr/>
           <a:lstStyle/>
           <a:p>
             <a:r>
               <a:rPr lang="en-US" dirty="0"/>
-              <a:t>Hello World of AI</a:t>
+              <a:t>Neuron</a:t>
             </a:r>
           </a:p>
         </p:txBody>
       </p:sp>
       <p:sp>
         <p:nvSpPr>
-          <p:cNvPr id="3" name="Content Placeholder 2">
+          <p:cNvPr id="5" name="Oval 4">
             <a:extLst>
               <a:ext uri="{FF2B5EF4-FFF2-40B4-BE49-F238E27FC236}">
-                <a16:creationId xmlns:a16="http://schemas.microsoft.com/office/drawing/2014/main" id="{B8FB3FCC-76D4-FF29-1483-742E0D222D4D}"/>
+                <a16:creationId xmlns:a16="http://schemas.microsoft.com/office/drawing/2014/main" id="{FB355E22-EB94-5B3A-E431-1E23C1E86F10}"/>
               </a:ext>
             </a:extLst>
           </p:cNvPr>
-          <p:cNvSpPr>
-            <a:spLocks noGrp="1"/>
-          </p:cNvSpPr>
-          <p:nvPr>
-            <p:ph idx="1"/>
-          </p:nvPr>
+          <p:cNvSpPr/>
+          <p:nvPr/>
         </p:nvSpPr>
-        <p:spPr/>
+        <p:spPr>
+          <a:xfrm>
+            <a:off x="1586204" y="3219061"/>
+            <a:ext cx="1119674" cy="1119674"/>
+          </a:xfrm>
+          <a:prstGeom prst="ellipse">
+            <a:avLst/>
+          </a:prstGeom>
+          <a:noFill/>
+          <a:ln w="38100">
+            <a:solidFill>
+              <a:schemeClr val="tx1"/>
+            </a:solidFill>
+          </a:ln>
+        </p:spPr>
+        <p:style>
+          <a:lnRef idx="2">
+            <a:schemeClr val="accent1">
+              <a:shade val="50000"/>
+            </a:schemeClr>
+          </a:lnRef>
+          <a:fillRef idx="1">
+            <a:schemeClr val="accent1"/>
+          </a:fillRef>
+          <a:effectRef idx="0">
+            <a:schemeClr val="accent1"/>
+          </a:effectRef>
+          <a:fontRef idx="minor">
+            <a:schemeClr val="lt1"/>
+          </a:fontRef>
+        </p:style>
         <p:txBody>
-          <a:bodyPr>
-            <a:normAutofit/>
+          <a:bodyPr rtlCol="0" anchor="ctr"/>
+          <a:lstStyle/>
+          <a:p>
+            <a:pPr algn="ctr"/>
+            <a:endParaRPr lang="en-US"/>
+          </a:p>
+        </p:txBody>
+      </p:sp>
+      <p:sp>
+        <p:nvSpPr>
+          <p:cNvPr id="6" name="TextBox 5">
+            <a:extLst>
+              <a:ext uri="{FF2B5EF4-FFF2-40B4-BE49-F238E27FC236}">
+                <a16:creationId xmlns:a16="http://schemas.microsoft.com/office/drawing/2014/main" id="{DAEF8F7A-B5EC-B08A-1B2A-C7F034D75686}"/>
+              </a:ext>
+            </a:extLst>
+          </p:cNvPr>
+          <p:cNvSpPr txBox="1"/>
+          <p:nvPr/>
+        </p:nvSpPr>
+        <p:spPr>
+          <a:xfrm>
+            <a:off x="1839707" y="3594232"/>
+            <a:ext cx="612668" cy="369332"/>
+          </a:xfrm>
+          <a:prstGeom prst="rect">
+            <a:avLst/>
+          </a:prstGeom>
+          <a:noFill/>
+        </p:spPr>
+        <p:txBody>
+          <a:bodyPr wrap="none" rtlCol="0">
+            <a:spAutoFit/>
           </a:bodyPr>
           <a:lstStyle/>
           <a:p>
             <a:r>
               <a:rPr lang="en-US" dirty="0"/>
-              <a:t>Introduce the problem – MNIST</a:t>
+              <a:t>0.18</a:t>
+            </a:r>
+          </a:p>
+        </p:txBody>
+      </p:sp>
+      <p:sp>
+        <p:nvSpPr>
+          <p:cNvPr id="7" name="Oval 6">
+            <a:extLst>
+              <a:ext uri="{FF2B5EF4-FFF2-40B4-BE49-F238E27FC236}">
+                <a16:creationId xmlns:a16="http://schemas.microsoft.com/office/drawing/2014/main" id="{5730A26A-5704-B6AA-8F57-89306EB069B0}"/>
+              </a:ext>
+            </a:extLst>
+          </p:cNvPr>
+          <p:cNvSpPr/>
+          <p:nvPr/>
+        </p:nvSpPr>
+        <p:spPr>
+          <a:xfrm>
+            <a:off x="5657461" y="531865"/>
+            <a:ext cx="1119674" cy="1119674"/>
+          </a:xfrm>
+          <a:prstGeom prst="ellipse">
+            <a:avLst/>
+          </a:prstGeom>
+          <a:noFill/>
+          <a:ln w="38100">
+            <a:solidFill>
+              <a:schemeClr val="tx1"/>
+            </a:solidFill>
+          </a:ln>
+        </p:spPr>
+        <p:style>
+          <a:lnRef idx="2">
+            <a:schemeClr val="accent1">
+              <a:shade val="50000"/>
+            </a:schemeClr>
+          </a:lnRef>
+          <a:fillRef idx="1">
+            <a:schemeClr val="accent1"/>
+          </a:fillRef>
+          <a:effectRef idx="0">
+            <a:schemeClr val="accent1"/>
+          </a:effectRef>
+          <a:fontRef idx="minor">
+            <a:schemeClr val="lt1"/>
+          </a:fontRef>
+        </p:style>
+        <p:txBody>
+          <a:bodyPr rtlCol="0" anchor="ctr"/>
+          <a:lstStyle/>
+          <a:p>
+            <a:pPr algn="ctr"/>
+            <a:endParaRPr lang="en-US"/>
+          </a:p>
+        </p:txBody>
+      </p:sp>
+      <p:sp>
+        <p:nvSpPr>
+          <p:cNvPr id="8" name="Oval 7">
+            <a:extLst>
+              <a:ext uri="{FF2B5EF4-FFF2-40B4-BE49-F238E27FC236}">
+                <a16:creationId xmlns:a16="http://schemas.microsoft.com/office/drawing/2014/main" id="{CAF14162-CD5D-D013-8DE0-EDB141AD4818}"/>
+              </a:ext>
+            </a:extLst>
+          </p:cNvPr>
+          <p:cNvSpPr/>
+          <p:nvPr/>
+        </p:nvSpPr>
+        <p:spPr>
+          <a:xfrm>
+            <a:off x="5657461" y="4528693"/>
+            <a:ext cx="1119674" cy="1119674"/>
+          </a:xfrm>
+          <a:prstGeom prst="ellipse">
+            <a:avLst/>
+          </a:prstGeom>
+          <a:noFill/>
+          <a:ln w="38100">
+            <a:solidFill>
+              <a:schemeClr val="tx1"/>
+            </a:solidFill>
+          </a:ln>
+        </p:spPr>
+        <p:style>
+          <a:lnRef idx="2">
+            <a:schemeClr val="accent1">
+              <a:shade val="50000"/>
+            </a:schemeClr>
+          </a:lnRef>
+          <a:fillRef idx="1">
+            <a:schemeClr val="accent1"/>
+          </a:fillRef>
+          <a:effectRef idx="0">
+            <a:schemeClr val="accent1"/>
+          </a:effectRef>
+          <a:fontRef idx="minor">
+            <a:schemeClr val="lt1"/>
+          </a:fontRef>
+        </p:style>
+        <p:txBody>
+          <a:bodyPr rtlCol="0" anchor="ctr"/>
+          <a:lstStyle/>
+          <a:p>
+            <a:pPr algn="ctr"/>
+            <a:endParaRPr lang="en-US"/>
+          </a:p>
+        </p:txBody>
+      </p:sp>
+      <p:sp>
+        <p:nvSpPr>
+          <p:cNvPr id="9" name="Oval 8">
+            <a:extLst>
+              <a:ext uri="{FF2B5EF4-FFF2-40B4-BE49-F238E27FC236}">
+                <a16:creationId xmlns:a16="http://schemas.microsoft.com/office/drawing/2014/main" id="{811233CF-ED64-027E-69A5-7DCF0C061CB3}"/>
+              </a:ext>
+            </a:extLst>
+          </p:cNvPr>
+          <p:cNvSpPr/>
+          <p:nvPr/>
+        </p:nvSpPr>
+        <p:spPr>
+          <a:xfrm>
+            <a:off x="5657461" y="2168414"/>
+            <a:ext cx="1119674" cy="1119674"/>
+          </a:xfrm>
+          <a:prstGeom prst="ellipse">
+            <a:avLst/>
+          </a:prstGeom>
+          <a:noFill/>
+          <a:ln w="38100">
+            <a:solidFill>
+              <a:schemeClr val="tx1"/>
+            </a:solidFill>
+          </a:ln>
+        </p:spPr>
+        <p:style>
+          <a:lnRef idx="2">
+            <a:schemeClr val="accent1">
+              <a:shade val="50000"/>
+            </a:schemeClr>
+          </a:lnRef>
+          <a:fillRef idx="1">
+            <a:schemeClr val="accent1"/>
+          </a:fillRef>
+          <a:effectRef idx="0">
+            <a:schemeClr val="accent1"/>
+          </a:effectRef>
+          <a:fontRef idx="minor">
+            <a:schemeClr val="lt1"/>
+          </a:fontRef>
+        </p:style>
+        <p:txBody>
+          <a:bodyPr rtlCol="0" anchor="ctr"/>
+          <a:lstStyle/>
+          <a:p>
+            <a:pPr algn="ctr"/>
+            <a:endParaRPr lang="en-US"/>
+          </a:p>
+        </p:txBody>
+      </p:sp>
+      <p:sp>
+        <p:nvSpPr>
+          <p:cNvPr id="10" name="Oval 9">
+            <a:extLst>
+              <a:ext uri="{FF2B5EF4-FFF2-40B4-BE49-F238E27FC236}">
+                <a16:creationId xmlns:a16="http://schemas.microsoft.com/office/drawing/2014/main" id="{C2710D2D-AA2E-6569-4BBA-305045DFD123}"/>
+              </a:ext>
+            </a:extLst>
+          </p:cNvPr>
+          <p:cNvSpPr/>
+          <p:nvPr/>
+        </p:nvSpPr>
+        <p:spPr>
+          <a:xfrm>
+            <a:off x="8615265" y="2168414"/>
+            <a:ext cx="1119674" cy="1119674"/>
+          </a:xfrm>
+          <a:prstGeom prst="ellipse">
+            <a:avLst/>
+          </a:prstGeom>
+          <a:noFill/>
+          <a:ln w="38100">
+            <a:solidFill>
+              <a:schemeClr val="tx1"/>
+            </a:solidFill>
+          </a:ln>
+        </p:spPr>
+        <p:style>
+          <a:lnRef idx="2">
+            <a:schemeClr val="accent1">
+              <a:shade val="50000"/>
+            </a:schemeClr>
+          </a:lnRef>
+          <a:fillRef idx="1">
+            <a:schemeClr val="accent1"/>
+          </a:fillRef>
+          <a:effectRef idx="0">
+            <a:schemeClr val="accent1"/>
+          </a:effectRef>
+          <a:fontRef idx="minor">
+            <a:schemeClr val="lt1"/>
+          </a:fontRef>
+        </p:style>
+        <p:txBody>
+          <a:bodyPr rtlCol="0" anchor="ctr"/>
+          <a:lstStyle/>
+          <a:p>
+            <a:pPr algn="ctr"/>
+            <a:endParaRPr lang="en-US"/>
+          </a:p>
+        </p:txBody>
+      </p:sp>
+      <p:cxnSp>
+        <p:nvCxnSpPr>
+          <p:cNvPr id="12" name="Straight Connector 11">
+            <a:extLst>
+              <a:ext uri="{FF2B5EF4-FFF2-40B4-BE49-F238E27FC236}">
+                <a16:creationId xmlns:a16="http://schemas.microsoft.com/office/drawing/2014/main" id="{4EC0718C-F46C-629C-CB36-FBEE98CA8083}"/>
+              </a:ext>
+            </a:extLst>
+          </p:cNvPr>
+          <p:cNvCxnSpPr>
+            <a:stCxn id="7" idx="6"/>
+            <a:endCxn id="10" idx="2"/>
+          </p:cNvCxnSpPr>
+          <p:nvPr/>
+        </p:nvCxnSpPr>
+        <p:spPr>
+          <a:xfrm>
+            <a:off x="6777135" y="1091702"/>
+            <a:ext cx="1838130" cy="1636549"/>
+          </a:xfrm>
+          <a:prstGeom prst="line">
+            <a:avLst/>
+          </a:prstGeom>
+          <a:ln w="19050"/>
+        </p:spPr>
+        <p:style>
+          <a:lnRef idx="1">
+            <a:schemeClr val="dk1"/>
+          </a:lnRef>
+          <a:fillRef idx="0">
+            <a:schemeClr val="dk1"/>
+          </a:fillRef>
+          <a:effectRef idx="0">
+            <a:schemeClr val="dk1"/>
+          </a:effectRef>
+          <a:fontRef idx="minor">
+            <a:schemeClr val="tx1"/>
+          </a:fontRef>
+        </p:style>
+      </p:cxnSp>
+      <p:cxnSp>
+        <p:nvCxnSpPr>
+          <p:cNvPr id="16" name="Straight Connector 15">
+            <a:extLst>
+              <a:ext uri="{FF2B5EF4-FFF2-40B4-BE49-F238E27FC236}">
+                <a16:creationId xmlns:a16="http://schemas.microsoft.com/office/drawing/2014/main" id="{8F0D326C-2834-CA29-F534-3C7C45138304}"/>
+              </a:ext>
+            </a:extLst>
+          </p:cNvPr>
+          <p:cNvCxnSpPr>
+            <a:stCxn id="9" idx="6"/>
+            <a:endCxn id="10" idx="2"/>
+          </p:cNvCxnSpPr>
+          <p:nvPr/>
+        </p:nvCxnSpPr>
+        <p:spPr>
+          <a:xfrm>
+            <a:off x="6777135" y="2728251"/>
+            <a:ext cx="1838130" cy="0"/>
+          </a:xfrm>
+          <a:prstGeom prst="line">
+            <a:avLst/>
+          </a:prstGeom>
+          <a:ln w="19050"/>
+        </p:spPr>
+        <p:style>
+          <a:lnRef idx="1">
+            <a:schemeClr val="dk1"/>
+          </a:lnRef>
+          <a:fillRef idx="0">
+            <a:schemeClr val="dk1"/>
+          </a:fillRef>
+          <a:effectRef idx="0">
+            <a:schemeClr val="dk1"/>
+          </a:effectRef>
+          <a:fontRef idx="minor">
+            <a:schemeClr val="tx1"/>
+          </a:fontRef>
+        </p:style>
+      </p:cxnSp>
+      <p:cxnSp>
+        <p:nvCxnSpPr>
+          <p:cNvPr id="18" name="Straight Connector 17">
+            <a:extLst>
+              <a:ext uri="{FF2B5EF4-FFF2-40B4-BE49-F238E27FC236}">
+                <a16:creationId xmlns:a16="http://schemas.microsoft.com/office/drawing/2014/main" id="{70AB0DDD-39B0-DE13-9C41-66A35EA6B8D1}"/>
+              </a:ext>
+            </a:extLst>
+          </p:cNvPr>
+          <p:cNvCxnSpPr>
+            <a:stCxn id="8" idx="6"/>
+            <a:endCxn id="10" idx="2"/>
+          </p:cNvCxnSpPr>
+          <p:nvPr/>
+        </p:nvCxnSpPr>
+        <p:spPr>
+          <a:xfrm flipV="1">
+            <a:off x="6777135" y="2728251"/>
+            <a:ext cx="1838130" cy="2360279"/>
+          </a:xfrm>
+          <a:prstGeom prst="line">
+            <a:avLst/>
+          </a:prstGeom>
+          <a:ln w="19050"/>
+        </p:spPr>
+        <p:style>
+          <a:lnRef idx="1">
+            <a:schemeClr val="dk1"/>
+          </a:lnRef>
+          <a:fillRef idx="0">
+            <a:schemeClr val="dk1"/>
+          </a:fillRef>
+          <a:effectRef idx="0">
+            <a:schemeClr val="dk1"/>
+          </a:effectRef>
+          <a:fontRef idx="minor">
+            <a:schemeClr val="tx1"/>
+          </a:fontRef>
+        </p:style>
+      </p:cxnSp>
+      <p:sp>
+        <p:nvSpPr>
+          <p:cNvPr id="19" name="TextBox 18">
+            <a:extLst>
+              <a:ext uri="{FF2B5EF4-FFF2-40B4-BE49-F238E27FC236}">
+                <a16:creationId xmlns:a16="http://schemas.microsoft.com/office/drawing/2014/main" id="{2BE70167-0CAB-0BEF-9952-3F522287B242}"/>
+              </a:ext>
+            </a:extLst>
+          </p:cNvPr>
+          <p:cNvSpPr txBox="1"/>
+          <p:nvPr/>
+        </p:nvSpPr>
+        <p:spPr>
+          <a:xfrm>
+            <a:off x="6025961" y="907036"/>
+            <a:ext cx="336952" cy="369332"/>
+          </a:xfrm>
+          <a:prstGeom prst="rect">
+            <a:avLst/>
+          </a:prstGeom>
+          <a:noFill/>
+        </p:spPr>
+        <p:txBody>
+          <a:bodyPr wrap="none" rtlCol="0">
+            <a:spAutoFit/>
+          </a:bodyPr>
+          <a:lstStyle/>
+          <a:p>
+            <a:r>
+              <a:rPr lang="en-US" b="1" dirty="0"/>
+              <a:t>A</a:t>
+            </a:r>
+          </a:p>
+        </p:txBody>
+      </p:sp>
+      <p:sp>
+        <p:nvSpPr>
+          <p:cNvPr id="20" name="TextBox 19">
+            <a:extLst>
+              <a:ext uri="{FF2B5EF4-FFF2-40B4-BE49-F238E27FC236}">
+                <a16:creationId xmlns:a16="http://schemas.microsoft.com/office/drawing/2014/main" id="{A205B23E-6F66-A1B7-4681-ED3A65E30491}"/>
+              </a:ext>
+            </a:extLst>
+          </p:cNvPr>
+          <p:cNvSpPr txBox="1"/>
+          <p:nvPr/>
+        </p:nvSpPr>
+        <p:spPr>
+          <a:xfrm>
+            <a:off x="6038495" y="2548279"/>
+            <a:ext cx="336952" cy="369332"/>
+          </a:xfrm>
+          <a:prstGeom prst="rect">
+            <a:avLst/>
+          </a:prstGeom>
+          <a:noFill/>
+        </p:spPr>
+        <p:txBody>
+          <a:bodyPr wrap="none" rtlCol="0">
+            <a:spAutoFit/>
+          </a:bodyPr>
+          <a:lstStyle/>
+          <a:p>
+            <a:r>
+              <a:rPr lang="en-US" b="1" dirty="0"/>
+              <a:t>B</a:t>
+            </a:r>
+          </a:p>
+        </p:txBody>
+      </p:sp>
+      <p:sp>
+        <p:nvSpPr>
+          <p:cNvPr id="21" name="TextBox 20">
+            <a:extLst>
+              <a:ext uri="{FF2B5EF4-FFF2-40B4-BE49-F238E27FC236}">
+                <a16:creationId xmlns:a16="http://schemas.microsoft.com/office/drawing/2014/main" id="{0126EAB5-C900-4816-24FA-6E3D776341CB}"/>
+              </a:ext>
+            </a:extLst>
+          </p:cNvPr>
+          <p:cNvSpPr txBox="1"/>
+          <p:nvPr/>
+        </p:nvSpPr>
+        <p:spPr>
+          <a:xfrm>
+            <a:off x="6073232" y="4918487"/>
+            <a:ext cx="267478" cy="369332"/>
+          </a:xfrm>
+          <a:prstGeom prst="rect">
+            <a:avLst/>
+          </a:prstGeom>
+          <a:noFill/>
+        </p:spPr>
+        <p:txBody>
+          <a:bodyPr wrap="square" rtlCol="0">
+            <a:spAutoFit/>
+          </a:bodyPr>
+          <a:lstStyle/>
+          <a:p>
+            <a:r>
+              <a:rPr lang="en-US" b="1" dirty="0"/>
+              <a:t>C</a:t>
+            </a:r>
+          </a:p>
+        </p:txBody>
+      </p:sp>
+      <p:sp>
+        <p:nvSpPr>
+          <p:cNvPr id="22" name="TextBox 21">
+            <a:extLst>
+              <a:ext uri="{FF2B5EF4-FFF2-40B4-BE49-F238E27FC236}">
+                <a16:creationId xmlns:a16="http://schemas.microsoft.com/office/drawing/2014/main" id="{7748169C-05D2-AB15-23E2-727E87AF7DC1}"/>
+              </a:ext>
+            </a:extLst>
+          </p:cNvPr>
+          <p:cNvSpPr txBox="1"/>
+          <p:nvPr/>
+        </p:nvSpPr>
+        <p:spPr>
+          <a:xfrm>
+            <a:off x="897141" y="2694709"/>
+            <a:ext cx="2497800" cy="369332"/>
+          </a:xfrm>
+          <a:prstGeom prst="rect">
+            <a:avLst/>
+          </a:prstGeom>
+          <a:noFill/>
+        </p:spPr>
+        <p:txBody>
+          <a:bodyPr wrap="none" rtlCol="0">
+            <a:spAutoFit/>
+          </a:bodyPr>
+          <a:lstStyle/>
+          <a:p>
+            <a:r>
+              <a:rPr lang="en-US" dirty="0"/>
+              <a:t>Single float from 0 - 1</a:t>
+            </a:r>
+          </a:p>
+        </p:txBody>
+      </p:sp>
+      <p:sp>
+        <p:nvSpPr>
+          <p:cNvPr id="23" name="TextBox 22">
+            <a:extLst>
+              <a:ext uri="{FF2B5EF4-FFF2-40B4-BE49-F238E27FC236}">
+                <a16:creationId xmlns:a16="http://schemas.microsoft.com/office/drawing/2014/main" id="{EC1B563F-031A-924B-57FD-7CA0A8BBD9E4}"/>
+              </a:ext>
+            </a:extLst>
+          </p:cNvPr>
+          <p:cNvSpPr txBox="1"/>
+          <p:nvPr/>
+        </p:nvSpPr>
+        <p:spPr>
+          <a:xfrm>
+            <a:off x="9039655" y="2543585"/>
+            <a:ext cx="267478" cy="369332"/>
+          </a:xfrm>
+          <a:prstGeom prst="rect">
+            <a:avLst/>
+          </a:prstGeom>
+          <a:noFill/>
+        </p:spPr>
+        <p:txBody>
+          <a:bodyPr wrap="square" rtlCol="0">
+            <a:spAutoFit/>
+          </a:bodyPr>
+          <a:lstStyle/>
+          <a:p>
+            <a:r>
+              <a:rPr lang="en-US" b="1" dirty="0"/>
+              <a:t>D</a:t>
+            </a:r>
+          </a:p>
+        </p:txBody>
+      </p:sp>
+      <p:sp>
+        <p:nvSpPr>
+          <p:cNvPr id="25" name="Oval 24">
+            <a:extLst>
+              <a:ext uri="{FF2B5EF4-FFF2-40B4-BE49-F238E27FC236}">
+                <a16:creationId xmlns:a16="http://schemas.microsoft.com/office/drawing/2014/main" id="{635F51E9-B5C8-9162-3F3D-93BE21B255AF}"/>
+              </a:ext>
+            </a:extLst>
+          </p:cNvPr>
+          <p:cNvSpPr/>
+          <p:nvPr/>
+        </p:nvSpPr>
+        <p:spPr>
+          <a:xfrm>
+            <a:off x="6171579" y="3562509"/>
+            <a:ext cx="45719" cy="45719"/>
+          </a:xfrm>
+          <a:prstGeom prst="ellipse">
+            <a:avLst/>
+          </a:prstGeom>
+          <a:noFill/>
+          <a:ln w="38100">
+            <a:solidFill>
+              <a:schemeClr val="tx1"/>
+            </a:solidFill>
+          </a:ln>
+        </p:spPr>
+        <p:style>
+          <a:lnRef idx="2">
+            <a:schemeClr val="accent1">
+              <a:shade val="50000"/>
+            </a:schemeClr>
+          </a:lnRef>
+          <a:fillRef idx="1">
+            <a:schemeClr val="accent1"/>
+          </a:fillRef>
+          <a:effectRef idx="0">
+            <a:schemeClr val="accent1"/>
+          </a:effectRef>
+          <a:fontRef idx="minor">
+            <a:schemeClr val="lt1"/>
+          </a:fontRef>
+        </p:style>
+        <p:txBody>
+          <a:bodyPr rtlCol="0" anchor="ctr"/>
+          <a:lstStyle/>
+          <a:p>
+            <a:pPr algn="ctr"/>
+            <a:endParaRPr lang="en-US"/>
+          </a:p>
+        </p:txBody>
+      </p:sp>
+      <p:sp>
+        <p:nvSpPr>
+          <p:cNvPr id="26" name="Oval 25">
+            <a:extLst>
+              <a:ext uri="{FF2B5EF4-FFF2-40B4-BE49-F238E27FC236}">
+                <a16:creationId xmlns:a16="http://schemas.microsoft.com/office/drawing/2014/main" id="{E0068E09-5F7B-1980-7544-4470BC52DE61}"/>
+              </a:ext>
+            </a:extLst>
+          </p:cNvPr>
+          <p:cNvSpPr/>
+          <p:nvPr/>
+        </p:nvSpPr>
+        <p:spPr>
+          <a:xfrm>
+            <a:off x="6171579" y="3940704"/>
+            <a:ext cx="45719" cy="45719"/>
+          </a:xfrm>
+          <a:prstGeom prst="ellipse">
+            <a:avLst/>
+          </a:prstGeom>
+          <a:noFill/>
+          <a:ln w="38100">
+            <a:solidFill>
+              <a:schemeClr val="tx1"/>
+            </a:solidFill>
+          </a:ln>
+        </p:spPr>
+        <p:style>
+          <a:lnRef idx="2">
+            <a:schemeClr val="accent1">
+              <a:shade val="50000"/>
+            </a:schemeClr>
+          </a:lnRef>
+          <a:fillRef idx="1">
+            <a:schemeClr val="accent1"/>
+          </a:fillRef>
+          <a:effectRef idx="0">
+            <a:schemeClr val="accent1"/>
+          </a:effectRef>
+          <a:fontRef idx="minor">
+            <a:schemeClr val="lt1"/>
+          </a:fontRef>
+        </p:style>
+        <p:txBody>
+          <a:bodyPr rtlCol="0" anchor="ctr"/>
+          <a:lstStyle/>
+          <a:p>
+            <a:pPr algn="ctr"/>
+            <a:endParaRPr lang="en-US"/>
+          </a:p>
+        </p:txBody>
+      </p:sp>
+      <p:sp>
+        <p:nvSpPr>
+          <p:cNvPr id="27" name="Oval 26">
+            <a:extLst>
+              <a:ext uri="{FF2B5EF4-FFF2-40B4-BE49-F238E27FC236}">
+                <a16:creationId xmlns:a16="http://schemas.microsoft.com/office/drawing/2014/main" id="{4E7A3A0E-85FD-49C2-9A54-04484CD5EAF1}"/>
+              </a:ext>
+            </a:extLst>
+          </p:cNvPr>
+          <p:cNvSpPr/>
+          <p:nvPr/>
+        </p:nvSpPr>
+        <p:spPr>
+          <a:xfrm>
+            <a:off x="6171578" y="4273180"/>
+            <a:ext cx="45719" cy="45719"/>
+          </a:xfrm>
+          <a:prstGeom prst="ellipse">
+            <a:avLst/>
+          </a:prstGeom>
+          <a:noFill/>
+          <a:ln w="38100">
+            <a:solidFill>
+              <a:schemeClr val="tx1"/>
+            </a:solidFill>
+          </a:ln>
+        </p:spPr>
+        <p:style>
+          <a:lnRef idx="2">
+            <a:schemeClr val="accent1">
+              <a:shade val="50000"/>
+            </a:schemeClr>
+          </a:lnRef>
+          <a:fillRef idx="1">
+            <a:schemeClr val="accent1"/>
+          </a:fillRef>
+          <a:effectRef idx="0">
+            <a:schemeClr val="accent1"/>
+          </a:effectRef>
+          <a:fontRef idx="minor">
+            <a:schemeClr val="lt1"/>
+          </a:fontRef>
+        </p:style>
+        <p:txBody>
+          <a:bodyPr rtlCol="0" anchor="ctr"/>
+          <a:lstStyle/>
+          <a:p>
+            <a:pPr algn="ctr"/>
+            <a:endParaRPr lang="en-US"/>
+          </a:p>
+        </p:txBody>
+      </p:sp>
+      <p:sp>
+        <p:nvSpPr>
+          <p:cNvPr id="28" name="TextBox 27">
+            <a:extLst>
+              <a:ext uri="{FF2B5EF4-FFF2-40B4-BE49-F238E27FC236}">
+                <a16:creationId xmlns:a16="http://schemas.microsoft.com/office/drawing/2014/main" id="{D9BC034C-AA27-F7C3-B464-2318B9E4C231}"/>
+              </a:ext>
+            </a:extLst>
+          </p:cNvPr>
+          <p:cNvSpPr txBox="1"/>
+          <p:nvPr/>
+        </p:nvSpPr>
+        <p:spPr>
+          <a:xfrm>
+            <a:off x="7524089" y="1287757"/>
+            <a:ext cx="583814" cy="369332"/>
+          </a:xfrm>
+          <a:prstGeom prst="rect">
+            <a:avLst/>
+          </a:prstGeom>
+          <a:noFill/>
+        </p:spPr>
+        <p:txBody>
+          <a:bodyPr wrap="none" rtlCol="0">
+            <a:spAutoFit/>
+          </a:bodyPr>
+          <a:lstStyle/>
+          <a:p>
+            <a:r>
+              <a:rPr lang="en-US" b="1" i="1" dirty="0" err="1"/>
+              <a:t>w_a</a:t>
+            </a:r>
+            <a:endParaRPr lang="en-US" b="1" i="1" dirty="0"/>
+          </a:p>
+        </p:txBody>
+      </p:sp>
+      <mc:AlternateContent xmlns:mc="http://schemas.openxmlformats.org/markup-compatibility/2006">
+        <mc:Choice xmlns:a14="http://schemas.microsoft.com/office/drawing/2010/main" Requires="a14">
+          <p:sp>
+            <p:nvSpPr>
+              <p:cNvPr id="29" name="TextBox 28">
+                <a:extLst>
+                  <a:ext uri="{FF2B5EF4-FFF2-40B4-BE49-F238E27FC236}">
+                    <a16:creationId xmlns:a16="http://schemas.microsoft.com/office/drawing/2014/main" id="{6090EA4A-6E78-F592-771C-48554D94A8D2}"/>
+                  </a:ext>
+                </a:extLst>
+              </p:cNvPr>
+              <p:cNvSpPr txBox="1"/>
+              <p:nvPr/>
+            </p:nvSpPr>
+            <p:spPr>
+              <a:xfrm>
+                <a:off x="3797752" y="5888956"/>
+                <a:ext cx="7958819" cy="830997"/>
+              </a:xfrm>
+              <a:prstGeom prst="rect">
+                <a:avLst/>
+              </a:prstGeom>
+              <a:noFill/>
+            </p:spPr>
+            <p:txBody>
+              <a:bodyPr wrap="square" rtlCol="0">
+                <a:spAutoFit/>
+              </a:bodyPr>
+              <a:lstStyle/>
+              <a:p>
+                <a14:m>
+                  <m:oMathPara xmlns:m="http://schemas.openxmlformats.org/officeDocument/2006/math">
+                    <m:oMathParaPr>
+                      <m:jc m:val="centerGroup"/>
+                    </m:oMathParaPr>
+                    <m:oMath xmlns:m="http://schemas.openxmlformats.org/officeDocument/2006/math">
+                      <m:r>
+                        <a:rPr lang="en-US" sz="2400" b="0" i="1" smtClean="0">
+                          <a:latin typeface="Cambria Math" panose="02040503050406030204" pitchFamily="18" charset="0"/>
+                          <a:ea typeface="Cambria Math" panose="02040503050406030204" pitchFamily="18" charset="0"/>
+                        </a:rPr>
+                        <m:t>𝐷</m:t>
+                      </m:r>
+                      <m:r>
+                        <a:rPr lang="en-US" sz="2400" b="0" i="1" smtClean="0">
+                          <a:latin typeface="Cambria Math" panose="02040503050406030204" pitchFamily="18" charset="0"/>
+                          <a:ea typeface="Cambria Math" panose="02040503050406030204" pitchFamily="18" charset="0"/>
+                        </a:rPr>
+                        <m:t>=</m:t>
+                      </m:r>
+                      <m:r>
+                        <a:rPr lang="en-US" sz="2400" b="0" i="1" smtClean="0">
+                          <a:latin typeface="Cambria Math" panose="02040503050406030204" pitchFamily="18" charset="0"/>
+                          <a:ea typeface="Cambria Math" panose="02040503050406030204" pitchFamily="18" charset="0"/>
+                        </a:rPr>
+                        <m:t>𝑦</m:t>
+                      </m:r>
+                      <m:d>
+                        <m:dPr>
+                          <m:ctrlPr>
+                            <a:rPr lang="en-US" sz="2400" b="0" i="1" smtClean="0">
+                              <a:latin typeface="Cambria Math" panose="02040503050406030204" pitchFamily="18" charset="0"/>
+                              <a:ea typeface="Cambria Math" panose="02040503050406030204" pitchFamily="18" charset="0"/>
+                            </a:rPr>
+                          </m:ctrlPr>
+                        </m:dPr>
+                        <m:e>
+                          <m:r>
+                            <a:rPr lang="en-US" sz="2400" b="0" i="1" smtClean="0">
+                              <a:latin typeface="Cambria Math" panose="02040503050406030204" pitchFamily="18" charset="0"/>
+                              <a:ea typeface="Cambria Math" panose="02040503050406030204" pitchFamily="18" charset="0"/>
+                            </a:rPr>
+                            <m:t>𝜎</m:t>
+                          </m:r>
+                          <m:d>
+                            <m:dPr>
+                              <m:begChr m:val="["/>
+                              <m:endChr m:val="]"/>
+                              <m:ctrlPr>
+                                <a:rPr lang="en-US" sz="2400" b="0" i="1" smtClean="0">
+                                  <a:latin typeface="Cambria Math" panose="02040503050406030204" pitchFamily="18" charset="0"/>
+                                  <a:ea typeface="Cambria Math" panose="02040503050406030204" pitchFamily="18" charset="0"/>
+                                </a:rPr>
+                              </m:ctrlPr>
+                            </m:dPr>
+                            <m:e>
+                              <m:r>
+                                <a:rPr lang="en-US" sz="2400" b="0" i="1" smtClean="0">
+                                  <a:latin typeface="Cambria Math" panose="02040503050406030204" pitchFamily="18" charset="0"/>
+                                  <a:ea typeface="Cambria Math" panose="02040503050406030204" pitchFamily="18" charset="0"/>
+                                </a:rPr>
+                                <m:t>𝐴</m:t>
+                              </m:r>
+                              <m:r>
+                                <a:rPr lang="en-US" sz="2400" b="0" i="1" smtClean="0">
+                                  <a:latin typeface="Cambria Math" panose="02040503050406030204" pitchFamily="18" charset="0"/>
+                                  <a:ea typeface="Cambria Math" panose="02040503050406030204" pitchFamily="18" charset="0"/>
+                                </a:rPr>
+                                <m:t>∗</m:t>
+                              </m:r>
+                              <m:sSub>
+                                <m:sSubPr>
+                                  <m:ctrlPr>
+                                    <a:rPr lang="en-US" sz="2400" i="1" smtClean="0">
+                                      <a:latin typeface="Cambria Math" panose="02040503050406030204" pitchFamily="18" charset="0"/>
+                                      <a:ea typeface="Cambria Math" panose="02040503050406030204" pitchFamily="18" charset="0"/>
+                                    </a:rPr>
+                                  </m:ctrlPr>
+                                </m:sSubPr>
+                                <m:e>
+                                  <m:r>
+                                    <a:rPr lang="en-US" sz="2400" b="0" i="1" smtClean="0">
+                                      <a:latin typeface="Cambria Math" panose="02040503050406030204" pitchFamily="18" charset="0"/>
+                                      <a:ea typeface="Cambria Math" panose="02040503050406030204" pitchFamily="18" charset="0"/>
+                                    </a:rPr>
+                                    <m:t>𝑤</m:t>
+                                  </m:r>
+                                </m:e>
+                                <m:sub>
+                                  <m:r>
+                                    <a:rPr lang="en-US" sz="2400" b="0" i="1" smtClean="0">
+                                      <a:latin typeface="Cambria Math" panose="02040503050406030204" pitchFamily="18" charset="0"/>
+                                      <a:ea typeface="Cambria Math" panose="02040503050406030204" pitchFamily="18" charset="0"/>
+                                    </a:rPr>
+                                    <m:t>𝑎</m:t>
+                                  </m:r>
+                                </m:sub>
+                              </m:sSub>
+                              <m:r>
+                                <a:rPr lang="en-US" sz="2400" b="0" i="1" smtClean="0">
+                                  <a:latin typeface="Cambria Math" panose="02040503050406030204" pitchFamily="18" charset="0"/>
+                                  <a:ea typeface="Cambria Math" panose="02040503050406030204" pitchFamily="18" charset="0"/>
+                                </a:rPr>
+                                <m:t>+</m:t>
+                              </m:r>
+                              <m:r>
+                                <a:rPr lang="en-US" sz="2400" b="0" i="1" smtClean="0">
+                                  <a:latin typeface="Cambria Math" panose="02040503050406030204" pitchFamily="18" charset="0"/>
+                                  <a:ea typeface="Cambria Math" panose="02040503050406030204" pitchFamily="18" charset="0"/>
+                                </a:rPr>
+                                <m:t>𝐵</m:t>
+                              </m:r>
+                              <m:r>
+                                <a:rPr lang="en-US" sz="2400" b="0" i="1" smtClean="0">
+                                  <a:latin typeface="Cambria Math" panose="02040503050406030204" pitchFamily="18" charset="0"/>
+                                  <a:ea typeface="Cambria Math" panose="02040503050406030204" pitchFamily="18" charset="0"/>
+                                </a:rPr>
+                                <m:t>∗</m:t>
+                              </m:r>
+                              <m:sSub>
+                                <m:sSubPr>
+                                  <m:ctrlPr>
+                                    <a:rPr lang="en-US" sz="2400" i="1" smtClean="0">
+                                      <a:latin typeface="Cambria Math" panose="02040503050406030204" pitchFamily="18" charset="0"/>
+                                      <a:ea typeface="Cambria Math" panose="02040503050406030204" pitchFamily="18" charset="0"/>
+                                    </a:rPr>
+                                  </m:ctrlPr>
+                                </m:sSubPr>
+                                <m:e>
+                                  <m:r>
+                                    <a:rPr lang="en-US" sz="2400" b="0" i="1" smtClean="0">
+                                      <a:latin typeface="Cambria Math" panose="02040503050406030204" pitchFamily="18" charset="0"/>
+                                      <a:ea typeface="Cambria Math" panose="02040503050406030204" pitchFamily="18" charset="0"/>
+                                    </a:rPr>
+                                    <m:t>𝑤</m:t>
+                                  </m:r>
+                                </m:e>
+                                <m:sub>
+                                  <m:r>
+                                    <a:rPr lang="en-US" sz="2400" b="0" i="1" smtClean="0">
+                                      <a:latin typeface="Cambria Math" panose="02040503050406030204" pitchFamily="18" charset="0"/>
+                                      <a:ea typeface="Cambria Math" panose="02040503050406030204" pitchFamily="18" charset="0"/>
+                                    </a:rPr>
+                                    <m:t>𝑏</m:t>
+                                  </m:r>
+                                </m:sub>
+                              </m:sSub>
+                              <m:r>
+                                <a:rPr lang="en-US" sz="2400" b="0" i="1" smtClean="0">
+                                  <a:latin typeface="Cambria Math" panose="02040503050406030204" pitchFamily="18" charset="0"/>
+                                  <a:ea typeface="Cambria Math" panose="02040503050406030204" pitchFamily="18" charset="0"/>
+                                </a:rPr>
+                                <m:t>+…+</m:t>
+                              </m:r>
+                              <m:r>
+                                <a:rPr lang="en-US" sz="2400" b="0" i="1" smtClean="0">
+                                  <a:latin typeface="Cambria Math" panose="02040503050406030204" pitchFamily="18" charset="0"/>
+                                  <a:ea typeface="Cambria Math" panose="02040503050406030204" pitchFamily="18" charset="0"/>
+                                </a:rPr>
+                                <m:t>𝐶</m:t>
+                              </m:r>
+                              <m:r>
+                                <a:rPr lang="en-US" sz="2400" b="0" i="1" smtClean="0">
+                                  <a:latin typeface="Cambria Math" panose="02040503050406030204" pitchFamily="18" charset="0"/>
+                                  <a:ea typeface="Cambria Math" panose="02040503050406030204" pitchFamily="18" charset="0"/>
+                                </a:rPr>
+                                <m:t>∗</m:t>
+                              </m:r>
+                              <m:sSub>
+                                <m:sSubPr>
+                                  <m:ctrlPr>
+                                    <a:rPr lang="en-US" sz="2400" i="1" smtClean="0">
+                                      <a:latin typeface="Cambria Math" panose="02040503050406030204" pitchFamily="18" charset="0"/>
+                                      <a:ea typeface="Cambria Math" panose="02040503050406030204" pitchFamily="18" charset="0"/>
+                                    </a:rPr>
+                                  </m:ctrlPr>
+                                </m:sSubPr>
+                                <m:e>
+                                  <m:r>
+                                    <a:rPr lang="en-US" sz="2400" b="0" i="1" smtClean="0">
+                                      <a:latin typeface="Cambria Math" panose="02040503050406030204" pitchFamily="18" charset="0"/>
+                                      <a:ea typeface="Cambria Math" panose="02040503050406030204" pitchFamily="18" charset="0"/>
+                                    </a:rPr>
+                                    <m:t>𝑤</m:t>
+                                  </m:r>
+                                </m:e>
+                                <m:sub>
+                                  <m:r>
+                                    <a:rPr lang="en-US" sz="2400" b="0" i="1" smtClean="0">
+                                      <a:latin typeface="Cambria Math" panose="02040503050406030204" pitchFamily="18" charset="0"/>
+                                      <a:ea typeface="Cambria Math" panose="02040503050406030204" pitchFamily="18" charset="0"/>
+                                    </a:rPr>
+                                    <m:t>𝑐</m:t>
+                                  </m:r>
+                                </m:sub>
+                              </m:sSub>
+                              <m:r>
+                                <a:rPr lang="en-US" sz="2400" b="0" i="1" smtClean="0">
+                                  <a:latin typeface="Cambria Math" panose="02040503050406030204" pitchFamily="18" charset="0"/>
+                                  <a:ea typeface="Cambria Math" panose="02040503050406030204" pitchFamily="18" charset="0"/>
+                                </a:rPr>
+                                <m:t>+</m:t>
+                              </m:r>
+                              <m:r>
+                                <a:rPr lang="en-US" sz="2400" b="0" i="1" smtClean="0">
+                                  <a:latin typeface="Cambria Math" panose="02040503050406030204" pitchFamily="18" charset="0"/>
+                                  <a:ea typeface="Cambria Math" panose="02040503050406030204" pitchFamily="18" charset="0"/>
+                                </a:rPr>
+                                <m:t>𝑏</m:t>
+                              </m:r>
+                            </m:e>
+                          </m:d>
+                        </m:e>
+                      </m:d>
+                    </m:oMath>
+                  </m:oMathPara>
+                </a14:m>
+                <a:endParaRPr lang="en-US" sz="2400" dirty="0"/>
+              </a:p>
+              <a:p>
+                <a14:m>
+                  <m:oMath xmlns:m="http://schemas.openxmlformats.org/officeDocument/2006/math">
+                    <m:r>
+                      <a:rPr lang="en-US" sz="2400" b="0" i="1" smtClean="0">
+                        <a:latin typeface="Cambria Math" panose="02040503050406030204" pitchFamily="18" charset="0"/>
+                      </a:rPr>
+                      <m:t>𝑦</m:t>
+                    </m:r>
+                    <m:d>
+                      <m:dPr>
+                        <m:ctrlPr>
+                          <a:rPr lang="en-US" sz="2400" b="0" i="1" smtClean="0">
+                            <a:latin typeface="Cambria Math" panose="02040503050406030204" pitchFamily="18" charset="0"/>
+                          </a:rPr>
+                        </m:ctrlPr>
+                      </m:dPr>
+                      <m:e>
+                        <m:r>
+                          <a:rPr lang="en-US" sz="2400" b="0" i="1" smtClean="0">
+                            <a:latin typeface="Cambria Math" panose="02040503050406030204" pitchFamily="18" charset="0"/>
+                          </a:rPr>
+                          <m:t>𝑥</m:t>
+                        </m:r>
+                      </m:e>
+                    </m:d>
+                    <m:r>
+                      <a:rPr lang="en-US" sz="2400" b="0" i="1" smtClean="0">
+                        <a:latin typeface="Cambria Math" panose="02040503050406030204" pitchFamily="18" charset="0"/>
+                      </a:rPr>
+                      <m:t>=</m:t>
+                    </m:r>
+                  </m:oMath>
+                </a14:m>
+                <a:r>
+                  <a:rPr lang="en-US" sz="2400" b="0" dirty="0"/>
+                  <a:t> function to turn number to value from 0 - 1</a:t>
+                </a:r>
+              </a:p>
+            </p:txBody>
+          </p:sp>
+        </mc:Choice>
+        <mc:Fallback>
+          <p:sp>
+            <p:nvSpPr>
+              <p:cNvPr id="29" name="TextBox 28">
+                <a:extLst>
+                  <a:ext uri="{FF2B5EF4-FFF2-40B4-BE49-F238E27FC236}">
+                    <a16:creationId xmlns:a16="http://schemas.microsoft.com/office/drawing/2014/main" id="{6090EA4A-6E78-F592-771C-48554D94A8D2}"/>
+                  </a:ext>
+                </a:extLst>
+              </p:cNvPr>
+              <p:cNvSpPr txBox="1">
+                <a:spLocks noRot="1" noChangeAspect="1" noMove="1" noResize="1" noEditPoints="1" noAdjustHandles="1" noChangeArrowheads="1" noChangeShapeType="1" noTextEdit="1"/>
+              </p:cNvSpPr>
+              <p:nvPr/>
+            </p:nvSpPr>
+            <p:spPr>
+              <a:xfrm>
+                <a:off x="3797752" y="5888956"/>
+                <a:ext cx="7958819" cy="830997"/>
+              </a:xfrm>
+              <a:prstGeom prst="rect">
+                <a:avLst/>
+              </a:prstGeom>
+              <a:blipFill>
+                <a:blip r:embed="rId2"/>
+                <a:stretch>
+                  <a:fillRect l="-230" b="-15441"/>
+                </a:stretch>
+              </a:blipFill>
+            </p:spPr>
+            <p:txBody>
+              <a:bodyPr/>
+              <a:lstStyle/>
+              <a:p>
+                <a:r>
+                  <a:rPr lang="en-US">
+                    <a:noFill/>
+                  </a:rPr>
+                  <a:t> </a:t>
+                </a:r>
+              </a:p>
+            </p:txBody>
+          </p:sp>
+        </mc:Fallback>
+      </mc:AlternateContent>
+      <p:sp>
+        <p:nvSpPr>
+          <p:cNvPr id="30" name="TextBox 29">
+            <a:extLst>
+              <a:ext uri="{FF2B5EF4-FFF2-40B4-BE49-F238E27FC236}">
+                <a16:creationId xmlns:a16="http://schemas.microsoft.com/office/drawing/2014/main" id="{7B4974F0-C8DE-9F2B-D814-06F445EFC450}"/>
+              </a:ext>
+            </a:extLst>
+          </p:cNvPr>
+          <p:cNvSpPr txBox="1"/>
+          <p:nvPr/>
+        </p:nvSpPr>
+        <p:spPr>
+          <a:xfrm>
+            <a:off x="7102656" y="2274836"/>
+            <a:ext cx="583814" cy="369332"/>
+          </a:xfrm>
+          <a:prstGeom prst="rect">
+            <a:avLst/>
+          </a:prstGeom>
+          <a:noFill/>
+        </p:spPr>
+        <p:txBody>
+          <a:bodyPr wrap="none" rtlCol="0">
+            <a:spAutoFit/>
+          </a:bodyPr>
+          <a:lstStyle/>
+          <a:p>
+            <a:r>
+              <a:rPr lang="en-US" b="1" i="1" dirty="0" err="1"/>
+              <a:t>w_a</a:t>
+            </a:r>
+            <a:endParaRPr lang="en-US" b="1" i="1" dirty="0"/>
+          </a:p>
+        </p:txBody>
+      </p:sp>
+      <p:sp>
+        <p:nvSpPr>
+          <p:cNvPr id="31" name="TextBox 30">
+            <a:extLst>
+              <a:ext uri="{FF2B5EF4-FFF2-40B4-BE49-F238E27FC236}">
+                <a16:creationId xmlns:a16="http://schemas.microsoft.com/office/drawing/2014/main" id="{190CAA48-C8D7-BFC7-38DB-CF503DDC3667}"/>
+              </a:ext>
+            </a:extLst>
+          </p:cNvPr>
+          <p:cNvSpPr txBox="1"/>
+          <p:nvPr/>
+        </p:nvSpPr>
+        <p:spPr>
+          <a:xfrm>
+            <a:off x="7676740" y="3911385"/>
+            <a:ext cx="583814" cy="369332"/>
+          </a:xfrm>
+          <a:prstGeom prst="rect">
+            <a:avLst/>
+          </a:prstGeom>
+          <a:noFill/>
+        </p:spPr>
+        <p:txBody>
+          <a:bodyPr wrap="none" rtlCol="0">
+            <a:spAutoFit/>
+          </a:bodyPr>
+          <a:lstStyle/>
+          <a:p>
+            <a:r>
+              <a:rPr lang="en-US" b="1" i="1" dirty="0" err="1"/>
+              <a:t>w_a</a:t>
+            </a:r>
+            <a:endParaRPr lang="en-US" b="1" i="1" dirty="0"/>
+          </a:p>
+        </p:txBody>
+      </p:sp>
+      <p:sp>
+        <p:nvSpPr>
+          <p:cNvPr id="32" name="TextBox 31">
+            <a:extLst>
+              <a:ext uri="{FF2B5EF4-FFF2-40B4-BE49-F238E27FC236}">
+                <a16:creationId xmlns:a16="http://schemas.microsoft.com/office/drawing/2014/main" id="{DF0E668D-88A2-28C4-BCF5-C2D5D9D98ED1}"/>
+              </a:ext>
+            </a:extLst>
+          </p:cNvPr>
+          <p:cNvSpPr txBox="1"/>
+          <p:nvPr/>
+        </p:nvSpPr>
+        <p:spPr>
+          <a:xfrm>
+            <a:off x="897141" y="4713906"/>
+            <a:ext cx="1287532" cy="646331"/>
+          </a:xfrm>
+          <a:prstGeom prst="rect">
+            <a:avLst/>
+          </a:prstGeom>
+          <a:noFill/>
+        </p:spPr>
+        <p:txBody>
+          <a:bodyPr wrap="none" rtlCol="0">
+            <a:spAutoFit/>
+          </a:bodyPr>
+          <a:lstStyle/>
+          <a:p>
+            <a:r>
+              <a:rPr lang="en-US" i="1" dirty="0"/>
+              <a:t>w </a:t>
+            </a:r>
+            <a:r>
+              <a:rPr lang="en-US" dirty="0"/>
+              <a:t>= weight</a:t>
             </a:r>
           </a:p>
           <a:p>
             <a:r>
-              <a:rPr lang="en-US" dirty="0"/>
-              <a:t>Neural Network – “buzz word”</a:t>
+              <a:rPr lang="en-US" i="1" dirty="0"/>
+              <a:t>b = bias</a:t>
             </a:r>
-          </a:p>
-          <a:p>
-            <a:pPr lvl="1"/>
-            <a:r>
-              <a:rPr lang="en-US" dirty="0"/>
-              <a:t>What happens in the middle?</a:t>
-            </a:r>
-          </a:p>
-          <a:p>
-            <a:r>
-              <a:rPr lang="en-US" dirty="0"/>
-              <a:t>Inputs/</a:t>
-            </a:r>
-            <a:r>
-              <a:rPr lang="en-US" dirty="0" err="1"/>
-              <a:t>Ouputs</a:t>
-            </a:r>
-            <a:endParaRPr lang="en-US" dirty="0"/>
-          </a:p>
-          <a:p>
-            <a:r>
-              <a:rPr lang="en-US" dirty="0"/>
-              <a:t>Training/rewards</a:t>
-            </a:r>
-          </a:p>
-          <a:p>
-            <a:r>
-              <a:rPr lang="en-US" dirty="0"/>
-              <a:t>Neuron</a:t>
-            </a:r>
-          </a:p>
-          <a:p>
-            <a:r>
-              <a:rPr lang="en-US" dirty="0"/>
-              <a:t>Weights and Biases -&gt; linear algebra and calculus</a:t>
-            </a:r>
-          </a:p>
-          <a:p>
-            <a:endParaRPr lang="en-US" dirty="0"/>
           </a:p>
         </p:txBody>
       </p:sp>
     </p:spTree>
     <p:extLst>
       <p:ext uri="{BB962C8B-B14F-4D97-AF65-F5344CB8AC3E}">
-        <p14:creationId xmlns:p14="http://schemas.microsoft.com/office/powerpoint/2010/main" val="2675459233"/>
+        <p14:creationId xmlns:p14="http://schemas.microsoft.com/office/powerpoint/2010/main" val="2688191637"/>
       </p:ext>
     </p:extLst>
   </p:cSld>
@@ -31582,104 +33113,444 @@
           <a:chExt cx="0" cy="0"/>
         </a:xfrm>
       </p:grpSpPr>
-      <p:sp>
-        <p:nvSpPr>
-          <p:cNvPr id="2" name="Title 1">
+      <p:pic>
+        <p:nvPicPr>
+          <p:cNvPr id="5" name="Content Placeholder 4" descr="Chart&#10;&#10;Description automatically generated with medium confidence">
             <a:extLst>
               <a:ext uri="{FF2B5EF4-FFF2-40B4-BE49-F238E27FC236}">
-                <a16:creationId xmlns:a16="http://schemas.microsoft.com/office/drawing/2014/main" id="{D4728324-D021-928A-8AA3-6B8005B26D38}"/>
+                <a16:creationId xmlns:a16="http://schemas.microsoft.com/office/drawing/2014/main" id="{F8797E2D-07DC-E919-0680-C2572560902D}"/>
               </a:ext>
             </a:extLst>
           </p:cNvPr>
-          <p:cNvSpPr>
-            <a:spLocks noGrp="1"/>
-          </p:cNvSpPr>
-          <p:nvPr>
-            <p:ph type="title"/>
-          </p:nvPr>
-        </p:nvSpPr>
-        <p:spPr/>
-        <p:txBody>
-          <a:bodyPr/>
-          <a:lstStyle/>
-          <a:p>
-            <a:r>
-              <a:rPr lang="en-US" dirty="0"/>
-              <a:t>What does this have to do with RTOS?</a:t>
-            </a:r>
-          </a:p>
-        </p:txBody>
-      </p:sp>
-      <p:sp>
-        <p:nvSpPr>
-          <p:cNvPr id="3" name="Content Placeholder 2">
-            <a:extLst>
-              <a:ext uri="{FF2B5EF4-FFF2-40B4-BE49-F238E27FC236}">
-                <a16:creationId xmlns:a16="http://schemas.microsoft.com/office/drawing/2014/main" id="{C85B457B-0820-0BFD-1CA4-C6E861D2FCA4}"/>
-              </a:ext>
-            </a:extLst>
-          </p:cNvPr>
-          <p:cNvSpPr>
-            <a:spLocks noGrp="1"/>
-          </p:cNvSpPr>
+          <p:cNvPicPr>
+            <a:picLocks noGrp="1" noChangeAspect="1"/>
+          </p:cNvPicPr>
           <p:nvPr>
             <p:ph idx="1"/>
           </p:nvPr>
-        </p:nvSpPr>
-        <p:spPr/>
-        <p:txBody>
-          <a:bodyPr/>
-          <a:lstStyle/>
-          <a:p>
-            <a:r>
-              <a:rPr lang="en-US" dirty="0"/>
-              <a:t>Chip manufacturing</a:t>
-            </a:r>
-          </a:p>
-          <a:p>
-            <a:pPr lvl="1"/>
-            <a:r>
-              <a:rPr lang="en-US" dirty="0"/>
-              <a:t>Producing features on a single gold atom</a:t>
-            </a:r>
-          </a:p>
-          <a:p>
-            <a:pPr lvl="1"/>
-            <a:r>
-              <a:rPr lang="en-US" dirty="0"/>
-              <a:t>40x speed, 7x less power</a:t>
-            </a:r>
-          </a:p>
-          <a:p>
-            <a:pPr lvl="1"/>
-            <a:r>
-              <a:rPr lang="en-US" dirty="0" err="1"/>
-              <a:t>AlexNet</a:t>
-            </a:r>
-            <a:r>
-              <a:rPr lang="en-US" dirty="0"/>
-              <a:t> vs GPT-3 (GPT-4 is now out)</a:t>
-            </a:r>
-          </a:p>
-          <a:p>
-            <a:pPr lvl="1"/>
-            <a:r>
-              <a:rPr lang="en-US" dirty="0"/>
-              <a:t>New Nvidia graphics cards specialized for training AI</a:t>
-            </a:r>
-          </a:p>
-          <a:p>
-            <a:r>
-              <a:rPr lang="en-US" dirty="0"/>
-              <a:t>If AI can be used to solve NP complete problems, RM and EDF could be solved faster</a:t>
-            </a:r>
-          </a:p>
-        </p:txBody>
-      </p:sp>
+        </p:nvPicPr>
+        <p:blipFill>
+          <a:blip r:embed="rId2">
+            <a:extLst>
+              <a:ext uri="{28A0092B-C50C-407E-A947-70E740481C1C}">
+                <a14:useLocalDpi xmlns:a14="http://schemas.microsoft.com/office/drawing/2010/main" val="0"/>
+              </a:ext>
+            </a:extLst>
+          </a:blip>
+          <a:stretch>
+            <a:fillRect/>
+          </a:stretch>
+        </p:blipFill>
+        <p:spPr>
+          <a:xfrm>
+            <a:off x="1021559" y="1411860"/>
+            <a:ext cx="9568686" cy="4954854"/>
+          </a:xfrm>
+        </p:spPr>
+      </p:pic>
+      <mc:AlternateContent xmlns:mc="http://schemas.openxmlformats.org/markup-compatibility/2006">
+        <mc:Choice xmlns:a14="http://schemas.microsoft.com/office/drawing/2010/main" Requires="a14">
+          <p:sp>
+            <p:nvSpPr>
+              <p:cNvPr id="6" name="TextBox 5">
+                <a:extLst>
+                  <a:ext uri="{FF2B5EF4-FFF2-40B4-BE49-F238E27FC236}">
+                    <a16:creationId xmlns:a16="http://schemas.microsoft.com/office/drawing/2014/main" id="{81C7A5C2-4BAB-2C21-F7A2-8A148EC0038A}"/>
+                  </a:ext>
+                </a:extLst>
+              </p:cNvPr>
+              <p:cNvSpPr txBox="1"/>
+              <p:nvPr/>
+            </p:nvSpPr>
+            <p:spPr>
+              <a:xfrm>
+                <a:off x="2379499" y="491286"/>
+                <a:ext cx="7958819" cy="830997"/>
+              </a:xfrm>
+              <a:prstGeom prst="rect">
+                <a:avLst/>
+              </a:prstGeom>
+              <a:noFill/>
+            </p:spPr>
+            <p:txBody>
+              <a:bodyPr wrap="square" rtlCol="0">
+                <a:spAutoFit/>
+              </a:bodyPr>
+              <a:lstStyle/>
+              <a:p>
+                <a14:m>
+                  <m:oMathPara xmlns:m="http://schemas.openxmlformats.org/officeDocument/2006/math">
+                    <m:oMathParaPr>
+                      <m:jc m:val="centerGroup"/>
+                    </m:oMathParaPr>
+                    <m:oMath xmlns:m="http://schemas.openxmlformats.org/officeDocument/2006/math">
+                      <m:r>
+                        <a:rPr lang="en-US" sz="2400" b="0" i="1" smtClean="0">
+                          <a:latin typeface="Cambria Math" panose="02040503050406030204" pitchFamily="18" charset="0"/>
+                          <a:ea typeface="Cambria Math" panose="02040503050406030204" pitchFamily="18" charset="0"/>
+                        </a:rPr>
+                        <m:t>𝐷</m:t>
+                      </m:r>
+                      <m:r>
+                        <a:rPr lang="en-US" sz="2400" b="0" i="1" smtClean="0">
+                          <a:latin typeface="Cambria Math" panose="02040503050406030204" pitchFamily="18" charset="0"/>
+                          <a:ea typeface="Cambria Math" panose="02040503050406030204" pitchFamily="18" charset="0"/>
+                        </a:rPr>
+                        <m:t>=</m:t>
+                      </m:r>
+                      <m:r>
+                        <a:rPr lang="en-US" sz="2400" b="0" i="1" smtClean="0">
+                          <a:latin typeface="Cambria Math" panose="02040503050406030204" pitchFamily="18" charset="0"/>
+                          <a:ea typeface="Cambria Math" panose="02040503050406030204" pitchFamily="18" charset="0"/>
+                        </a:rPr>
+                        <m:t>𝑦</m:t>
+                      </m:r>
+                      <m:d>
+                        <m:dPr>
+                          <m:ctrlPr>
+                            <a:rPr lang="en-US" sz="2400" b="0" i="1" smtClean="0">
+                              <a:latin typeface="Cambria Math" panose="02040503050406030204" pitchFamily="18" charset="0"/>
+                              <a:ea typeface="Cambria Math" panose="02040503050406030204" pitchFamily="18" charset="0"/>
+                            </a:rPr>
+                          </m:ctrlPr>
+                        </m:dPr>
+                        <m:e>
+                          <m:r>
+                            <a:rPr lang="en-US" sz="2400" b="0" i="1" smtClean="0">
+                              <a:latin typeface="Cambria Math" panose="02040503050406030204" pitchFamily="18" charset="0"/>
+                              <a:ea typeface="Cambria Math" panose="02040503050406030204" pitchFamily="18" charset="0"/>
+                            </a:rPr>
+                            <m:t>𝜎</m:t>
+                          </m:r>
+                          <m:d>
+                            <m:dPr>
+                              <m:begChr m:val="["/>
+                              <m:endChr m:val="]"/>
+                              <m:ctrlPr>
+                                <a:rPr lang="en-US" sz="2400" b="0" i="1" smtClean="0">
+                                  <a:latin typeface="Cambria Math" panose="02040503050406030204" pitchFamily="18" charset="0"/>
+                                  <a:ea typeface="Cambria Math" panose="02040503050406030204" pitchFamily="18" charset="0"/>
+                                </a:rPr>
+                              </m:ctrlPr>
+                            </m:dPr>
+                            <m:e>
+                              <m:sSub>
+                                <m:sSubPr>
+                                  <m:ctrlPr>
+                                    <a:rPr lang="en-US" sz="2400" b="0" i="1" smtClean="0">
+                                      <a:latin typeface="Cambria Math" panose="02040503050406030204" pitchFamily="18" charset="0"/>
+                                      <a:ea typeface="Cambria Math" panose="02040503050406030204" pitchFamily="18" charset="0"/>
+                                    </a:rPr>
+                                  </m:ctrlPr>
+                                </m:sSubPr>
+                                <m:e>
+                                  <m:r>
+                                    <a:rPr lang="en-US" sz="2400" b="0" i="1" smtClean="0">
+                                      <a:latin typeface="Cambria Math" panose="02040503050406030204" pitchFamily="18" charset="0"/>
+                                      <a:ea typeface="Cambria Math" panose="02040503050406030204" pitchFamily="18" charset="0"/>
+                                    </a:rPr>
+                                    <m:t>𝑥</m:t>
+                                  </m:r>
+                                </m:e>
+                                <m:sub>
+                                  <m:r>
+                                    <a:rPr lang="en-US" sz="2400" b="0" i="1" smtClean="0">
+                                      <a:latin typeface="Cambria Math" panose="02040503050406030204" pitchFamily="18" charset="0"/>
+                                      <a:ea typeface="Cambria Math" panose="02040503050406030204" pitchFamily="18" charset="0"/>
+                                    </a:rPr>
+                                    <m:t>1</m:t>
+                                  </m:r>
+                                </m:sub>
+                              </m:sSub>
+                              <m:r>
+                                <a:rPr lang="en-US" sz="2400" b="0" i="1" smtClean="0">
+                                  <a:latin typeface="Cambria Math" panose="02040503050406030204" pitchFamily="18" charset="0"/>
+                                  <a:ea typeface="Cambria Math" panose="02040503050406030204" pitchFamily="18" charset="0"/>
+                                </a:rPr>
+                                <m:t>∗</m:t>
+                              </m:r>
+                              <m:sSub>
+                                <m:sSubPr>
+                                  <m:ctrlPr>
+                                    <a:rPr lang="en-US" sz="2400" i="1" smtClean="0">
+                                      <a:latin typeface="Cambria Math" panose="02040503050406030204" pitchFamily="18" charset="0"/>
+                                      <a:ea typeface="Cambria Math" panose="02040503050406030204" pitchFamily="18" charset="0"/>
+                                    </a:rPr>
+                                  </m:ctrlPr>
+                                </m:sSubPr>
+                                <m:e>
+                                  <m:r>
+                                    <a:rPr lang="en-US" sz="2400" b="0" i="1" smtClean="0">
+                                      <a:latin typeface="Cambria Math" panose="02040503050406030204" pitchFamily="18" charset="0"/>
+                                      <a:ea typeface="Cambria Math" panose="02040503050406030204" pitchFamily="18" charset="0"/>
+                                    </a:rPr>
+                                    <m:t>𝑤</m:t>
+                                  </m:r>
+                                </m:e>
+                                <m:sub>
+                                  <m:r>
+                                    <a:rPr lang="en-US" sz="2400" b="0" i="1" smtClean="0">
+                                      <a:latin typeface="Cambria Math" panose="02040503050406030204" pitchFamily="18" charset="0"/>
+                                      <a:ea typeface="Cambria Math" panose="02040503050406030204" pitchFamily="18" charset="0"/>
+                                    </a:rPr>
+                                    <m:t>1</m:t>
+                                  </m:r>
+                                </m:sub>
+                              </m:sSub>
+                              <m:r>
+                                <a:rPr lang="en-US" sz="2400" b="0" i="1" smtClean="0">
+                                  <a:latin typeface="Cambria Math" panose="02040503050406030204" pitchFamily="18" charset="0"/>
+                                  <a:ea typeface="Cambria Math" panose="02040503050406030204" pitchFamily="18" charset="0"/>
+                                </a:rPr>
+                                <m:t>+</m:t>
+                              </m:r>
+                              <m:sSub>
+                                <m:sSubPr>
+                                  <m:ctrlPr>
+                                    <a:rPr lang="en-US" sz="2400" b="0" i="1" smtClean="0">
+                                      <a:latin typeface="Cambria Math" panose="02040503050406030204" pitchFamily="18" charset="0"/>
+                                      <a:ea typeface="Cambria Math" panose="02040503050406030204" pitchFamily="18" charset="0"/>
+                                    </a:rPr>
+                                  </m:ctrlPr>
+                                </m:sSubPr>
+                                <m:e>
+                                  <m:r>
+                                    <a:rPr lang="en-US" sz="2400" b="0" i="1" smtClean="0">
+                                      <a:latin typeface="Cambria Math" panose="02040503050406030204" pitchFamily="18" charset="0"/>
+                                      <a:ea typeface="Cambria Math" panose="02040503050406030204" pitchFamily="18" charset="0"/>
+                                    </a:rPr>
+                                    <m:t>𝑥</m:t>
+                                  </m:r>
+                                </m:e>
+                                <m:sub>
+                                  <m:r>
+                                    <a:rPr lang="en-US" sz="2400" b="0" i="1" smtClean="0">
+                                      <a:latin typeface="Cambria Math" panose="02040503050406030204" pitchFamily="18" charset="0"/>
+                                      <a:ea typeface="Cambria Math" panose="02040503050406030204" pitchFamily="18" charset="0"/>
+                                    </a:rPr>
+                                    <m:t>2</m:t>
+                                  </m:r>
+                                </m:sub>
+                              </m:sSub>
+                              <m:r>
+                                <a:rPr lang="en-US" sz="2400" b="0" i="1" smtClean="0">
+                                  <a:latin typeface="Cambria Math" panose="02040503050406030204" pitchFamily="18" charset="0"/>
+                                  <a:ea typeface="Cambria Math" panose="02040503050406030204" pitchFamily="18" charset="0"/>
+                                </a:rPr>
+                                <m:t>∗</m:t>
+                              </m:r>
+                              <m:sSub>
+                                <m:sSubPr>
+                                  <m:ctrlPr>
+                                    <a:rPr lang="en-US" sz="2400" i="1" smtClean="0">
+                                      <a:latin typeface="Cambria Math" panose="02040503050406030204" pitchFamily="18" charset="0"/>
+                                      <a:ea typeface="Cambria Math" panose="02040503050406030204" pitchFamily="18" charset="0"/>
+                                    </a:rPr>
+                                  </m:ctrlPr>
+                                </m:sSubPr>
+                                <m:e>
+                                  <m:r>
+                                    <a:rPr lang="en-US" sz="2400" b="0" i="1" smtClean="0">
+                                      <a:latin typeface="Cambria Math" panose="02040503050406030204" pitchFamily="18" charset="0"/>
+                                      <a:ea typeface="Cambria Math" panose="02040503050406030204" pitchFamily="18" charset="0"/>
+                                    </a:rPr>
+                                    <m:t>𝑤</m:t>
+                                  </m:r>
+                                </m:e>
+                                <m:sub>
+                                  <m:r>
+                                    <a:rPr lang="en-US" sz="2400" b="0" i="1" smtClean="0">
+                                      <a:latin typeface="Cambria Math" panose="02040503050406030204" pitchFamily="18" charset="0"/>
+                                      <a:ea typeface="Cambria Math" panose="02040503050406030204" pitchFamily="18" charset="0"/>
+                                    </a:rPr>
+                                    <m:t>2</m:t>
+                                  </m:r>
+                                </m:sub>
+                              </m:sSub>
+                              <m:r>
+                                <a:rPr lang="en-US" sz="2400" b="0" i="1" smtClean="0">
+                                  <a:latin typeface="Cambria Math" panose="02040503050406030204" pitchFamily="18" charset="0"/>
+                                  <a:ea typeface="Cambria Math" panose="02040503050406030204" pitchFamily="18" charset="0"/>
+                                </a:rPr>
+                                <m:t>+…+</m:t>
+                              </m:r>
+                              <m:sSub>
+                                <m:sSubPr>
+                                  <m:ctrlPr>
+                                    <a:rPr lang="en-US" sz="2400" b="0" i="1" smtClean="0">
+                                      <a:latin typeface="Cambria Math" panose="02040503050406030204" pitchFamily="18" charset="0"/>
+                                      <a:ea typeface="Cambria Math" panose="02040503050406030204" pitchFamily="18" charset="0"/>
+                                    </a:rPr>
+                                  </m:ctrlPr>
+                                </m:sSubPr>
+                                <m:e>
+                                  <m:r>
+                                    <a:rPr lang="en-US" sz="2400" b="0" i="1" smtClean="0">
+                                      <a:latin typeface="Cambria Math" panose="02040503050406030204" pitchFamily="18" charset="0"/>
+                                      <a:ea typeface="Cambria Math" panose="02040503050406030204" pitchFamily="18" charset="0"/>
+                                    </a:rPr>
+                                    <m:t>𝑥</m:t>
+                                  </m:r>
+                                </m:e>
+                                <m:sub>
+                                  <m:r>
+                                    <a:rPr lang="en-US" sz="2400" b="0" i="1" smtClean="0">
+                                      <a:latin typeface="Cambria Math" panose="02040503050406030204" pitchFamily="18" charset="0"/>
+                                      <a:ea typeface="Cambria Math" panose="02040503050406030204" pitchFamily="18" charset="0"/>
+                                    </a:rPr>
+                                    <m:t>4</m:t>
+                                  </m:r>
+                                </m:sub>
+                              </m:sSub>
+                              <m:r>
+                                <a:rPr lang="en-US" sz="2400" b="0" i="1" smtClean="0">
+                                  <a:latin typeface="Cambria Math" panose="02040503050406030204" pitchFamily="18" charset="0"/>
+                                  <a:ea typeface="Cambria Math" panose="02040503050406030204" pitchFamily="18" charset="0"/>
+                                </a:rPr>
+                                <m:t>∗</m:t>
+                              </m:r>
+                              <m:sSub>
+                                <m:sSubPr>
+                                  <m:ctrlPr>
+                                    <a:rPr lang="en-US" sz="2400" i="1" smtClean="0">
+                                      <a:latin typeface="Cambria Math" panose="02040503050406030204" pitchFamily="18" charset="0"/>
+                                      <a:ea typeface="Cambria Math" panose="02040503050406030204" pitchFamily="18" charset="0"/>
+                                    </a:rPr>
+                                  </m:ctrlPr>
+                                </m:sSubPr>
+                                <m:e>
+                                  <m:r>
+                                    <a:rPr lang="en-US" sz="2400" b="0" i="1" smtClean="0">
+                                      <a:latin typeface="Cambria Math" panose="02040503050406030204" pitchFamily="18" charset="0"/>
+                                      <a:ea typeface="Cambria Math" panose="02040503050406030204" pitchFamily="18" charset="0"/>
+                                    </a:rPr>
+                                    <m:t>𝑤</m:t>
+                                  </m:r>
+                                </m:e>
+                                <m:sub>
+                                  <m:r>
+                                    <a:rPr lang="en-US" sz="2400" b="0" i="1" smtClean="0">
+                                      <a:latin typeface="Cambria Math" panose="02040503050406030204" pitchFamily="18" charset="0"/>
+                                      <a:ea typeface="Cambria Math" panose="02040503050406030204" pitchFamily="18" charset="0"/>
+                                    </a:rPr>
+                                    <m:t>4</m:t>
+                                  </m:r>
+                                </m:sub>
+                              </m:sSub>
+                              <m:r>
+                                <a:rPr lang="en-US" sz="2400" b="0" i="1" smtClean="0">
+                                  <a:latin typeface="Cambria Math" panose="02040503050406030204" pitchFamily="18" charset="0"/>
+                                  <a:ea typeface="Cambria Math" panose="02040503050406030204" pitchFamily="18" charset="0"/>
+                                </a:rPr>
+                                <m:t>+</m:t>
+                              </m:r>
+                              <m:r>
+                                <a:rPr lang="en-US" sz="2400" b="0" i="1" smtClean="0">
+                                  <a:latin typeface="Cambria Math" panose="02040503050406030204" pitchFamily="18" charset="0"/>
+                                  <a:ea typeface="Cambria Math" panose="02040503050406030204" pitchFamily="18" charset="0"/>
+                                </a:rPr>
+                                <m:t>𝑏</m:t>
+                              </m:r>
+                            </m:e>
+                          </m:d>
+                        </m:e>
+                      </m:d>
+                    </m:oMath>
+                  </m:oMathPara>
+                </a14:m>
+                <a:endParaRPr lang="en-US" sz="2400" dirty="0"/>
+              </a:p>
+              <a:p>
+                <a14:m>
+                  <m:oMath xmlns:m="http://schemas.openxmlformats.org/officeDocument/2006/math">
+                    <m:r>
+                      <a:rPr lang="en-US" sz="2400" b="0" i="1" smtClean="0">
+                        <a:latin typeface="Cambria Math" panose="02040503050406030204" pitchFamily="18" charset="0"/>
+                      </a:rPr>
+                      <m:t>𝑦</m:t>
+                    </m:r>
+                    <m:d>
+                      <m:dPr>
+                        <m:ctrlPr>
+                          <a:rPr lang="en-US" sz="2400" b="0" i="1" smtClean="0">
+                            <a:latin typeface="Cambria Math" panose="02040503050406030204" pitchFamily="18" charset="0"/>
+                          </a:rPr>
+                        </m:ctrlPr>
+                      </m:dPr>
+                      <m:e>
+                        <m:r>
+                          <a:rPr lang="en-US" sz="2400" b="0" i="1" smtClean="0">
+                            <a:latin typeface="Cambria Math" panose="02040503050406030204" pitchFamily="18" charset="0"/>
+                          </a:rPr>
+                          <m:t>𝑥</m:t>
+                        </m:r>
+                      </m:e>
+                    </m:d>
+                    <m:r>
+                      <a:rPr lang="en-US" sz="2400" b="0" i="1" smtClean="0">
+                        <a:latin typeface="Cambria Math" panose="02040503050406030204" pitchFamily="18" charset="0"/>
+                      </a:rPr>
+                      <m:t>=</m:t>
+                    </m:r>
+                  </m:oMath>
+                </a14:m>
+                <a:r>
+                  <a:rPr lang="en-US" sz="2400" b="0" dirty="0"/>
+                  <a:t> function to turn number to value from 0 - 1</a:t>
+                </a:r>
+              </a:p>
+            </p:txBody>
+          </p:sp>
+        </mc:Choice>
+        <mc:Fallback>
+          <p:sp>
+            <p:nvSpPr>
+              <p:cNvPr id="6" name="TextBox 5">
+                <a:extLst>
+                  <a:ext uri="{FF2B5EF4-FFF2-40B4-BE49-F238E27FC236}">
+                    <a16:creationId xmlns:a16="http://schemas.microsoft.com/office/drawing/2014/main" id="{81C7A5C2-4BAB-2C21-F7A2-8A148EC0038A}"/>
+                  </a:ext>
+                </a:extLst>
+              </p:cNvPr>
+              <p:cNvSpPr txBox="1">
+                <a:spLocks noRot="1" noChangeAspect="1" noMove="1" noResize="1" noEditPoints="1" noAdjustHandles="1" noChangeArrowheads="1" noChangeShapeType="1" noTextEdit="1"/>
+              </p:cNvSpPr>
+              <p:nvPr/>
+            </p:nvSpPr>
+            <p:spPr>
+              <a:xfrm>
+                <a:off x="2379499" y="491286"/>
+                <a:ext cx="7958819" cy="830997"/>
+              </a:xfrm>
+              <a:prstGeom prst="rect">
+                <a:avLst/>
+              </a:prstGeom>
+              <a:blipFill>
+                <a:blip r:embed="rId3"/>
+                <a:stretch>
+                  <a:fillRect l="-230" b="-15441"/>
+                </a:stretch>
+              </a:blipFill>
+            </p:spPr>
+            <p:txBody>
+              <a:bodyPr/>
+              <a:lstStyle/>
+              <a:p>
+                <a:r>
+                  <a:rPr lang="en-US">
+                    <a:noFill/>
+                  </a:rPr>
+                  <a:t> </a:t>
+                </a:r>
+              </a:p>
+            </p:txBody>
+          </p:sp>
+        </mc:Fallback>
+      </mc:AlternateContent>
     </p:spTree>
     <p:extLst>
       <p:ext uri="{BB962C8B-B14F-4D97-AF65-F5344CB8AC3E}">
-        <p14:creationId xmlns:p14="http://schemas.microsoft.com/office/powerpoint/2010/main" val="1381184248"/>
+        <p14:creationId xmlns:p14="http://schemas.microsoft.com/office/powerpoint/2010/main" val="3686167188"/>
       </p:ext>
     </p:extLst>
   </p:cSld>

--- a/lab3/AI_RTOS.pptx
+++ b/lab3/AI_RTOS.pptx
@@ -16123,13 +16123,8 @@
           <a:p>
             <a:r>
               <a:rPr lang="en-US" dirty="0"/>
-              <a:t>Inputs/</a:t>
+              <a:t>Inputs/Outputs</a:t>
             </a:r>
-            <a:r>
-              <a:rPr lang="en-US" dirty="0" err="1"/>
-              <a:t>Ouputs</a:t>
-            </a:r>
-            <a:endParaRPr lang="en-US" dirty="0"/>
           </a:p>
           <a:p>
             <a:r>
@@ -16363,7 +16358,7 @@
           <a:bodyPr/>
           <a:lstStyle/>
           <a:p>
-            <a:endParaRPr lang="en-US"/>
+            <a:endParaRPr lang="en-US" dirty="0"/>
           </a:p>
         </p:txBody>
       </p:sp>
@@ -31949,7 +31944,7 @@
         </p:nvSpPr>
         <p:spPr>
           <a:xfrm>
-            <a:off x="5657461" y="531865"/>
+            <a:off x="5839257" y="217706"/>
             <a:ext cx="1119674" cy="1119674"/>
           </a:xfrm>
           <a:prstGeom prst="ellipse">
@@ -32001,7 +31996,7 @@
         </p:nvSpPr>
         <p:spPr>
           <a:xfrm>
-            <a:off x="5657461" y="4528693"/>
+            <a:off x="5839257" y="4214534"/>
             <a:ext cx="1119674" cy="1119674"/>
           </a:xfrm>
           <a:prstGeom prst="ellipse">
@@ -32053,7 +32048,7 @@
         </p:nvSpPr>
         <p:spPr>
           <a:xfrm>
-            <a:off x="5657461" y="2168414"/>
+            <a:off x="5839257" y="1854255"/>
             <a:ext cx="1119674" cy="1119674"/>
           </a:xfrm>
           <a:prstGeom prst="ellipse">
@@ -32105,7 +32100,7 @@
         </p:nvSpPr>
         <p:spPr>
           <a:xfrm>
-            <a:off x="8615265" y="2168414"/>
+            <a:off x="8797061" y="1854255"/>
             <a:ext cx="1119674" cy="1119674"/>
           </a:xfrm>
           <a:prstGeom prst="ellipse">
@@ -32160,7 +32155,7 @@
         </p:nvCxnSpPr>
         <p:spPr>
           <a:xfrm>
-            <a:off x="6777135" y="1091702"/>
+            <a:off x="6958931" y="777543"/>
             <a:ext cx="1838130" cy="1636549"/>
           </a:xfrm>
           <a:prstGeom prst="line">
@@ -32200,7 +32195,7 @@
         </p:nvCxnSpPr>
         <p:spPr>
           <a:xfrm>
-            <a:off x="6777135" y="2728251"/>
+            <a:off x="6958931" y="2414092"/>
             <a:ext cx="1838130" cy="0"/>
           </a:xfrm>
           <a:prstGeom prst="line">
@@ -32240,7 +32235,7 @@
         </p:nvCxnSpPr>
         <p:spPr>
           <a:xfrm flipV="1">
-            <a:off x="6777135" y="2728251"/>
+            <a:off x="6958931" y="2414092"/>
             <a:ext cx="1838130" cy="2360279"/>
           </a:xfrm>
           <a:prstGeom prst="line">
@@ -32277,7 +32272,7 @@
         </p:nvSpPr>
         <p:spPr>
           <a:xfrm>
-            <a:off x="6025961" y="907036"/>
+            <a:off x="6207757" y="592877"/>
             <a:ext cx="336952" cy="369332"/>
           </a:xfrm>
           <a:prstGeom prst="rect">
@@ -32312,7 +32307,7 @@
         </p:nvSpPr>
         <p:spPr>
           <a:xfrm>
-            <a:off x="6038495" y="2548279"/>
+            <a:off x="6220291" y="2234120"/>
             <a:ext cx="336952" cy="369332"/>
           </a:xfrm>
           <a:prstGeom prst="rect">
@@ -32347,7 +32342,7 @@
         </p:nvSpPr>
         <p:spPr>
           <a:xfrm>
-            <a:off x="6073232" y="4918487"/>
+            <a:off x="6255028" y="4604328"/>
             <a:ext cx="267478" cy="369332"/>
           </a:xfrm>
           <a:prstGeom prst="rect">
@@ -32417,7 +32412,7 @@
         </p:nvSpPr>
         <p:spPr>
           <a:xfrm>
-            <a:off x="9039655" y="2543585"/>
+            <a:off x="9221451" y="2229426"/>
             <a:ext cx="267478" cy="369332"/>
           </a:xfrm>
           <a:prstGeom prst="rect">
@@ -32452,7 +32447,7 @@
         </p:nvSpPr>
         <p:spPr>
           <a:xfrm>
-            <a:off x="6171579" y="3562509"/>
+            <a:off x="6353375" y="3248350"/>
             <a:ext cx="45719" cy="45719"/>
           </a:xfrm>
           <a:prstGeom prst="ellipse">
@@ -32504,7 +32499,7 @@
         </p:nvSpPr>
         <p:spPr>
           <a:xfrm>
-            <a:off x="6171579" y="3940704"/>
+            <a:off x="6353375" y="3626545"/>
             <a:ext cx="45719" cy="45719"/>
           </a:xfrm>
           <a:prstGeom prst="ellipse">
@@ -32556,7 +32551,7 @@
         </p:nvSpPr>
         <p:spPr>
           <a:xfrm>
-            <a:off x="6171578" y="4273180"/>
+            <a:off x="6353374" y="3959021"/>
             <a:ext cx="45719" cy="45719"/>
           </a:xfrm>
           <a:prstGeom prst="ellipse">
@@ -32608,7 +32603,7 @@
         </p:nvSpPr>
         <p:spPr>
           <a:xfrm>
-            <a:off x="7524089" y="1287757"/>
+            <a:off x="7705885" y="973598"/>
             <a:ext cx="583814" cy="369332"/>
           </a:xfrm>
           <a:prstGeom prst="rect">
@@ -32646,8 +32641,8 @@
             </p:nvSpPr>
             <p:spPr>
               <a:xfrm>
-                <a:off x="3797752" y="5888956"/>
-                <a:ext cx="7958819" cy="830997"/>
+                <a:off x="3726475" y="5589607"/>
+                <a:ext cx="7958819" cy="985206"/>
               </a:xfrm>
               <a:prstGeom prst="rect">
                 <a:avLst/>
@@ -32660,6 +32655,7 @@
               </a:bodyPr>
               <a:lstStyle/>
               <a:p>
+                <a:pPr/>
                 <a14:m>
                   <m:oMathPara xmlns:m="http://schemas.openxmlformats.org/officeDocument/2006/math">
                     <m:oMathParaPr>
@@ -32685,7 +32681,7 @@
                           <a:latin typeface="Cambria Math" panose="02040503050406030204" pitchFamily="18" charset="0"/>
                           <a:ea typeface="Cambria Math" panose="02040503050406030204" pitchFamily="18" charset="0"/>
                         </a:rPr>
-                        <m:t>𝑦</m:t>
+                        <m:t>𝑔</m:t>
                       </m:r>
                       <m:d>
                         <m:dPr>
@@ -32886,7 +32882,7 @@
                       <a:rPr lang="en-US" sz="2400" b="0" i="1" smtClean="0">
                         <a:latin typeface="Cambria Math" panose="02040503050406030204" pitchFamily="18" charset="0"/>
                       </a:rPr>
-                      <m:t>𝑦</m:t>
+                      <m:t>𝑔</m:t>
                     </m:r>
                     <m:d>
                       <m:dPr>
@@ -32911,6 +32907,62 @@
                       </a:rPr>
                       <m:t>=</m:t>
                     </m:r>
+                    <m:f>
+                      <m:fPr>
+                        <m:ctrlPr>
+                          <a:rPr lang="en-US" sz="2400" b="0" i="1" smtClean="0">
+                            <a:latin typeface="Cambria Math" panose="02040503050406030204" pitchFamily="18" charset="0"/>
+                          </a:rPr>
+                        </m:ctrlPr>
+                      </m:fPr>
+                      <m:num>
+                        <m:r>
+                          <a:rPr lang="en-US" sz="2400" b="0" i="1" smtClean="0">
+                            <a:latin typeface="Cambria Math" panose="02040503050406030204" pitchFamily="18" charset="0"/>
+                          </a:rPr>
+                          <m:t>1</m:t>
+                        </m:r>
+                      </m:num>
+                      <m:den>
+                        <m:r>
+                          <a:rPr lang="en-US" sz="2400" b="0" i="1" smtClean="0">
+                            <a:latin typeface="Cambria Math" panose="02040503050406030204" pitchFamily="18" charset="0"/>
+                          </a:rPr>
+                          <m:t>1+</m:t>
+                        </m:r>
+                        <m:sSup>
+                          <m:sSupPr>
+                            <m:ctrlPr>
+                              <a:rPr lang="en-US" sz="2400" b="0" i="1" smtClean="0">
+                                <a:latin typeface="Cambria Math" panose="02040503050406030204" pitchFamily="18" charset="0"/>
+                              </a:rPr>
+                            </m:ctrlPr>
+                          </m:sSupPr>
+                          <m:e>
+                            <m:r>
+                              <a:rPr lang="en-US" sz="2400" b="0" i="1" smtClean="0">
+                                <a:latin typeface="Cambria Math" panose="02040503050406030204" pitchFamily="18" charset="0"/>
+                              </a:rPr>
+                              <m:t>𝑒</m:t>
+                            </m:r>
+                          </m:e>
+                          <m:sup>
+                            <m:r>
+                              <a:rPr lang="en-US" sz="2400" b="0" i="1" smtClean="0">
+                                <a:latin typeface="Cambria Math" panose="02040503050406030204" pitchFamily="18" charset="0"/>
+                              </a:rPr>
+                              <m:t>−</m:t>
+                            </m:r>
+                            <m:r>
+                              <a:rPr lang="en-US" sz="2400" b="0" i="1" smtClean="0">
+                                <a:latin typeface="Cambria Math" panose="02040503050406030204" pitchFamily="18" charset="0"/>
+                              </a:rPr>
+                              <m:t>𝑥</m:t>
+                            </m:r>
+                          </m:sup>
+                        </m:sSup>
+                      </m:den>
+                    </m:f>
                   </m:oMath>
                 </a14:m>
                 <a:r>
@@ -32938,8 +32990,8 @@
             </p:nvSpPr>
             <p:spPr>
               <a:xfrm>
-                <a:off x="3797752" y="5888956"/>
-                <a:ext cx="7958819" cy="830997"/>
+                <a:off x="3726475" y="5589607"/>
+                <a:ext cx="7958819" cy="985206"/>
               </a:xfrm>
               <a:prstGeom prst="rect">
                 <a:avLst/>
@@ -32947,7 +32999,7 @@
               <a:blipFill>
                 <a:blip r:embed="rId2"/>
                 <a:stretch>
-                  <a:fillRect l="-230" b="-15441"/>
+                  <a:fillRect r="-459" b="-3704"/>
                 </a:stretch>
               </a:blipFill>
             </p:spPr>
@@ -32980,7 +33032,7 @@
         </p:nvSpPr>
         <p:spPr>
           <a:xfrm>
-            <a:off x="7102656" y="2274836"/>
+            <a:off x="7284452" y="1960677"/>
             <a:ext cx="583814" cy="369332"/>
           </a:xfrm>
           <a:prstGeom prst="rect">
@@ -33016,7 +33068,7 @@
         </p:nvSpPr>
         <p:spPr>
           <a:xfrm>
-            <a:off x="7676740" y="3911385"/>
+            <a:off x="7858536" y="3597226"/>
             <a:ext cx="583814" cy="369332"/>
           </a:xfrm>
           <a:prstGeom prst="rect">
@@ -33053,7 +33105,7 @@
         <p:spPr>
           <a:xfrm>
             <a:off x="897141" y="4713906"/>
-            <a:ext cx="1287532" cy="646331"/>
+            <a:ext cx="1285929" cy="646331"/>
           </a:xfrm>
           <a:prstGeom prst="rect">
             <a:avLst/>
@@ -33068,17 +33120,17 @@
           <a:p>
             <a:r>
               <a:rPr lang="en-US" i="1" dirty="0"/>
+              <a:t>b = bias</a:t>
+            </a:r>
+          </a:p>
+          <a:p>
+            <a:r>
+              <a:rPr lang="en-US" i="1" dirty="0"/>
               <a:t>w </a:t>
             </a:r>
             <a:r>
               <a:rPr lang="en-US" dirty="0"/>
               <a:t>= weight</a:t>
-            </a:r>
-          </a:p>
-          <a:p>
-            <a:r>
-              <a:rPr lang="en-US" i="1" dirty="0"/>
-              <a:t>b = bias</a:t>
             </a:r>
           </a:p>
         </p:txBody>
@@ -33165,7 +33217,7 @@
             <p:spPr>
               <a:xfrm>
                 <a:off x="2379499" y="491286"/>
-                <a:ext cx="7958819" cy="830997"/>
+                <a:ext cx="7958819" cy="985206"/>
               </a:xfrm>
               <a:prstGeom prst="rect">
                 <a:avLst/>
@@ -33178,6 +33230,7 @@
               </a:bodyPr>
               <a:lstStyle/>
               <a:p>
+                <a:pPr/>
                 <a14:m>
                   <m:oMathPara xmlns:m="http://schemas.openxmlformats.org/officeDocument/2006/math">
                     <m:oMathParaPr>
@@ -33189,21 +33242,35 @@
                           <a:latin typeface="Cambria Math" panose="02040503050406030204" pitchFamily="18" charset="0"/>
                           <a:ea typeface="Cambria Math" panose="02040503050406030204" pitchFamily="18" charset="0"/>
                         </a:rPr>
-                        <m:t>𝐷</m:t>
+                        <m:t>𝑧</m:t>
                       </m:r>
                       <m:r>
                         <a:rPr lang="en-US" sz="2400" b="0" i="1" smtClean="0">
                           <a:latin typeface="Cambria Math" panose="02040503050406030204" pitchFamily="18" charset="0"/>
                           <a:ea typeface="Cambria Math" panose="02040503050406030204" pitchFamily="18" charset="0"/>
                         </a:rPr>
-                        <m:t>=</m:t>
+                        <m:t>(</m:t>
                       </m:r>
                       <m:r>
                         <a:rPr lang="en-US" sz="2400" b="0" i="1" smtClean="0">
                           <a:latin typeface="Cambria Math" panose="02040503050406030204" pitchFamily="18" charset="0"/>
                           <a:ea typeface="Cambria Math" panose="02040503050406030204" pitchFamily="18" charset="0"/>
                         </a:rPr>
-                        <m:t>𝑦</m:t>
+                        <m:t>𝑥</m:t>
+                      </m:r>
+                      <m:r>
+                        <a:rPr lang="en-US" sz="2400" b="0" i="1" smtClean="0">
+                          <a:latin typeface="Cambria Math" panose="02040503050406030204" pitchFamily="18" charset="0"/>
+                          <a:ea typeface="Cambria Math" panose="02040503050406030204" pitchFamily="18" charset="0"/>
+                        </a:rPr>
+                        <m:t>)=</m:t>
+                      </m:r>
+                      <m:r>
+                        <a:rPr lang="en-US" sz="2400" b="0" i="1" smtClean="0">
+                          <a:latin typeface="Cambria Math" panose="02040503050406030204" pitchFamily="18" charset="0"/>
+                          <a:ea typeface="Cambria Math" panose="02040503050406030204" pitchFamily="18" charset="0"/>
+                        </a:rPr>
+                        <m:t>𝑔</m:t>
                       </m:r>
                       <m:d>
                         <m:dPr>
@@ -33464,15 +33531,15 @@
                 <a14:m>
                   <m:oMath xmlns:m="http://schemas.openxmlformats.org/officeDocument/2006/math">
                     <m:r>
-                      <a:rPr lang="en-US" sz="2400" b="0" i="1" smtClean="0">
+                      <a:rPr lang="en-US" sz="2400" i="1">
                         <a:latin typeface="Cambria Math" panose="02040503050406030204" pitchFamily="18" charset="0"/>
                       </a:rPr>
-                      <m:t>𝑦</m:t>
+                      <m:t>𝑔</m:t>
                     </m:r>
                     <m:d>
                       <m:dPr>
                         <m:ctrlPr>
-                          <a:rPr lang="en-US" sz="2400" b="0" i="1" smtClean="0">
+                          <a:rPr lang="en-US" sz="2400" i="1">
                             <a:latin typeface="Cambria Math" panose="02040503050406030204" pitchFamily="18" charset="0"/>
                           </a:rPr>
                         </m:ctrlPr>
@@ -33482,20 +33549,76 @@
                           <a:rPr lang="en-US" sz="2400" b="0" i="1" smtClean="0">
                             <a:latin typeface="Cambria Math" panose="02040503050406030204" pitchFamily="18" charset="0"/>
                           </a:rPr>
-                          <m:t>𝑥</m:t>
+                          <m:t>𝑧</m:t>
                         </m:r>
                       </m:e>
                     </m:d>
                     <m:r>
-                      <a:rPr lang="en-US" sz="2400" b="0" i="1" smtClean="0">
+                      <a:rPr lang="en-US" sz="2400" i="1">
                         <a:latin typeface="Cambria Math" panose="02040503050406030204" pitchFamily="18" charset="0"/>
                       </a:rPr>
                       <m:t>=</m:t>
                     </m:r>
+                    <m:f>
+                      <m:fPr>
+                        <m:ctrlPr>
+                          <a:rPr lang="en-US" sz="2400" i="1">
+                            <a:latin typeface="Cambria Math" panose="02040503050406030204" pitchFamily="18" charset="0"/>
+                          </a:rPr>
+                        </m:ctrlPr>
+                      </m:fPr>
+                      <m:num>
+                        <m:r>
+                          <a:rPr lang="en-US" sz="2400" i="1">
+                            <a:latin typeface="Cambria Math" panose="02040503050406030204" pitchFamily="18" charset="0"/>
+                          </a:rPr>
+                          <m:t>1</m:t>
+                        </m:r>
+                      </m:num>
+                      <m:den>
+                        <m:r>
+                          <a:rPr lang="en-US" sz="2400" i="1">
+                            <a:latin typeface="Cambria Math" panose="02040503050406030204" pitchFamily="18" charset="0"/>
+                          </a:rPr>
+                          <m:t>1+</m:t>
+                        </m:r>
+                        <m:sSup>
+                          <m:sSupPr>
+                            <m:ctrlPr>
+                              <a:rPr lang="en-US" sz="2400" i="1">
+                                <a:latin typeface="Cambria Math" panose="02040503050406030204" pitchFamily="18" charset="0"/>
+                              </a:rPr>
+                            </m:ctrlPr>
+                          </m:sSupPr>
+                          <m:e>
+                            <m:r>
+                              <a:rPr lang="en-US" sz="2400" i="1">
+                                <a:latin typeface="Cambria Math" panose="02040503050406030204" pitchFamily="18" charset="0"/>
+                              </a:rPr>
+                              <m:t>𝑒</m:t>
+                            </m:r>
+                          </m:e>
+                          <m:sup>
+                            <m:r>
+                              <a:rPr lang="en-US" sz="2400" i="1">
+                                <a:latin typeface="Cambria Math" panose="02040503050406030204" pitchFamily="18" charset="0"/>
+                              </a:rPr>
+                              <m:t>−</m:t>
+                            </m:r>
+                            <m:r>
+                              <a:rPr lang="en-US" sz="2400" b="0" i="1" smtClean="0">
+                                <a:latin typeface="Cambria Math" panose="02040503050406030204" pitchFamily="18" charset="0"/>
+                              </a:rPr>
+                              <m:t>𝑧</m:t>
+                            </m:r>
+                          </m:sup>
+                        </m:sSup>
+                      </m:den>
+                    </m:f>
                   </m:oMath>
                 </a14:m>
                 <a:r>
-                  <a:rPr lang="en-US" sz="2400" b="0" dirty="0"/>
+                  <a:rPr lang="en-US" sz="2400" dirty="0"/>
                   <a:t> function to turn number to value from 0 - 1</a:t>
                 </a:r>
               </a:p>
@@ -33520,7 +33643,7 @@
             <p:spPr>
               <a:xfrm>
                 <a:off x="2379499" y="491286"/>
-                <a:ext cx="7958819" cy="830997"/>
+                <a:ext cx="7958819" cy="985206"/>
               </a:xfrm>
               <a:prstGeom prst="rect">
                 <a:avLst/>
@@ -33528,7 +33651,7 @@
               <a:blipFill>
                 <a:blip r:embed="rId3"/>
                 <a:stretch>
-                  <a:fillRect l="-230" b="-15441"/>
+                  <a:fillRect b="-4348"/>
                 </a:stretch>
               </a:blipFill>
             </p:spPr>

--- a/lab3/AI_RTOS.pptx
+++ b/lab3/AI_RTOS.pptx
@@ -4,6 +4,9 @@
   <p:sldMasterIdLst>
     <p:sldMasterId id="2147483909" r:id="rId1"/>
   </p:sldMasterIdLst>
+  <p:notesMasterIdLst>
+    <p:notesMasterId r:id="rId19"/>
+  </p:notesMasterIdLst>
   <p:sldIdLst>
     <p:sldId id="256" r:id="rId2"/>
     <p:sldId id="257" r:id="rId3"/>
@@ -14,13 +17,14 @@
     <p:sldId id="268" r:id="rId8"/>
     <p:sldId id="270" r:id="rId9"/>
     <p:sldId id="271" r:id="rId10"/>
-    <p:sldId id="258" r:id="rId11"/>
-    <p:sldId id="259" r:id="rId12"/>
-    <p:sldId id="269" r:id="rId13"/>
-    <p:sldId id="265" r:id="rId14"/>
-    <p:sldId id="264" r:id="rId15"/>
-    <p:sldId id="263" r:id="rId16"/>
-    <p:sldId id="261" r:id="rId17"/>
+    <p:sldId id="272" r:id="rId11"/>
+    <p:sldId id="273" r:id="rId12"/>
+    <p:sldId id="259" r:id="rId13"/>
+    <p:sldId id="269" r:id="rId14"/>
+    <p:sldId id="265" r:id="rId15"/>
+    <p:sldId id="264" r:id="rId16"/>
+    <p:sldId id="263" r:id="rId17"/>
+    <p:sldId id="261" r:id="rId18"/>
   </p:sldIdLst>
   <p:sldSz cx="12192000" cy="6858000"/>
   <p:notesSz cx="6858000" cy="9144000"/>
@@ -125,6 +129,1302 @@
     </p:ext>
   </p:extLst>
 </p:presentation>
+</file>
+
+<file path=ppt/notesMasters/notesMaster1.xml><?xml version="1.0" encoding="utf-8"?>
+<p:notesMaster xmlns:a="http://schemas.openxmlformats.org/drawingml/2006/main" xmlns:r="http://schemas.openxmlformats.org/officeDocument/2006/relationships" xmlns:p="http://schemas.openxmlformats.org/presentationml/2006/main">
+  <p:cSld>
+    <p:bg>
+      <p:bgRef idx="1001">
+        <a:schemeClr val="bg1"/>
+      </p:bgRef>
+    </p:bg>
+    <p:spTree>
+      <p:nvGrpSpPr>
+        <p:cNvPr id="1" name=""/>
+        <p:cNvGrpSpPr/>
+        <p:nvPr/>
+      </p:nvGrpSpPr>
+      <p:grpSpPr>
+        <a:xfrm>
+          <a:off x="0" y="0"/>
+          <a:ext cx="0" cy="0"/>
+          <a:chOff x="0" y="0"/>
+          <a:chExt cx="0" cy="0"/>
+        </a:xfrm>
+      </p:grpSpPr>
+      <p:sp>
+        <p:nvSpPr>
+          <p:cNvPr id="2" name="Header Placeholder 1"/>
+          <p:cNvSpPr>
+            <a:spLocks noGrp="1"/>
+          </p:cNvSpPr>
+          <p:nvPr>
+            <p:ph type="hdr" sz="quarter"/>
+          </p:nvPr>
+        </p:nvSpPr>
+        <p:spPr>
+          <a:xfrm>
+            <a:off x="0" y="0"/>
+            <a:ext cx="2971800" cy="458788"/>
+          </a:xfrm>
+          <a:prstGeom prst="rect">
+            <a:avLst/>
+          </a:prstGeom>
+        </p:spPr>
+        <p:txBody>
+          <a:bodyPr vert="horz" lIns="91440" tIns="45720" rIns="91440" bIns="45720" rtlCol="0"/>
+          <a:lstStyle>
+            <a:lvl1pPr algn="l">
+              <a:defRPr sz="1200"/>
+            </a:lvl1pPr>
+          </a:lstStyle>
+          <a:p>
+            <a:endParaRPr lang="en-US"/>
+          </a:p>
+        </p:txBody>
+      </p:sp>
+      <p:sp>
+        <p:nvSpPr>
+          <p:cNvPr id="3" name="Date Placeholder 2"/>
+          <p:cNvSpPr>
+            <a:spLocks noGrp="1"/>
+          </p:cNvSpPr>
+          <p:nvPr>
+            <p:ph type="dt" idx="1"/>
+          </p:nvPr>
+        </p:nvSpPr>
+        <p:spPr>
+          <a:xfrm>
+            <a:off x="3884613" y="0"/>
+            <a:ext cx="2971800" cy="458788"/>
+          </a:xfrm>
+          <a:prstGeom prst="rect">
+            <a:avLst/>
+          </a:prstGeom>
+        </p:spPr>
+        <p:txBody>
+          <a:bodyPr vert="horz" lIns="91440" tIns="45720" rIns="91440" bIns="45720" rtlCol="0"/>
+          <a:lstStyle>
+            <a:lvl1pPr algn="r">
+              <a:defRPr sz="1200"/>
+            </a:lvl1pPr>
+          </a:lstStyle>
+          <a:p>
+            <a:fld id="{7EA08FCC-2ABB-4873-8669-C0BBA889CF18}" type="datetimeFigureOut">
+              <a:rPr lang="en-US" smtClean="0"/>
+              <a:t>4/18/2023</a:t>
+            </a:fld>
+            <a:endParaRPr lang="en-US"/>
+          </a:p>
+        </p:txBody>
+      </p:sp>
+      <p:sp>
+        <p:nvSpPr>
+          <p:cNvPr id="4" name="Slide Image Placeholder 3"/>
+          <p:cNvSpPr>
+            <a:spLocks noGrp="1" noRot="1" noChangeAspect="1"/>
+          </p:cNvSpPr>
+          <p:nvPr>
+            <p:ph type="sldImg" idx="2"/>
+          </p:nvPr>
+        </p:nvSpPr>
+        <p:spPr>
+          <a:xfrm>
+            <a:off x="685800" y="1143000"/>
+            <a:ext cx="5486400" cy="3086100"/>
+          </a:xfrm>
+          <a:prstGeom prst="rect">
+            <a:avLst/>
+          </a:prstGeom>
+          <a:noFill/>
+          <a:ln w="12700">
+            <a:solidFill>
+              <a:prstClr val="black"/>
+            </a:solidFill>
+          </a:ln>
+        </p:spPr>
+        <p:txBody>
+          <a:bodyPr vert="horz" lIns="91440" tIns="45720" rIns="91440" bIns="45720" rtlCol="0" anchor="ctr"/>
+          <a:lstStyle/>
+          <a:p>
+            <a:endParaRPr lang="en-US"/>
+          </a:p>
+        </p:txBody>
+      </p:sp>
+      <p:sp>
+        <p:nvSpPr>
+          <p:cNvPr id="5" name="Notes Placeholder 4"/>
+          <p:cNvSpPr>
+            <a:spLocks noGrp="1"/>
+          </p:cNvSpPr>
+          <p:nvPr>
+            <p:ph type="body" sz="quarter" idx="3"/>
+          </p:nvPr>
+        </p:nvSpPr>
+        <p:spPr>
+          <a:xfrm>
+            <a:off x="685800" y="4400550"/>
+            <a:ext cx="5486400" cy="3600450"/>
+          </a:xfrm>
+          <a:prstGeom prst="rect">
+            <a:avLst/>
+          </a:prstGeom>
+        </p:spPr>
+        <p:txBody>
+          <a:bodyPr vert="horz" lIns="91440" tIns="45720" rIns="91440" bIns="45720" rtlCol="0"/>
+          <a:lstStyle/>
+          <a:p>
+            <a:pPr lvl="0"/>
+            <a:r>
+              <a:rPr lang="en-US"/>
+              <a:t>Click to edit Master text styles</a:t>
+            </a:r>
+          </a:p>
+          <a:p>
+            <a:pPr lvl="1"/>
+            <a:r>
+              <a:rPr lang="en-US"/>
+              <a:t>Second level</a:t>
+            </a:r>
+          </a:p>
+          <a:p>
+            <a:pPr lvl="2"/>
+            <a:r>
+              <a:rPr lang="en-US"/>
+              <a:t>Third level</a:t>
+            </a:r>
+          </a:p>
+          <a:p>
+            <a:pPr lvl="3"/>
+            <a:r>
+              <a:rPr lang="en-US"/>
+              <a:t>Fourth level</a:t>
+            </a:r>
+          </a:p>
+          <a:p>
+            <a:pPr lvl="4"/>
+            <a:r>
+              <a:rPr lang="en-US"/>
+              <a:t>Fifth level</a:t>
+            </a:r>
+          </a:p>
+        </p:txBody>
+      </p:sp>
+      <p:sp>
+        <p:nvSpPr>
+          <p:cNvPr id="6" name="Footer Placeholder 5"/>
+          <p:cNvSpPr>
+            <a:spLocks noGrp="1"/>
+          </p:cNvSpPr>
+          <p:nvPr>
+            <p:ph type="ftr" sz="quarter" idx="4"/>
+          </p:nvPr>
+        </p:nvSpPr>
+        <p:spPr>
+          <a:xfrm>
+            <a:off x="0" y="8685213"/>
+            <a:ext cx="2971800" cy="458787"/>
+          </a:xfrm>
+          <a:prstGeom prst="rect">
+            <a:avLst/>
+          </a:prstGeom>
+        </p:spPr>
+        <p:txBody>
+          <a:bodyPr vert="horz" lIns="91440" tIns="45720" rIns="91440" bIns="45720" rtlCol="0" anchor="b"/>
+          <a:lstStyle>
+            <a:lvl1pPr algn="l">
+              <a:defRPr sz="1200"/>
+            </a:lvl1pPr>
+          </a:lstStyle>
+          <a:p>
+            <a:endParaRPr lang="en-US"/>
+          </a:p>
+        </p:txBody>
+      </p:sp>
+      <p:sp>
+        <p:nvSpPr>
+          <p:cNvPr id="7" name="Slide Number Placeholder 6"/>
+          <p:cNvSpPr>
+            <a:spLocks noGrp="1"/>
+          </p:cNvSpPr>
+          <p:nvPr>
+            <p:ph type="sldNum" sz="quarter" idx="5"/>
+          </p:nvPr>
+        </p:nvSpPr>
+        <p:spPr>
+          <a:xfrm>
+            <a:off x="3884613" y="8685213"/>
+            <a:ext cx="2971800" cy="458787"/>
+          </a:xfrm>
+          <a:prstGeom prst="rect">
+            <a:avLst/>
+          </a:prstGeom>
+        </p:spPr>
+        <p:txBody>
+          <a:bodyPr vert="horz" lIns="91440" tIns="45720" rIns="91440" bIns="45720" rtlCol="0" anchor="b"/>
+          <a:lstStyle>
+            <a:lvl1pPr algn="r">
+              <a:defRPr sz="1200"/>
+            </a:lvl1pPr>
+          </a:lstStyle>
+          <a:p>
+            <a:fld id="{071DF060-DCB4-4683-96A4-5426AC26B230}" type="slidenum">
+              <a:rPr lang="en-US" smtClean="0"/>
+              <a:t>‹#›</a:t>
+            </a:fld>
+            <a:endParaRPr lang="en-US"/>
+          </a:p>
+        </p:txBody>
+      </p:sp>
+    </p:spTree>
+    <p:extLst>
+      <p:ext uri="{BB962C8B-B14F-4D97-AF65-F5344CB8AC3E}">
+        <p14:creationId xmlns:p14="http://schemas.microsoft.com/office/powerpoint/2010/main" val="278091246"/>
+      </p:ext>
+    </p:extLst>
+  </p:cSld>
+  <p:clrMap bg1="lt1" tx1="dk1" bg2="lt2" tx2="dk2" accent1="accent1" accent2="accent2" accent3="accent3" accent4="accent4" accent5="accent5" accent6="accent6" hlink="hlink" folHlink="folHlink"/>
+  <p:notesStyle>
+    <a:lvl1pPr marL="0" algn="l" defTabSz="914400" rtl="0" eaLnBrk="1" latinLnBrk="0" hangingPunct="1">
+      <a:defRPr sz="1200" kern="1200">
+        <a:solidFill>
+          <a:schemeClr val="tx1"/>
+        </a:solidFill>
+        <a:latin typeface="+mn-lt"/>
+        <a:ea typeface="+mn-ea"/>
+        <a:cs typeface="+mn-cs"/>
+      </a:defRPr>
+    </a:lvl1pPr>
+    <a:lvl2pPr marL="457200" algn="l" defTabSz="914400" rtl="0" eaLnBrk="1" latinLnBrk="0" hangingPunct="1">
+      <a:defRPr sz="1200" kern="1200">
+        <a:solidFill>
+          <a:schemeClr val="tx1"/>
+        </a:solidFill>
+        <a:latin typeface="+mn-lt"/>
+        <a:ea typeface="+mn-ea"/>
+        <a:cs typeface="+mn-cs"/>
+      </a:defRPr>
+    </a:lvl2pPr>
+    <a:lvl3pPr marL="914400" algn="l" defTabSz="914400" rtl="0" eaLnBrk="1" latinLnBrk="0" hangingPunct="1">
+      <a:defRPr sz="1200" kern="1200">
+        <a:solidFill>
+          <a:schemeClr val="tx1"/>
+        </a:solidFill>
+        <a:latin typeface="+mn-lt"/>
+        <a:ea typeface="+mn-ea"/>
+        <a:cs typeface="+mn-cs"/>
+      </a:defRPr>
+    </a:lvl3pPr>
+    <a:lvl4pPr marL="1371600" algn="l" defTabSz="914400" rtl="0" eaLnBrk="1" latinLnBrk="0" hangingPunct="1">
+      <a:defRPr sz="1200" kern="1200">
+        <a:solidFill>
+          <a:schemeClr val="tx1"/>
+        </a:solidFill>
+        <a:latin typeface="+mn-lt"/>
+        <a:ea typeface="+mn-ea"/>
+        <a:cs typeface="+mn-cs"/>
+      </a:defRPr>
+    </a:lvl4pPr>
+    <a:lvl5pPr marL="1828800" algn="l" defTabSz="914400" rtl="0" eaLnBrk="1" latinLnBrk="0" hangingPunct="1">
+      <a:defRPr sz="1200" kern="1200">
+        <a:solidFill>
+          <a:schemeClr val="tx1"/>
+        </a:solidFill>
+        <a:latin typeface="+mn-lt"/>
+        <a:ea typeface="+mn-ea"/>
+        <a:cs typeface="+mn-cs"/>
+      </a:defRPr>
+    </a:lvl5pPr>
+    <a:lvl6pPr marL="2286000" algn="l" defTabSz="914400" rtl="0" eaLnBrk="1" latinLnBrk="0" hangingPunct="1">
+      <a:defRPr sz="1200" kern="1200">
+        <a:solidFill>
+          <a:schemeClr val="tx1"/>
+        </a:solidFill>
+        <a:latin typeface="+mn-lt"/>
+        <a:ea typeface="+mn-ea"/>
+        <a:cs typeface="+mn-cs"/>
+      </a:defRPr>
+    </a:lvl6pPr>
+    <a:lvl7pPr marL="2743200" algn="l" defTabSz="914400" rtl="0" eaLnBrk="1" latinLnBrk="0" hangingPunct="1">
+      <a:defRPr sz="1200" kern="1200">
+        <a:solidFill>
+          <a:schemeClr val="tx1"/>
+        </a:solidFill>
+        <a:latin typeface="+mn-lt"/>
+        <a:ea typeface="+mn-ea"/>
+        <a:cs typeface="+mn-cs"/>
+      </a:defRPr>
+    </a:lvl7pPr>
+    <a:lvl8pPr marL="3200400" algn="l" defTabSz="914400" rtl="0" eaLnBrk="1" latinLnBrk="0" hangingPunct="1">
+      <a:defRPr sz="1200" kern="1200">
+        <a:solidFill>
+          <a:schemeClr val="tx1"/>
+        </a:solidFill>
+        <a:latin typeface="+mn-lt"/>
+        <a:ea typeface="+mn-ea"/>
+        <a:cs typeface="+mn-cs"/>
+      </a:defRPr>
+    </a:lvl8pPr>
+    <a:lvl9pPr marL="3657600" algn="l" defTabSz="914400" rtl="0" eaLnBrk="1" latinLnBrk="0" hangingPunct="1">
+      <a:defRPr sz="1200" kern="1200">
+        <a:solidFill>
+          <a:schemeClr val="tx1"/>
+        </a:solidFill>
+        <a:latin typeface="+mn-lt"/>
+        <a:ea typeface="+mn-ea"/>
+        <a:cs typeface="+mn-cs"/>
+      </a:defRPr>
+    </a:lvl9pPr>
+  </p:notesStyle>
+</p:notesMaster>
+</file>
+
+<file path=ppt/notesSlides/notesSlide1.xml><?xml version="1.0" encoding="utf-8"?>
+<p:notes xmlns:a="http://schemas.openxmlformats.org/drawingml/2006/main" xmlns:r="http://schemas.openxmlformats.org/officeDocument/2006/relationships" xmlns:p="http://schemas.openxmlformats.org/presentationml/2006/main">
+  <p:cSld>
+    <p:spTree>
+      <p:nvGrpSpPr>
+        <p:cNvPr id="1" name=""/>
+        <p:cNvGrpSpPr/>
+        <p:nvPr/>
+      </p:nvGrpSpPr>
+      <p:grpSpPr>
+        <a:xfrm>
+          <a:off x="0" y="0"/>
+          <a:ext cx="0" cy="0"/>
+          <a:chOff x="0" y="0"/>
+          <a:chExt cx="0" cy="0"/>
+        </a:xfrm>
+      </p:grpSpPr>
+      <p:sp>
+        <p:nvSpPr>
+          <p:cNvPr id="2" name="Slide Image Placeholder 1"/>
+          <p:cNvSpPr>
+            <a:spLocks noGrp="1" noRot="1" noChangeAspect="1"/>
+          </p:cNvSpPr>
+          <p:nvPr>
+            <p:ph type="sldImg"/>
+          </p:nvPr>
+        </p:nvSpPr>
+        <p:spPr/>
+      </p:sp>
+      <p:sp>
+        <p:nvSpPr>
+          <p:cNvPr id="3" name="Notes Placeholder 2"/>
+          <p:cNvSpPr>
+            <a:spLocks noGrp="1"/>
+          </p:cNvSpPr>
+          <p:nvPr>
+            <p:ph type="body" idx="1"/>
+          </p:nvPr>
+        </p:nvSpPr>
+        <p:spPr/>
+        <p:txBody>
+          <a:bodyPr/>
+          <a:lstStyle/>
+          <a:p>
+            <a:pPr marL="171450" indent="-171450">
+              <a:buFontTx/>
+              <a:buChar char="-"/>
+            </a:pPr>
+            <a:r>
+              <a:rPr lang="en-US" dirty="0"/>
+              <a:t>You have all heard the term “neural network” before (because there was a presentation on it), but do you actually know what that means?</a:t>
+            </a:r>
+          </a:p>
+          <a:p>
+            <a:pPr marL="171450" indent="-171450">
+              <a:buFontTx/>
+              <a:buChar char="-"/>
+            </a:pPr>
+            <a:r>
+              <a:rPr lang="en-US" dirty="0"/>
+              <a:t>What is a neural network?</a:t>
+            </a:r>
+          </a:p>
+          <a:p>
+            <a:pPr marL="171450" indent="-171450">
+              <a:buFontTx/>
+              <a:buChar char="-"/>
+            </a:pPr>
+            <a:r>
+              <a:rPr lang="en-US" dirty="0"/>
+              <a:t>Let’s walk through one</a:t>
+            </a:r>
+          </a:p>
+          <a:p>
+            <a:r>
+              <a:rPr lang="en-US" dirty="0"/>
+              <a:t>- One of the most popular “Hello world” applications is called MNIST or as I like to call “MNIST”</a:t>
+            </a:r>
+          </a:p>
+        </p:txBody>
+      </p:sp>
+      <p:sp>
+        <p:nvSpPr>
+          <p:cNvPr id="4" name="Slide Number Placeholder 3"/>
+          <p:cNvSpPr>
+            <a:spLocks noGrp="1"/>
+          </p:cNvSpPr>
+          <p:nvPr>
+            <p:ph type="sldNum" sz="quarter" idx="5"/>
+          </p:nvPr>
+        </p:nvSpPr>
+        <p:spPr/>
+        <p:txBody>
+          <a:bodyPr/>
+          <a:lstStyle/>
+          <a:p>
+            <a:fld id="{071DF060-DCB4-4683-96A4-5426AC26B230}" type="slidenum">
+              <a:rPr lang="en-US" smtClean="0"/>
+              <a:t>4</a:t>
+            </a:fld>
+            <a:endParaRPr lang="en-US"/>
+          </a:p>
+        </p:txBody>
+      </p:sp>
+    </p:spTree>
+    <p:extLst>
+      <p:ext uri="{BB962C8B-B14F-4D97-AF65-F5344CB8AC3E}">
+        <p14:creationId xmlns:p14="http://schemas.microsoft.com/office/powerpoint/2010/main" val="3199173347"/>
+      </p:ext>
+    </p:extLst>
+  </p:cSld>
+  <p:clrMapOvr>
+    <a:masterClrMapping/>
+  </p:clrMapOvr>
+</p:notes>
+</file>
+
+<file path=ppt/notesSlides/notesSlide2.xml><?xml version="1.0" encoding="utf-8"?>
+<p:notes xmlns:a="http://schemas.openxmlformats.org/drawingml/2006/main" xmlns:r="http://schemas.openxmlformats.org/officeDocument/2006/relationships" xmlns:p="http://schemas.openxmlformats.org/presentationml/2006/main">
+  <p:cSld>
+    <p:spTree>
+      <p:nvGrpSpPr>
+        <p:cNvPr id="1" name=""/>
+        <p:cNvGrpSpPr/>
+        <p:nvPr/>
+      </p:nvGrpSpPr>
+      <p:grpSpPr>
+        <a:xfrm>
+          <a:off x="0" y="0"/>
+          <a:ext cx="0" cy="0"/>
+          <a:chOff x="0" y="0"/>
+          <a:chExt cx="0" cy="0"/>
+        </a:xfrm>
+      </p:grpSpPr>
+      <p:sp>
+        <p:nvSpPr>
+          <p:cNvPr id="2" name="Slide Image Placeholder 1"/>
+          <p:cNvSpPr>
+            <a:spLocks noGrp="1" noRot="1" noChangeAspect="1"/>
+          </p:cNvSpPr>
+          <p:nvPr>
+            <p:ph type="sldImg"/>
+          </p:nvPr>
+        </p:nvSpPr>
+        <p:spPr/>
+      </p:sp>
+      <p:sp>
+        <p:nvSpPr>
+          <p:cNvPr id="3" name="Notes Placeholder 2"/>
+          <p:cNvSpPr>
+            <a:spLocks noGrp="1"/>
+          </p:cNvSpPr>
+          <p:nvPr>
+            <p:ph type="body" idx="1"/>
+          </p:nvPr>
+        </p:nvSpPr>
+        <p:spPr/>
+        <p:txBody>
+          <a:bodyPr/>
+          <a:lstStyle/>
+          <a:p>
+            <a:pPr marL="171450" indent="-171450">
+              <a:buFontTx/>
+              <a:buChar char="-"/>
+            </a:pPr>
+            <a:r>
+              <a:rPr lang="en-US" dirty="0"/>
+              <a:t>MNIST is an AI that identifies handwritten numbers</a:t>
+            </a:r>
+          </a:p>
+          <a:p>
+            <a:pPr marL="171450" indent="-171450">
+              <a:buFontTx/>
+              <a:buChar char="-"/>
+            </a:pPr>
+            <a:r>
+              <a:rPr lang="en-US" dirty="0"/>
+              <a:t>The reason it’s popular is because all of the pictures and data are available to the public</a:t>
+            </a:r>
+          </a:p>
+        </p:txBody>
+      </p:sp>
+      <p:sp>
+        <p:nvSpPr>
+          <p:cNvPr id="4" name="Slide Number Placeholder 3"/>
+          <p:cNvSpPr>
+            <a:spLocks noGrp="1"/>
+          </p:cNvSpPr>
+          <p:nvPr>
+            <p:ph type="sldNum" sz="quarter" idx="5"/>
+          </p:nvPr>
+        </p:nvSpPr>
+        <p:spPr/>
+        <p:txBody>
+          <a:bodyPr/>
+          <a:lstStyle/>
+          <a:p>
+            <a:fld id="{071DF060-DCB4-4683-96A4-5426AC26B230}" type="slidenum">
+              <a:rPr lang="en-US" smtClean="0"/>
+              <a:t>5</a:t>
+            </a:fld>
+            <a:endParaRPr lang="en-US"/>
+          </a:p>
+        </p:txBody>
+      </p:sp>
+    </p:spTree>
+    <p:extLst>
+      <p:ext uri="{BB962C8B-B14F-4D97-AF65-F5344CB8AC3E}">
+        <p14:creationId xmlns:p14="http://schemas.microsoft.com/office/powerpoint/2010/main" val="1664990734"/>
+      </p:ext>
+    </p:extLst>
+  </p:cSld>
+  <p:clrMapOvr>
+    <a:masterClrMapping/>
+  </p:clrMapOvr>
+</p:notes>
+</file>
+
+<file path=ppt/notesSlides/notesSlide3.xml><?xml version="1.0" encoding="utf-8"?>
+<p:notes xmlns:a="http://schemas.openxmlformats.org/drawingml/2006/main" xmlns:r="http://schemas.openxmlformats.org/officeDocument/2006/relationships" xmlns:p="http://schemas.openxmlformats.org/presentationml/2006/main">
+  <p:cSld>
+    <p:spTree>
+      <p:nvGrpSpPr>
+        <p:cNvPr id="1" name=""/>
+        <p:cNvGrpSpPr/>
+        <p:nvPr/>
+      </p:nvGrpSpPr>
+      <p:grpSpPr>
+        <a:xfrm>
+          <a:off x="0" y="0"/>
+          <a:ext cx="0" cy="0"/>
+          <a:chOff x="0" y="0"/>
+          <a:chExt cx="0" cy="0"/>
+        </a:xfrm>
+      </p:grpSpPr>
+      <p:sp>
+        <p:nvSpPr>
+          <p:cNvPr id="2" name="Slide Image Placeholder 1"/>
+          <p:cNvSpPr>
+            <a:spLocks noGrp="1" noRot="1" noChangeAspect="1"/>
+          </p:cNvSpPr>
+          <p:nvPr>
+            <p:ph type="sldImg"/>
+          </p:nvPr>
+        </p:nvSpPr>
+        <p:spPr/>
+      </p:sp>
+      <p:sp>
+        <p:nvSpPr>
+          <p:cNvPr id="3" name="Notes Placeholder 2"/>
+          <p:cNvSpPr>
+            <a:spLocks noGrp="1"/>
+          </p:cNvSpPr>
+          <p:nvPr>
+            <p:ph type="body" idx="1"/>
+          </p:nvPr>
+        </p:nvSpPr>
+        <p:spPr/>
+        <p:txBody>
+          <a:bodyPr/>
+          <a:lstStyle/>
+          <a:p>
+            <a:r>
+              <a:rPr lang="en-US" dirty="0"/>
+              <a:t>- The problem</a:t>
+            </a:r>
+          </a:p>
+          <a:p>
+            <a:r>
+              <a:rPr lang="en-US" dirty="0"/>
+              <a:t>- The neural network will take in images and spit out what number the AI thinks the image is</a:t>
+            </a:r>
+          </a:p>
+        </p:txBody>
+      </p:sp>
+      <p:sp>
+        <p:nvSpPr>
+          <p:cNvPr id="4" name="Slide Number Placeholder 3"/>
+          <p:cNvSpPr>
+            <a:spLocks noGrp="1"/>
+          </p:cNvSpPr>
+          <p:nvPr>
+            <p:ph type="sldNum" sz="quarter" idx="5"/>
+          </p:nvPr>
+        </p:nvSpPr>
+        <p:spPr/>
+        <p:txBody>
+          <a:bodyPr/>
+          <a:lstStyle/>
+          <a:p>
+            <a:fld id="{071DF060-DCB4-4683-96A4-5426AC26B230}" type="slidenum">
+              <a:rPr lang="en-US" smtClean="0"/>
+              <a:t>6</a:t>
+            </a:fld>
+            <a:endParaRPr lang="en-US"/>
+          </a:p>
+        </p:txBody>
+      </p:sp>
+    </p:spTree>
+    <p:extLst>
+      <p:ext uri="{BB962C8B-B14F-4D97-AF65-F5344CB8AC3E}">
+        <p14:creationId xmlns:p14="http://schemas.microsoft.com/office/powerpoint/2010/main" val="1567090583"/>
+      </p:ext>
+    </p:extLst>
+  </p:cSld>
+  <p:clrMapOvr>
+    <a:masterClrMapping/>
+  </p:clrMapOvr>
+</p:notes>
+</file>
+
+<file path=ppt/notesSlides/notesSlide4.xml><?xml version="1.0" encoding="utf-8"?>
+<p:notes xmlns:a="http://schemas.openxmlformats.org/drawingml/2006/main" xmlns:r="http://schemas.openxmlformats.org/officeDocument/2006/relationships" xmlns:p="http://schemas.openxmlformats.org/presentationml/2006/main">
+  <p:cSld>
+    <p:spTree>
+      <p:nvGrpSpPr>
+        <p:cNvPr id="1" name=""/>
+        <p:cNvGrpSpPr/>
+        <p:nvPr/>
+      </p:nvGrpSpPr>
+      <p:grpSpPr>
+        <a:xfrm>
+          <a:off x="0" y="0"/>
+          <a:ext cx="0" cy="0"/>
+          <a:chOff x="0" y="0"/>
+          <a:chExt cx="0" cy="0"/>
+        </a:xfrm>
+      </p:grpSpPr>
+      <p:sp>
+        <p:nvSpPr>
+          <p:cNvPr id="2" name="Slide Image Placeholder 1"/>
+          <p:cNvSpPr>
+            <a:spLocks noGrp="1" noRot="1" noChangeAspect="1"/>
+          </p:cNvSpPr>
+          <p:nvPr>
+            <p:ph type="sldImg"/>
+          </p:nvPr>
+        </p:nvSpPr>
+        <p:spPr/>
+      </p:sp>
+      <p:sp>
+        <p:nvSpPr>
+          <p:cNvPr id="3" name="Notes Placeholder 2"/>
+          <p:cNvSpPr>
+            <a:spLocks noGrp="1"/>
+          </p:cNvSpPr>
+          <p:nvPr>
+            <p:ph type="body" idx="1"/>
+          </p:nvPr>
+        </p:nvSpPr>
+        <p:spPr/>
+        <p:txBody>
+          <a:bodyPr/>
+          <a:lstStyle/>
+          <a:p>
+            <a:pPr marL="171450" indent="-171450">
+              <a:buFontTx/>
+              <a:buChar char="-"/>
+            </a:pPr>
+            <a:r>
+              <a:rPr lang="en-US" dirty="0"/>
+              <a:t>What inputs could be taken in? These are often called “parameters”</a:t>
+            </a:r>
+          </a:p>
+          <a:p>
+            <a:pPr marL="171450" indent="-171450">
+              <a:buFontTx/>
+              <a:buChar char="-"/>
+            </a:pPr>
+            <a:r>
+              <a:rPr lang="en-US" dirty="0"/>
+              <a:t>How about outputs?</a:t>
+            </a:r>
+          </a:p>
+          <a:p>
+            <a:pPr marL="171450" indent="-171450">
+              <a:buFontTx/>
+              <a:buChar char="-"/>
+            </a:pPr>
+            <a:r>
+              <a:rPr lang="en-US" dirty="0"/>
+              <a:t>It’s important to identify the inputs and outputs of an AI system, because AI systems all have a specific purpose (at least for now) chat </a:t>
+            </a:r>
+            <a:r>
+              <a:rPr lang="en-US" dirty="0" err="1"/>
+              <a:t>gpt</a:t>
+            </a:r>
+            <a:r>
+              <a:rPr lang="en-US" dirty="0"/>
+              <a:t> vs </a:t>
+            </a:r>
+            <a:r>
+              <a:rPr lang="en-US" dirty="0" err="1"/>
+              <a:t>craiyon</a:t>
+            </a:r>
+            <a:endParaRPr lang="en-US" dirty="0"/>
+          </a:p>
+          <a:p>
+            <a:pPr marL="171450" indent="-171450">
+              <a:buFontTx/>
+              <a:buChar char="-"/>
+            </a:pPr>
+            <a:r>
+              <a:rPr lang="en-US" dirty="0"/>
+              <a:t>Lots of debate on neurons and neuron layers, not an exact science (at least what's been released on the web)</a:t>
+            </a:r>
+          </a:p>
+          <a:p>
+            <a:pPr marL="171450" indent="-171450">
+              <a:buFontTx/>
+              <a:buChar char="-"/>
+            </a:pPr>
+            <a:r>
+              <a:rPr lang="en-US" dirty="0"/>
+              <a:t>We’ve identified our I/O time to move on</a:t>
+            </a:r>
+          </a:p>
+        </p:txBody>
+      </p:sp>
+      <p:sp>
+        <p:nvSpPr>
+          <p:cNvPr id="4" name="Slide Number Placeholder 3"/>
+          <p:cNvSpPr>
+            <a:spLocks noGrp="1"/>
+          </p:cNvSpPr>
+          <p:nvPr>
+            <p:ph type="sldNum" sz="quarter" idx="5"/>
+          </p:nvPr>
+        </p:nvSpPr>
+        <p:spPr/>
+        <p:txBody>
+          <a:bodyPr/>
+          <a:lstStyle/>
+          <a:p>
+            <a:fld id="{071DF060-DCB4-4683-96A4-5426AC26B230}" type="slidenum">
+              <a:rPr lang="en-US" smtClean="0"/>
+              <a:t>7</a:t>
+            </a:fld>
+            <a:endParaRPr lang="en-US"/>
+          </a:p>
+        </p:txBody>
+      </p:sp>
+    </p:spTree>
+    <p:extLst>
+      <p:ext uri="{BB962C8B-B14F-4D97-AF65-F5344CB8AC3E}">
+        <p14:creationId xmlns:p14="http://schemas.microsoft.com/office/powerpoint/2010/main" val="702528517"/>
+      </p:ext>
+    </p:extLst>
+  </p:cSld>
+  <p:clrMapOvr>
+    <a:masterClrMapping/>
+  </p:clrMapOvr>
+</p:notes>
+</file>
+
+<file path=ppt/notesSlides/notesSlide5.xml><?xml version="1.0" encoding="utf-8"?>
+<p:notes xmlns:a="http://schemas.openxmlformats.org/drawingml/2006/main" xmlns:r="http://schemas.openxmlformats.org/officeDocument/2006/relationships" xmlns:p="http://schemas.openxmlformats.org/presentationml/2006/main">
+  <p:cSld>
+    <p:spTree>
+      <p:nvGrpSpPr>
+        <p:cNvPr id="1" name=""/>
+        <p:cNvGrpSpPr/>
+        <p:nvPr/>
+      </p:nvGrpSpPr>
+      <p:grpSpPr>
+        <a:xfrm>
+          <a:off x="0" y="0"/>
+          <a:ext cx="0" cy="0"/>
+          <a:chOff x="0" y="0"/>
+          <a:chExt cx="0" cy="0"/>
+        </a:xfrm>
+      </p:grpSpPr>
+      <p:sp>
+        <p:nvSpPr>
+          <p:cNvPr id="2" name="Slide Image Placeholder 1"/>
+          <p:cNvSpPr>
+            <a:spLocks noGrp="1" noRot="1" noChangeAspect="1"/>
+          </p:cNvSpPr>
+          <p:nvPr>
+            <p:ph type="sldImg"/>
+          </p:nvPr>
+        </p:nvSpPr>
+        <p:spPr/>
+      </p:sp>
+      <p:sp>
+        <p:nvSpPr>
+          <p:cNvPr id="3" name="Notes Placeholder 2"/>
+          <p:cNvSpPr>
+            <a:spLocks noGrp="1"/>
+          </p:cNvSpPr>
+          <p:nvPr>
+            <p:ph type="body" idx="1"/>
+          </p:nvPr>
+        </p:nvSpPr>
+        <p:spPr/>
+        <p:txBody>
+          <a:bodyPr/>
+          <a:lstStyle/>
+          <a:p>
+            <a:pPr marL="171450" indent="-171450">
+              <a:buFontTx/>
+              <a:buChar char="-"/>
+            </a:pPr>
+            <a:r>
+              <a:rPr lang="en-US" dirty="0"/>
+              <a:t>3 main values to talk about</a:t>
+            </a:r>
+          </a:p>
+          <a:p>
+            <a:pPr marL="171450" indent="-171450">
+              <a:buFontTx/>
+              <a:buChar char="-"/>
+            </a:pPr>
+            <a:r>
+              <a:rPr lang="en-US" dirty="0"/>
+              <a:t>Lets create a small intermediate neural network and assign names and values</a:t>
+            </a:r>
+          </a:p>
+          <a:p>
+            <a:pPr marL="171450" indent="-171450">
+              <a:buFontTx/>
+              <a:buChar char="-"/>
+            </a:pPr>
+            <a:r>
+              <a:rPr lang="en-US" dirty="0"/>
+              <a:t>We know the first group of neurons are pixel values, but how do we calculate D? </a:t>
+            </a:r>
+          </a:p>
+          <a:p>
+            <a:pPr marL="171450" indent="-171450">
+              <a:buFontTx/>
+              <a:buChar char="-"/>
+            </a:pPr>
+            <a:r>
+              <a:rPr lang="en-US" dirty="0"/>
+              <a:t>We use a simple summation and a special function</a:t>
+            </a:r>
+          </a:p>
+        </p:txBody>
+      </p:sp>
+      <p:sp>
+        <p:nvSpPr>
+          <p:cNvPr id="4" name="Slide Number Placeholder 3"/>
+          <p:cNvSpPr>
+            <a:spLocks noGrp="1"/>
+          </p:cNvSpPr>
+          <p:nvPr>
+            <p:ph type="sldNum" sz="quarter" idx="5"/>
+          </p:nvPr>
+        </p:nvSpPr>
+        <p:spPr/>
+        <p:txBody>
+          <a:bodyPr/>
+          <a:lstStyle/>
+          <a:p>
+            <a:fld id="{071DF060-DCB4-4683-96A4-5426AC26B230}" type="slidenum">
+              <a:rPr lang="en-US" smtClean="0"/>
+              <a:t>8</a:t>
+            </a:fld>
+            <a:endParaRPr lang="en-US"/>
+          </a:p>
+        </p:txBody>
+      </p:sp>
+    </p:spTree>
+    <p:extLst>
+      <p:ext uri="{BB962C8B-B14F-4D97-AF65-F5344CB8AC3E}">
+        <p14:creationId xmlns:p14="http://schemas.microsoft.com/office/powerpoint/2010/main" val="67102403"/>
+      </p:ext>
+    </p:extLst>
+  </p:cSld>
+  <p:clrMapOvr>
+    <a:masterClrMapping/>
+  </p:clrMapOvr>
+</p:notes>
+</file>
+
+<file path=ppt/notesSlides/notesSlide6.xml><?xml version="1.0" encoding="utf-8"?>
+<p:notes xmlns:a="http://schemas.openxmlformats.org/drawingml/2006/main" xmlns:r="http://schemas.openxmlformats.org/officeDocument/2006/relationships" xmlns:p="http://schemas.openxmlformats.org/presentationml/2006/main">
+  <p:cSld>
+    <p:spTree>
+      <p:nvGrpSpPr>
+        <p:cNvPr id="1" name=""/>
+        <p:cNvGrpSpPr/>
+        <p:nvPr/>
+      </p:nvGrpSpPr>
+      <p:grpSpPr>
+        <a:xfrm>
+          <a:off x="0" y="0"/>
+          <a:ext cx="0" cy="0"/>
+          <a:chOff x="0" y="0"/>
+          <a:chExt cx="0" cy="0"/>
+        </a:xfrm>
+      </p:grpSpPr>
+      <p:sp>
+        <p:nvSpPr>
+          <p:cNvPr id="2" name="Slide Image Placeholder 1"/>
+          <p:cNvSpPr>
+            <a:spLocks noGrp="1" noRot="1" noChangeAspect="1"/>
+          </p:cNvSpPr>
+          <p:nvPr>
+            <p:ph type="sldImg"/>
+          </p:nvPr>
+        </p:nvSpPr>
+        <p:spPr/>
+      </p:sp>
+      <p:sp>
+        <p:nvSpPr>
+          <p:cNvPr id="3" name="Notes Placeholder 2"/>
+          <p:cNvSpPr>
+            <a:spLocks noGrp="1"/>
+          </p:cNvSpPr>
+          <p:nvPr>
+            <p:ph type="body" idx="1"/>
+          </p:nvPr>
+        </p:nvSpPr>
+        <p:spPr/>
+        <p:txBody>
+          <a:bodyPr/>
+          <a:lstStyle/>
+          <a:p>
+            <a:pPr marL="171450" indent="-171450">
+              <a:buFontTx/>
+              <a:buChar char="-"/>
+            </a:pPr>
+            <a:r>
+              <a:rPr lang="en-US" dirty="0"/>
+              <a:t>Lots of calculations, lets use matrix math to add them up</a:t>
+            </a:r>
+          </a:p>
+          <a:p>
+            <a:pPr marL="171450" indent="-171450">
+              <a:buFontTx/>
+              <a:buChar char="-"/>
+            </a:pPr>
+            <a:r>
+              <a:rPr lang="en-US" dirty="0"/>
+              <a:t>Neural networks are actually trained best on GPUs because of how much matrix multiplication is used</a:t>
+            </a:r>
+          </a:p>
+          <a:p>
+            <a:pPr marL="171450" indent="-171450">
+              <a:buFontTx/>
+              <a:buChar char="-"/>
+            </a:pPr>
+            <a:r>
+              <a:rPr lang="en-US" dirty="0"/>
+              <a:t>Let’s now train our neural network</a:t>
+            </a:r>
+          </a:p>
+        </p:txBody>
+      </p:sp>
+      <p:sp>
+        <p:nvSpPr>
+          <p:cNvPr id="4" name="Slide Number Placeholder 3"/>
+          <p:cNvSpPr>
+            <a:spLocks noGrp="1"/>
+          </p:cNvSpPr>
+          <p:nvPr>
+            <p:ph type="sldNum" sz="quarter" idx="5"/>
+          </p:nvPr>
+        </p:nvSpPr>
+        <p:spPr/>
+        <p:txBody>
+          <a:bodyPr/>
+          <a:lstStyle/>
+          <a:p>
+            <a:fld id="{071DF060-DCB4-4683-96A4-5426AC26B230}" type="slidenum">
+              <a:rPr lang="en-US" smtClean="0"/>
+              <a:t>9</a:t>
+            </a:fld>
+            <a:endParaRPr lang="en-US"/>
+          </a:p>
+        </p:txBody>
+      </p:sp>
+    </p:spTree>
+    <p:extLst>
+      <p:ext uri="{BB962C8B-B14F-4D97-AF65-F5344CB8AC3E}">
+        <p14:creationId xmlns:p14="http://schemas.microsoft.com/office/powerpoint/2010/main" val="771767016"/>
+      </p:ext>
+    </p:extLst>
+  </p:cSld>
+  <p:clrMapOvr>
+    <a:masterClrMapping/>
+  </p:clrMapOvr>
+</p:notes>
+</file>
+
+<file path=ppt/notesSlides/notesSlide7.xml><?xml version="1.0" encoding="utf-8"?>
+<p:notes xmlns:a="http://schemas.openxmlformats.org/drawingml/2006/main" xmlns:r="http://schemas.openxmlformats.org/officeDocument/2006/relationships" xmlns:p="http://schemas.openxmlformats.org/presentationml/2006/main">
+  <p:cSld>
+    <p:spTree>
+      <p:nvGrpSpPr>
+        <p:cNvPr id="1" name=""/>
+        <p:cNvGrpSpPr/>
+        <p:nvPr/>
+      </p:nvGrpSpPr>
+      <p:grpSpPr>
+        <a:xfrm>
+          <a:off x="0" y="0"/>
+          <a:ext cx="0" cy="0"/>
+          <a:chOff x="0" y="0"/>
+          <a:chExt cx="0" cy="0"/>
+        </a:xfrm>
+      </p:grpSpPr>
+      <p:sp>
+        <p:nvSpPr>
+          <p:cNvPr id="2" name="Slide Image Placeholder 1"/>
+          <p:cNvSpPr>
+            <a:spLocks noGrp="1" noRot="1" noChangeAspect="1"/>
+          </p:cNvSpPr>
+          <p:nvPr>
+            <p:ph type="sldImg"/>
+          </p:nvPr>
+        </p:nvSpPr>
+        <p:spPr/>
+      </p:sp>
+      <p:sp>
+        <p:nvSpPr>
+          <p:cNvPr id="3" name="Notes Placeholder 2"/>
+          <p:cNvSpPr>
+            <a:spLocks noGrp="1"/>
+          </p:cNvSpPr>
+          <p:nvPr>
+            <p:ph type="body" idx="1"/>
+          </p:nvPr>
+        </p:nvSpPr>
+        <p:spPr/>
+        <p:txBody>
+          <a:bodyPr/>
+          <a:lstStyle/>
+          <a:p>
+            <a:pPr marL="171450" indent="-171450">
+              <a:buFontTx/>
+              <a:buChar char="-"/>
+            </a:pPr>
+            <a:r>
+              <a:rPr lang="en-US" dirty="0"/>
+              <a:t>Start with random weights and biases (</a:t>
+            </a:r>
+            <a:r>
+              <a:rPr lang="en-US" dirty="0" err="1"/>
+              <a:t>kindof</a:t>
+            </a:r>
+            <a:r>
+              <a:rPr lang="en-US" dirty="0"/>
+              <a:t>)</a:t>
+            </a:r>
+          </a:p>
+          <a:p>
+            <a:pPr marL="171450" indent="-171450">
+              <a:buFontTx/>
+              <a:buChar char="-"/>
+            </a:pPr>
+            <a:r>
+              <a:rPr lang="en-US" dirty="0"/>
+              <a:t>Then we will try to recognize a 4</a:t>
+            </a:r>
+          </a:p>
+          <a:p>
+            <a:pPr marL="628650" lvl="1" indent="-171450">
+              <a:buFontTx/>
+              <a:buChar char="-"/>
+            </a:pPr>
+            <a:r>
+              <a:rPr lang="en-US" dirty="0"/>
+              <a:t>Identifies as a 5, and back-propagates changing all the weights and biases based on the reward received</a:t>
+            </a:r>
+          </a:p>
+          <a:p>
+            <a:pPr marL="171450" lvl="0" indent="-171450">
+              <a:buFontTx/>
+              <a:buChar char="-"/>
+            </a:pPr>
+            <a:r>
+              <a:rPr lang="en-US" dirty="0"/>
+              <a:t>Again with a 1</a:t>
+            </a:r>
+          </a:p>
+          <a:p>
+            <a:pPr marL="171450" lvl="0" indent="-171450">
+              <a:buFontTx/>
+              <a:buChar char="-"/>
+            </a:pPr>
+            <a:r>
+              <a:rPr lang="en-US" dirty="0"/>
+              <a:t>Repeat until the AI can correctly identify a picture according to your accuracy needs</a:t>
+            </a:r>
+          </a:p>
+          <a:p>
+            <a:pPr marL="171450" lvl="0" indent="-171450">
+              <a:buFontTx/>
+              <a:buChar char="-"/>
+            </a:pPr>
+            <a:r>
+              <a:rPr lang="en-US" dirty="0"/>
+              <a:t>It works a lot like simulated annealing</a:t>
+            </a:r>
+          </a:p>
+          <a:p>
+            <a:pPr marL="171450" lvl="0" indent="-171450">
+              <a:buFontTx/>
+              <a:buChar char="-"/>
+            </a:pPr>
+            <a:r>
+              <a:rPr lang="en-US" dirty="0"/>
+              <a:t>Once it’s trained, the same neural network can be used over and over to identify the correct picture</a:t>
+            </a:r>
+          </a:p>
+        </p:txBody>
+      </p:sp>
+      <p:sp>
+        <p:nvSpPr>
+          <p:cNvPr id="4" name="Slide Number Placeholder 3"/>
+          <p:cNvSpPr>
+            <a:spLocks noGrp="1"/>
+          </p:cNvSpPr>
+          <p:nvPr>
+            <p:ph type="sldNum" sz="quarter" idx="5"/>
+          </p:nvPr>
+        </p:nvSpPr>
+        <p:spPr/>
+        <p:txBody>
+          <a:bodyPr/>
+          <a:lstStyle/>
+          <a:p>
+            <a:fld id="{071DF060-DCB4-4683-96A4-5426AC26B230}" type="slidenum">
+              <a:rPr lang="en-US" smtClean="0"/>
+              <a:t>10</a:t>
+            </a:fld>
+            <a:endParaRPr lang="en-US"/>
+          </a:p>
+        </p:txBody>
+      </p:sp>
+    </p:spTree>
+    <p:extLst>
+      <p:ext uri="{BB962C8B-B14F-4D97-AF65-F5344CB8AC3E}">
+        <p14:creationId xmlns:p14="http://schemas.microsoft.com/office/powerpoint/2010/main" val="339856507"/>
+      </p:ext>
+    </p:extLst>
+  </p:cSld>
+  <p:clrMapOvr>
+    <a:masterClrMapping/>
+  </p:clrMapOvr>
+</p:notes>
+</file>
+
+<file path=ppt/notesSlides/notesSlide8.xml><?xml version="1.0" encoding="utf-8"?>
+<p:notes xmlns:a="http://schemas.openxmlformats.org/drawingml/2006/main" xmlns:r="http://schemas.openxmlformats.org/officeDocument/2006/relationships" xmlns:p="http://schemas.openxmlformats.org/presentationml/2006/main">
+  <p:cSld>
+    <p:spTree>
+      <p:nvGrpSpPr>
+        <p:cNvPr id="1" name=""/>
+        <p:cNvGrpSpPr/>
+        <p:nvPr/>
+      </p:nvGrpSpPr>
+      <p:grpSpPr>
+        <a:xfrm>
+          <a:off x="0" y="0"/>
+          <a:ext cx="0" cy="0"/>
+          <a:chOff x="0" y="0"/>
+          <a:chExt cx="0" cy="0"/>
+        </a:xfrm>
+      </p:grpSpPr>
+      <p:sp>
+        <p:nvSpPr>
+          <p:cNvPr id="2" name="Slide Image Placeholder 1"/>
+          <p:cNvSpPr>
+            <a:spLocks noGrp="1" noRot="1" noChangeAspect="1"/>
+          </p:cNvSpPr>
+          <p:nvPr>
+            <p:ph type="sldImg"/>
+          </p:nvPr>
+        </p:nvSpPr>
+        <p:spPr/>
+      </p:sp>
+      <p:sp>
+        <p:nvSpPr>
+          <p:cNvPr id="3" name="Notes Placeholder 2"/>
+          <p:cNvSpPr>
+            <a:spLocks noGrp="1"/>
+          </p:cNvSpPr>
+          <p:nvPr>
+            <p:ph type="body" idx="1"/>
+          </p:nvPr>
+        </p:nvSpPr>
+        <p:spPr/>
+        <p:txBody>
+          <a:bodyPr/>
+          <a:lstStyle/>
+          <a:p>
+            <a:pPr marL="171450" indent="-171450">
+              <a:buFontTx/>
+              <a:buChar char="-"/>
+            </a:pPr>
+            <a:r>
+              <a:rPr lang="en-US" dirty="0"/>
+              <a:t>This was a very simple exercise, but it opened my eyes up to what parameters and outputs are needed for these companies</a:t>
+            </a:r>
+          </a:p>
+          <a:p>
+            <a:pPr marL="171450" indent="-171450">
+              <a:buFontTx/>
+              <a:buChar char="-"/>
+            </a:pPr>
+            <a:r>
+              <a:rPr lang="en-US" dirty="0"/>
+              <a:t>Gave me a better grasp on how AI is created </a:t>
+            </a:r>
+          </a:p>
+        </p:txBody>
+      </p:sp>
+      <p:sp>
+        <p:nvSpPr>
+          <p:cNvPr id="4" name="Slide Number Placeholder 3"/>
+          <p:cNvSpPr>
+            <a:spLocks noGrp="1"/>
+          </p:cNvSpPr>
+          <p:nvPr>
+            <p:ph type="sldNum" sz="quarter" idx="5"/>
+          </p:nvPr>
+        </p:nvSpPr>
+        <p:spPr/>
+        <p:txBody>
+          <a:bodyPr/>
+          <a:lstStyle/>
+          <a:p>
+            <a:fld id="{071DF060-DCB4-4683-96A4-5426AC26B230}" type="slidenum">
+              <a:rPr lang="en-US" smtClean="0"/>
+              <a:t>11</a:t>
+            </a:fld>
+            <a:endParaRPr lang="en-US"/>
+          </a:p>
+        </p:txBody>
+      </p:sp>
+    </p:spTree>
+    <p:extLst>
+      <p:ext uri="{BB962C8B-B14F-4D97-AF65-F5344CB8AC3E}">
+        <p14:creationId xmlns:p14="http://schemas.microsoft.com/office/powerpoint/2010/main" val="684303295"/>
+      </p:ext>
+    </p:extLst>
+  </p:cSld>
+  <p:clrMapOvr>
+    <a:masterClrMapping/>
+  </p:clrMapOvr>
+</p:notes>
 </file>
 
 <file path=ppt/slideLayouts/slideLayout1.xml><?xml version="1.0" encoding="utf-8"?>
@@ -16056,7 +17356,1599 @@
           <p:cNvPr id="2" name="Title 1">
             <a:extLst>
               <a:ext uri="{FF2B5EF4-FFF2-40B4-BE49-F238E27FC236}">
-                <a16:creationId xmlns:a16="http://schemas.microsoft.com/office/drawing/2014/main" id="{7BEADE84-B136-0946-BCF0-1FF9C155F035}"/>
+                <a16:creationId xmlns:a16="http://schemas.microsoft.com/office/drawing/2014/main" id="{E6E64425-C6C1-6F5F-7B0A-B43E52F1E9E5}"/>
+              </a:ext>
+            </a:extLst>
+          </p:cNvPr>
+          <p:cNvSpPr>
+            <a:spLocks noGrp="1"/>
+          </p:cNvSpPr>
+          <p:nvPr>
+            <p:ph type="title"/>
+          </p:nvPr>
+        </p:nvSpPr>
+        <p:spPr>
+          <a:xfrm>
+            <a:off x="691079" y="725951"/>
+            <a:ext cx="2265727" cy="1442463"/>
+          </a:xfrm>
+        </p:spPr>
+        <p:txBody>
+          <a:bodyPr/>
+          <a:lstStyle/>
+          <a:p>
+            <a:r>
+              <a:rPr lang="en-US" dirty="0"/>
+              <a:t>Training</a:t>
+            </a:r>
+          </a:p>
+        </p:txBody>
+      </p:sp>
+      <p:pic>
+        <p:nvPicPr>
+          <p:cNvPr id="4" name="Graphic 3">
+            <a:extLst>
+              <a:ext uri="{FF2B5EF4-FFF2-40B4-BE49-F238E27FC236}">
+                <a16:creationId xmlns:a16="http://schemas.microsoft.com/office/drawing/2014/main" id="{1A9C7F57-5000-A509-6286-3F56B5551062}"/>
+              </a:ext>
+            </a:extLst>
+          </p:cNvPr>
+          <p:cNvPicPr>
+            <a:picLocks noChangeAspect="1"/>
+          </p:cNvPicPr>
+          <p:nvPr/>
+        </p:nvPicPr>
+        <p:blipFill>
+          <a:blip r:embed="rId3">
+            <a:extLst>
+              <a:ext uri="{28A0092B-C50C-407E-A947-70E740481C1C}">
+                <a14:useLocalDpi xmlns:a14="http://schemas.microsoft.com/office/drawing/2010/main" val="0"/>
+              </a:ext>
+              <a:ext uri="{96DAC541-7B7A-43D3-8B79-37D633B846F1}">
+                <asvg:svgBlip xmlns:asvg="http://schemas.microsoft.com/office/drawing/2016/SVG/main" r:embed="rId4"/>
+              </a:ext>
+            </a:extLst>
+          </a:blip>
+          <a:stretch>
+            <a:fillRect/>
+          </a:stretch>
+        </p:blipFill>
+        <p:spPr>
+          <a:xfrm>
+            <a:off x="3298579" y="2483354"/>
+            <a:ext cx="6667500" cy="3333750"/>
+          </a:xfrm>
+          <a:prstGeom prst="rect">
+            <a:avLst/>
+          </a:prstGeom>
+        </p:spPr>
+      </p:pic>
+      <p:sp>
+        <p:nvSpPr>
+          <p:cNvPr id="6" name="TextBox 5">
+            <a:extLst>
+              <a:ext uri="{FF2B5EF4-FFF2-40B4-BE49-F238E27FC236}">
+                <a16:creationId xmlns:a16="http://schemas.microsoft.com/office/drawing/2014/main" id="{1FA4F0FB-9851-42F9-C062-5452B8DD187C}"/>
+              </a:ext>
+            </a:extLst>
+          </p:cNvPr>
+          <p:cNvSpPr txBox="1"/>
+          <p:nvPr/>
+        </p:nvSpPr>
+        <p:spPr>
+          <a:xfrm>
+            <a:off x="10706379" y="2644744"/>
+            <a:ext cx="309700" cy="2862322"/>
+          </a:xfrm>
+          <a:prstGeom prst="rect">
+            <a:avLst/>
+          </a:prstGeom>
+          <a:noFill/>
+        </p:spPr>
+        <p:txBody>
+          <a:bodyPr wrap="none" rtlCol="0">
+            <a:spAutoFit/>
+          </a:bodyPr>
+          <a:lstStyle/>
+          <a:p>
+            <a:r>
+              <a:rPr lang="en-US" dirty="0"/>
+              <a:t>0</a:t>
+            </a:r>
+          </a:p>
+          <a:p>
+            <a:r>
+              <a:rPr lang="en-US" dirty="0"/>
+              <a:t>1</a:t>
+            </a:r>
+          </a:p>
+          <a:p>
+            <a:r>
+              <a:rPr lang="en-US" dirty="0"/>
+              <a:t>2</a:t>
+            </a:r>
+          </a:p>
+          <a:p>
+            <a:r>
+              <a:rPr lang="en-US" dirty="0"/>
+              <a:t>3</a:t>
+            </a:r>
+          </a:p>
+          <a:p>
+            <a:r>
+              <a:rPr lang="en-US" dirty="0"/>
+              <a:t>4</a:t>
+            </a:r>
+          </a:p>
+          <a:p>
+            <a:r>
+              <a:rPr lang="en-US" dirty="0"/>
+              <a:t>5</a:t>
+            </a:r>
+          </a:p>
+          <a:p>
+            <a:r>
+              <a:rPr lang="en-US" dirty="0"/>
+              <a:t>6</a:t>
+            </a:r>
+          </a:p>
+          <a:p>
+            <a:r>
+              <a:rPr lang="en-US" dirty="0"/>
+              <a:t>7</a:t>
+            </a:r>
+          </a:p>
+          <a:p>
+            <a:r>
+              <a:rPr lang="en-US" dirty="0"/>
+              <a:t>8</a:t>
+            </a:r>
+          </a:p>
+          <a:p>
+            <a:r>
+              <a:rPr lang="en-US" dirty="0"/>
+              <a:t>9</a:t>
+            </a:r>
+          </a:p>
+        </p:txBody>
+      </p:sp>
+      <p:pic>
+        <p:nvPicPr>
+          <p:cNvPr id="8" name="Picture 7" descr="Text&#10;&#10;Description automatically generated with medium confidence">
+            <a:extLst>
+              <a:ext uri="{FF2B5EF4-FFF2-40B4-BE49-F238E27FC236}">
+                <a16:creationId xmlns:a16="http://schemas.microsoft.com/office/drawing/2014/main" id="{C096DB6C-A321-3E60-AFB6-B63B93BBD6DF}"/>
+              </a:ext>
+            </a:extLst>
+          </p:cNvPr>
+          <p:cNvPicPr>
+            <a:picLocks noChangeAspect="1"/>
+          </p:cNvPicPr>
+          <p:nvPr/>
+        </p:nvPicPr>
+        <p:blipFill>
+          <a:blip r:embed="rId5">
+            <a:extLst>
+              <a:ext uri="{28A0092B-C50C-407E-A947-70E740481C1C}">
+                <a14:useLocalDpi xmlns:a14="http://schemas.microsoft.com/office/drawing/2010/main" val="0"/>
+              </a:ext>
+            </a:extLst>
+          </a:blip>
+          <a:stretch>
+            <a:fillRect/>
+          </a:stretch>
+        </p:blipFill>
+        <p:spPr>
+          <a:xfrm>
+            <a:off x="691079" y="2943041"/>
+            <a:ext cx="2265727" cy="2265727"/>
+          </a:xfrm>
+          <a:prstGeom prst="rect">
+            <a:avLst/>
+          </a:prstGeom>
+        </p:spPr>
+      </p:pic>
+      <p:sp>
+        <p:nvSpPr>
+          <p:cNvPr id="9" name="Rectangle 8">
+            <a:extLst>
+              <a:ext uri="{FF2B5EF4-FFF2-40B4-BE49-F238E27FC236}">
+                <a16:creationId xmlns:a16="http://schemas.microsoft.com/office/drawing/2014/main" id="{1DA473EF-40CD-050D-6E1F-0B2AB8F154BA}"/>
+              </a:ext>
+            </a:extLst>
+          </p:cNvPr>
+          <p:cNvSpPr/>
+          <p:nvPr/>
+        </p:nvSpPr>
+        <p:spPr>
+          <a:xfrm>
+            <a:off x="931178" y="3187817"/>
+            <a:ext cx="539794" cy="536896"/>
+          </a:xfrm>
+          <a:prstGeom prst="rect">
+            <a:avLst/>
+          </a:prstGeom>
+          <a:noFill/>
+          <a:ln w="76200">
+            <a:solidFill>
+              <a:srgbClr val="0070C0"/>
+            </a:solidFill>
+          </a:ln>
+        </p:spPr>
+        <p:style>
+          <a:lnRef idx="2">
+            <a:schemeClr val="accent1">
+              <a:shade val="50000"/>
+            </a:schemeClr>
+          </a:lnRef>
+          <a:fillRef idx="1">
+            <a:schemeClr val="accent1"/>
+          </a:fillRef>
+          <a:effectRef idx="0">
+            <a:schemeClr val="accent1"/>
+          </a:effectRef>
+          <a:fontRef idx="minor">
+            <a:schemeClr val="lt1"/>
+          </a:fontRef>
+        </p:style>
+        <p:txBody>
+          <a:bodyPr rtlCol="0" anchor="ctr"/>
+          <a:lstStyle/>
+          <a:p>
+            <a:pPr algn="ctr"/>
+            <a:endParaRPr lang="en-US"/>
+          </a:p>
+        </p:txBody>
+      </p:sp>
+      <p:sp>
+        <p:nvSpPr>
+          <p:cNvPr id="10" name="TextBox 9">
+            <a:extLst>
+              <a:ext uri="{FF2B5EF4-FFF2-40B4-BE49-F238E27FC236}">
+                <a16:creationId xmlns:a16="http://schemas.microsoft.com/office/drawing/2014/main" id="{D81613A3-018B-F6BD-C32A-D7D5F3DB4B55}"/>
+              </a:ext>
+            </a:extLst>
+          </p:cNvPr>
+          <p:cNvSpPr txBox="1"/>
+          <p:nvPr/>
+        </p:nvSpPr>
+        <p:spPr>
+          <a:xfrm>
+            <a:off x="3531765" y="2213525"/>
+            <a:ext cx="809837" cy="369332"/>
+          </a:xfrm>
+          <a:prstGeom prst="rect">
+            <a:avLst/>
+          </a:prstGeom>
+          <a:noFill/>
+        </p:spPr>
+        <p:txBody>
+          <a:bodyPr wrap="none" rtlCol="0">
+            <a:spAutoFit/>
+          </a:bodyPr>
+          <a:lstStyle/>
+          <a:p>
+            <a:r>
+              <a:rPr lang="en-US" dirty="0"/>
+              <a:t>Pixels</a:t>
+            </a:r>
+          </a:p>
+        </p:txBody>
+      </p:sp>
+      <p:sp>
+        <p:nvSpPr>
+          <p:cNvPr id="11" name="TextBox 10">
+            <a:extLst>
+              <a:ext uri="{FF2B5EF4-FFF2-40B4-BE49-F238E27FC236}">
+                <a16:creationId xmlns:a16="http://schemas.microsoft.com/office/drawing/2014/main" id="{DCE0C7C9-2F3B-817D-F5FA-030C56D5C539}"/>
+              </a:ext>
+            </a:extLst>
+          </p:cNvPr>
+          <p:cNvSpPr txBox="1"/>
+          <p:nvPr/>
+        </p:nvSpPr>
+        <p:spPr>
+          <a:xfrm>
+            <a:off x="5759333" y="2213525"/>
+            <a:ext cx="1745991" cy="369332"/>
+          </a:xfrm>
+          <a:prstGeom prst="rect">
+            <a:avLst/>
+          </a:prstGeom>
+          <a:noFill/>
+        </p:spPr>
+        <p:txBody>
+          <a:bodyPr wrap="none" rtlCol="0">
+            <a:spAutoFit/>
+          </a:bodyPr>
+          <a:lstStyle/>
+          <a:p>
+            <a:r>
+              <a:rPr lang="en-US" dirty="0"/>
+              <a:t>“hidden layers”</a:t>
+            </a:r>
+          </a:p>
+        </p:txBody>
+      </p:sp>
+      <p:sp>
+        <p:nvSpPr>
+          <p:cNvPr id="12" name="TextBox 11">
+            <a:extLst>
+              <a:ext uri="{FF2B5EF4-FFF2-40B4-BE49-F238E27FC236}">
+                <a16:creationId xmlns:a16="http://schemas.microsoft.com/office/drawing/2014/main" id="{E176D623-C76D-6C83-A16A-473B185DFFDC}"/>
+              </a:ext>
+            </a:extLst>
+          </p:cNvPr>
+          <p:cNvSpPr txBox="1"/>
+          <p:nvPr/>
+        </p:nvSpPr>
+        <p:spPr>
+          <a:xfrm>
+            <a:off x="8680150" y="2213525"/>
+            <a:ext cx="1285929" cy="369332"/>
+          </a:xfrm>
+          <a:prstGeom prst="rect">
+            <a:avLst/>
+          </a:prstGeom>
+          <a:noFill/>
+        </p:spPr>
+        <p:txBody>
+          <a:bodyPr wrap="none" rtlCol="0">
+            <a:spAutoFit/>
+          </a:bodyPr>
+          <a:lstStyle/>
+          <a:p>
+            <a:r>
+              <a:rPr lang="en-US" dirty="0"/>
+              <a:t>9 numbers</a:t>
+            </a:r>
+          </a:p>
+        </p:txBody>
+      </p:sp>
+      <p:sp>
+        <p:nvSpPr>
+          <p:cNvPr id="13" name="Rectangle 12">
+            <a:extLst>
+              <a:ext uri="{FF2B5EF4-FFF2-40B4-BE49-F238E27FC236}">
+                <a16:creationId xmlns:a16="http://schemas.microsoft.com/office/drawing/2014/main" id="{597E4AA8-76EE-0A4E-24EA-16791A05332A}"/>
+              </a:ext>
+            </a:extLst>
+          </p:cNvPr>
+          <p:cNvSpPr/>
+          <p:nvPr/>
+        </p:nvSpPr>
+        <p:spPr>
+          <a:xfrm>
+            <a:off x="1571225" y="3187817"/>
+            <a:ext cx="539794" cy="536896"/>
+          </a:xfrm>
+          <a:prstGeom prst="rect">
+            <a:avLst/>
+          </a:prstGeom>
+          <a:noFill/>
+          <a:ln w="76200">
+            <a:solidFill>
+              <a:srgbClr val="0070C0"/>
+            </a:solidFill>
+          </a:ln>
+        </p:spPr>
+        <p:style>
+          <a:lnRef idx="2">
+            <a:schemeClr val="accent1">
+              <a:shade val="50000"/>
+            </a:schemeClr>
+          </a:lnRef>
+          <a:fillRef idx="1">
+            <a:schemeClr val="accent1"/>
+          </a:fillRef>
+          <a:effectRef idx="0">
+            <a:schemeClr val="accent1"/>
+          </a:effectRef>
+          <a:fontRef idx="minor">
+            <a:schemeClr val="lt1"/>
+          </a:fontRef>
+        </p:style>
+        <p:txBody>
+          <a:bodyPr rtlCol="0" anchor="ctr"/>
+          <a:lstStyle/>
+          <a:p>
+            <a:pPr algn="ctr"/>
+            <a:endParaRPr lang="en-US"/>
+          </a:p>
+        </p:txBody>
+      </p:sp>
+      <p:sp>
+        <p:nvSpPr>
+          <p:cNvPr id="14" name="Rectangle 13">
+            <a:extLst>
+              <a:ext uri="{FF2B5EF4-FFF2-40B4-BE49-F238E27FC236}">
+                <a16:creationId xmlns:a16="http://schemas.microsoft.com/office/drawing/2014/main" id="{82F6AD16-0C65-0347-3C34-0FAEE8700D83}"/>
+              </a:ext>
+            </a:extLst>
+          </p:cNvPr>
+          <p:cNvSpPr/>
+          <p:nvPr/>
+        </p:nvSpPr>
+        <p:spPr>
+          <a:xfrm>
+            <a:off x="10093711" y="4075905"/>
+            <a:ext cx="922368" cy="277982"/>
+          </a:xfrm>
+          <a:prstGeom prst="rect">
+            <a:avLst/>
+          </a:prstGeom>
+          <a:noFill/>
+          <a:ln w="76200">
+            <a:solidFill>
+              <a:srgbClr val="0070C0"/>
+            </a:solidFill>
+          </a:ln>
+        </p:spPr>
+        <p:style>
+          <a:lnRef idx="2">
+            <a:schemeClr val="accent1">
+              <a:shade val="50000"/>
+            </a:schemeClr>
+          </a:lnRef>
+          <a:fillRef idx="1">
+            <a:schemeClr val="accent1"/>
+          </a:fillRef>
+          <a:effectRef idx="0">
+            <a:schemeClr val="accent1"/>
+          </a:effectRef>
+          <a:fontRef idx="minor">
+            <a:schemeClr val="lt1"/>
+          </a:fontRef>
+        </p:style>
+        <p:txBody>
+          <a:bodyPr rtlCol="0" anchor="ctr"/>
+          <a:lstStyle/>
+          <a:p>
+            <a:pPr algn="ctr"/>
+            <a:endParaRPr lang="en-US"/>
+          </a:p>
+        </p:txBody>
+      </p:sp>
+      <p:sp>
+        <p:nvSpPr>
+          <p:cNvPr id="15" name="TextBox 14">
+            <a:extLst>
+              <a:ext uri="{FF2B5EF4-FFF2-40B4-BE49-F238E27FC236}">
+                <a16:creationId xmlns:a16="http://schemas.microsoft.com/office/drawing/2014/main" id="{D80F707F-391C-00A6-CD8C-40ADF127D880}"/>
+              </a:ext>
+            </a:extLst>
+          </p:cNvPr>
+          <p:cNvSpPr txBox="1"/>
+          <p:nvPr/>
+        </p:nvSpPr>
+        <p:spPr>
+          <a:xfrm>
+            <a:off x="10093711" y="2644743"/>
+            <a:ext cx="612668" cy="2862322"/>
+          </a:xfrm>
+          <a:prstGeom prst="rect">
+            <a:avLst/>
+          </a:prstGeom>
+          <a:noFill/>
+        </p:spPr>
+        <p:txBody>
+          <a:bodyPr wrap="none" rtlCol="0">
+            <a:spAutoFit/>
+          </a:bodyPr>
+          <a:lstStyle/>
+          <a:p>
+            <a:r>
+              <a:rPr lang="en-US" dirty="0"/>
+              <a:t>0.3</a:t>
+            </a:r>
+          </a:p>
+          <a:p>
+            <a:r>
+              <a:rPr lang="en-US" dirty="0"/>
+              <a:t>0.83</a:t>
+            </a:r>
+          </a:p>
+          <a:p>
+            <a:r>
+              <a:rPr lang="en-US" dirty="0"/>
+              <a:t>0.13</a:t>
+            </a:r>
+          </a:p>
+          <a:p>
+            <a:r>
+              <a:rPr lang="en-US" dirty="0"/>
+              <a:t>0.4</a:t>
+            </a:r>
+          </a:p>
+          <a:p>
+            <a:r>
+              <a:rPr lang="en-US" dirty="0"/>
+              <a:t>0.14</a:t>
+            </a:r>
+          </a:p>
+          <a:p>
+            <a:r>
+              <a:rPr lang="en-US" dirty="0"/>
+              <a:t>0.9</a:t>
+            </a:r>
+          </a:p>
+          <a:p>
+            <a:r>
+              <a:rPr lang="en-US" dirty="0"/>
+              <a:t>0.35</a:t>
+            </a:r>
+          </a:p>
+          <a:p>
+            <a:r>
+              <a:rPr lang="en-US" dirty="0"/>
+              <a:t>0.67</a:t>
+            </a:r>
+          </a:p>
+          <a:p>
+            <a:r>
+              <a:rPr lang="en-US" dirty="0"/>
+              <a:t>0.04</a:t>
+            </a:r>
+          </a:p>
+          <a:p>
+            <a:r>
+              <a:rPr lang="en-US" dirty="0"/>
+              <a:t>0.5</a:t>
+            </a:r>
+          </a:p>
+        </p:txBody>
+      </p:sp>
+      <p:sp>
+        <p:nvSpPr>
+          <p:cNvPr id="16" name="TextBox 15">
+            <a:extLst>
+              <a:ext uri="{FF2B5EF4-FFF2-40B4-BE49-F238E27FC236}">
+                <a16:creationId xmlns:a16="http://schemas.microsoft.com/office/drawing/2014/main" id="{98595E52-EB17-EC8B-5CA2-D4CE033E5969}"/>
+              </a:ext>
+            </a:extLst>
+          </p:cNvPr>
+          <p:cNvSpPr txBox="1"/>
+          <p:nvPr/>
+        </p:nvSpPr>
+        <p:spPr>
+          <a:xfrm>
+            <a:off x="11446679" y="2656742"/>
+            <a:ext cx="309700" cy="2862322"/>
+          </a:xfrm>
+          <a:prstGeom prst="rect">
+            <a:avLst/>
+          </a:prstGeom>
+          <a:noFill/>
+        </p:spPr>
+        <p:txBody>
+          <a:bodyPr wrap="none" rtlCol="0">
+            <a:spAutoFit/>
+          </a:bodyPr>
+          <a:lstStyle/>
+          <a:p>
+            <a:r>
+              <a:rPr lang="en-US" dirty="0"/>
+              <a:t>0</a:t>
+            </a:r>
+          </a:p>
+          <a:p>
+            <a:r>
+              <a:rPr lang="en-US" dirty="0"/>
+              <a:t>0</a:t>
+            </a:r>
+          </a:p>
+          <a:p>
+            <a:r>
+              <a:rPr lang="en-US" dirty="0"/>
+              <a:t>0</a:t>
+            </a:r>
+          </a:p>
+          <a:p>
+            <a:r>
+              <a:rPr lang="en-US" dirty="0"/>
+              <a:t>0</a:t>
+            </a:r>
+          </a:p>
+          <a:p>
+            <a:r>
+              <a:rPr lang="en-US" dirty="0"/>
+              <a:t>1</a:t>
+            </a:r>
+          </a:p>
+          <a:p>
+            <a:r>
+              <a:rPr lang="en-US" dirty="0"/>
+              <a:t>0</a:t>
+            </a:r>
+          </a:p>
+          <a:p>
+            <a:r>
+              <a:rPr lang="en-US" dirty="0"/>
+              <a:t>0</a:t>
+            </a:r>
+          </a:p>
+          <a:p>
+            <a:r>
+              <a:rPr lang="en-US" dirty="0"/>
+              <a:t>0</a:t>
+            </a:r>
+          </a:p>
+          <a:p>
+            <a:r>
+              <a:rPr lang="en-US" dirty="0"/>
+              <a:t>0</a:t>
+            </a:r>
+          </a:p>
+          <a:p>
+            <a:r>
+              <a:rPr lang="en-US" dirty="0"/>
+              <a:t>0</a:t>
+            </a:r>
+          </a:p>
+        </p:txBody>
+      </p:sp>
+      <p:sp>
+        <p:nvSpPr>
+          <p:cNvPr id="17" name="TextBox 16">
+            <a:extLst>
+              <a:ext uri="{FF2B5EF4-FFF2-40B4-BE49-F238E27FC236}">
+                <a16:creationId xmlns:a16="http://schemas.microsoft.com/office/drawing/2014/main" id="{219B3DF3-D02B-05C9-3E79-A4C679D7870A}"/>
+              </a:ext>
+            </a:extLst>
+          </p:cNvPr>
+          <p:cNvSpPr txBox="1"/>
+          <p:nvPr/>
+        </p:nvSpPr>
+        <p:spPr>
+          <a:xfrm>
+            <a:off x="11109246" y="2213525"/>
+            <a:ext cx="984565" cy="369332"/>
+          </a:xfrm>
+          <a:prstGeom prst="rect">
+            <a:avLst/>
+          </a:prstGeom>
+          <a:noFill/>
+        </p:spPr>
+        <p:txBody>
+          <a:bodyPr wrap="none" rtlCol="0">
+            <a:spAutoFit/>
+          </a:bodyPr>
+          <a:lstStyle/>
+          <a:p>
+            <a:r>
+              <a:rPr lang="en-US" dirty="0"/>
+              <a:t>Reward</a:t>
+            </a:r>
+          </a:p>
+        </p:txBody>
+      </p:sp>
+      <p:sp>
+        <p:nvSpPr>
+          <p:cNvPr id="20" name="TextBox 19">
+            <a:extLst>
+              <a:ext uri="{FF2B5EF4-FFF2-40B4-BE49-F238E27FC236}">
+                <a16:creationId xmlns:a16="http://schemas.microsoft.com/office/drawing/2014/main" id="{44BF82D1-AAE6-BDB8-8927-48EE44248DE6}"/>
+              </a:ext>
+            </a:extLst>
+          </p:cNvPr>
+          <p:cNvSpPr txBox="1"/>
+          <p:nvPr/>
+        </p:nvSpPr>
+        <p:spPr>
+          <a:xfrm>
+            <a:off x="10098908" y="2644742"/>
+            <a:ext cx="612668" cy="2862322"/>
+          </a:xfrm>
+          <a:prstGeom prst="rect">
+            <a:avLst/>
+          </a:prstGeom>
+          <a:noFill/>
+        </p:spPr>
+        <p:txBody>
+          <a:bodyPr wrap="none" rtlCol="0">
+            <a:spAutoFit/>
+          </a:bodyPr>
+          <a:lstStyle/>
+          <a:p>
+            <a:r>
+              <a:rPr lang="en-US" dirty="0"/>
+              <a:t>0.3</a:t>
+            </a:r>
+          </a:p>
+          <a:p>
+            <a:r>
+              <a:rPr lang="en-US" dirty="0"/>
+              <a:t>0.83</a:t>
+            </a:r>
+          </a:p>
+          <a:p>
+            <a:r>
+              <a:rPr lang="en-US" dirty="0"/>
+              <a:t>0.13</a:t>
+            </a:r>
+          </a:p>
+          <a:p>
+            <a:r>
+              <a:rPr lang="en-US" dirty="0"/>
+              <a:t>0.4</a:t>
+            </a:r>
+          </a:p>
+          <a:p>
+            <a:r>
+              <a:rPr lang="en-US" dirty="0"/>
+              <a:t>0.14</a:t>
+            </a:r>
+          </a:p>
+          <a:p>
+            <a:r>
+              <a:rPr lang="en-US" dirty="0"/>
+              <a:t>0.43</a:t>
+            </a:r>
+          </a:p>
+          <a:p>
+            <a:r>
+              <a:rPr lang="en-US" dirty="0"/>
+              <a:t>0.35</a:t>
+            </a:r>
+          </a:p>
+          <a:p>
+            <a:r>
+              <a:rPr lang="en-US" dirty="0"/>
+              <a:t>0.67</a:t>
+            </a:r>
+          </a:p>
+          <a:p>
+            <a:r>
+              <a:rPr lang="en-US" dirty="0"/>
+              <a:t>0.04</a:t>
+            </a:r>
+          </a:p>
+          <a:p>
+            <a:r>
+              <a:rPr lang="en-US" dirty="0"/>
+              <a:t>0.5</a:t>
+            </a:r>
+          </a:p>
+        </p:txBody>
+      </p:sp>
+      <p:sp>
+        <p:nvSpPr>
+          <p:cNvPr id="21" name="Rectangle 20">
+            <a:extLst>
+              <a:ext uri="{FF2B5EF4-FFF2-40B4-BE49-F238E27FC236}">
+                <a16:creationId xmlns:a16="http://schemas.microsoft.com/office/drawing/2014/main" id="{2A105A09-40C2-6946-E6B7-AD9A2EDE5834}"/>
+              </a:ext>
+            </a:extLst>
+          </p:cNvPr>
+          <p:cNvSpPr/>
+          <p:nvPr/>
+        </p:nvSpPr>
+        <p:spPr>
+          <a:xfrm>
+            <a:off x="10093711" y="2968518"/>
+            <a:ext cx="922368" cy="277982"/>
+          </a:xfrm>
+          <a:prstGeom prst="rect">
+            <a:avLst/>
+          </a:prstGeom>
+          <a:noFill/>
+          <a:ln w="76200">
+            <a:solidFill>
+              <a:srgbClr val="0070C0"/>
+            </a:solidFill>
+          </a:ln>
+        </p:spPr>
+        <p:style>
+          <a:lnRef idx="2">
+            <a:schemeClr val="accent1">
+              <a:shade val="50000"/>
+            </a:schemeClr>
+          </a:lnRef>
+          <a:fillRef idx="1">
+            <a:schemeClr val="accent1"/>
+          </a:fillRef>
+          <a:effectRef idx="0">
+            <a:schemeClr val="accent1"/>
+          </a:effectRef>
+          <a:fontRef idx="minor">
+            <a:schemeClr val="lt1"/>
+          </a:fontRef>
+        </p:style>
+        <p:txBody>
+          <a:bodyPr rtlCol="0" anchor="ctr"/>
+          <a:lstStyle/>
+          <a:p>
+            <a:pPr algn="ctr"/>
+            <a:endParaRPr lang="en-US"/>
+          </a:p>
+        </p:txBody>
+      </p:sp>
+      <p:sp>
+        <p:nvSpPr>
+          <p:cNvPr id="22" name="TextBox 21">
+            <a:extLst>
+              <a:ext uri="{FF2B5EF4-FFF2-40B4-BE49-F238E27FC236}">
+                <a16:creationId xmlns:a16="http://schemas.microsoft.com/office/drawing/2014/main" id="{A52E9C3C-9535-2DE9-3721-1AC6C6F2EC09}"/>
+              </a:ext>
+            </a:extLst>
+          </p:cNvPr>
+          <p:cNvSpPr txBox="1"/>
+          <p:nvPr/>
+        </p:nvSpPr>
+        <p:spPr>
+          <a:xfrm>
+            <a:off x="11446678" y="2654951"/>
+            <a:ext cx="309700" cy="2862322"/>
+          </a:xfrm>
+          <a:prstGeom prst="rect">
+            <a:avLst/>
+          </a:prstGeom>
+          <a:noFill/>
+        </p:spPr>
+        <p:txBody>
+          <a:bodyPr wrap="none" rtlCol="0">
+            <a:spAutoFit/>
+          </a:bodyPr>
+          <a:lstStyle/>
+          <a:p>
+            <a:r>
+              <a:rPr lang="en-US" dirty="0"/>
+              <a:t>0</a:t>
+            </a:r>
+          </a:p>
+          <a:p>
+            <a:r>
+              <a:rPr lang="en-US" dirty="0"/>
+              <a:t>1</a:t>
+            </a:r>
+          </a:p>
+          <a:p>
+            <a:r>
+              <a:rPr lang="en-US" dirty="0"/>
+              <a:t>0</a:t>
+            </a:r>
+          </a:p>
+          <a:p>
+            <a:r>
+              <a:rPr lang="en-US" dirty="0"/>
+              <a:t>0</a:t>
+            </a:r>
+          </a:p>
+          <a:p>
+            <a:r>
+              <a:rPr lang="en-US" dirty="0"/>
+              <a:t>0</a:t>
+            </a:r>
+          </a:p>
+          <a:p>
+            <a:r>
+              <a:rPr lang="en-US" dirty="0"/>
+              <a:t>0</a:t>
+            </a:r>
+          </a:p>
+          <a:p>
+            <a:r>
+              <a:rPr lang="en-US" dirty="0"/>
+              <a:t>0</a:t>
+            </a:r>
+          </a:p>
+          <a:p>
+            <a:r>
+              <a:rPr lang="en-US" dirty="0"/>
+              <a:t>0</a:t>
+            </a:r>
+          </a:p>
+          <a:p>
+            <a:r>
+              <a:rPr lang="en-US" dirty="0"/>
+              <a:t>0</a:t>
+            </a:r>
+          </a:p>
+          <a:p>
+            <a:r>
+              <a:rPr lang="en-US" dirty="0"/>
+              <a:t>0</a:t>
+            </a:r>
+          </a:p>
+        </p:txBody>
+      </p:sp>
+      <p:sp>
+        <p:nvSpPr>
+          <p:cNvPr id="23" name="TextBox 22">
+            <a:extLst>
+              <a:ext uri="{FF2B5EF4-FFF2-40B4-BE49-F238E27FC236}">
+                <a16:creationId xmlns:a16="http://schemas.microsoft.com/office/drawing/2014/main" id="{576D0E7E-1224-2682-5DC3-173A393FB1FF}"/>
+              </a:ext>
+            </a:extLst>
+          </p:cNvPr>
+          <p:cNvSpPr txBox="1"/>
+          <p:nvPr/>
+        </p:nvSpPr>
+        <p:spPr>
+          <a:xfrm>
+            <a:off x="3936683" y="5902267"/>
+            <a:ext cx="4958409" cy="369332"/>
+          </a:xfrm>
+          <a:prstGeom prst="rect">
+            <a:avLst/>
+          </a:prstGeom>
+          <a:noFill/>
+        </p:spPr>
+        <p:txBody>
+          <a:bodyPr wrap="none" rtlCol="0">
+            <a:spAutoFit/>
+          </a:bodyPr>
+          <a:lstStyle/>
+          <a:p>
+            <a:r>
+              <a:rPr lang="en-US" dirty="0"/>
+              <a:t>Back propagation changes weights and biases</a:t>
+            </a:r>
+          </a:p>
+        </p:txBody>
+      </p:sp>
+    </p:spTree>
+    <p:extLst>
+      <p:ext uri="{BB962C8B-B14F-4D97-AF65-F5344CB8AC3E}">
+        <p14:creationId xmlns:p14="http://schemas.microsoft.com/office/powerpoint/2010/main" val="1710549768"/>
+      </p:ext>
+    </p:extLst>
+  </p:cSld>
+  <p:clrMapOvr>
+    <a:masterClrMapping/>
+  </p:clrMapOvr>
+  <p:timing>
+    <p:tnLst>
+      <p:par>
+        <p:cTn id="1" dur="indefinite" restart="never" nodeType="tmRoot">
+          <p:childTnLst>
+            <p:seq concurrent="1" nextAc="seek">
+              <p:cTn id="2" dur="indefinite" nodeType="mainSeq">
+                <p:childTnLst>
+                  <p:par>
+                    <p:cTn id="3" fill="hold">
+                      <p:stCondLst>
+                        <p:cond delay="indefinite"/>
+                      </p:stCondLst>
+                      <p:childTnLst>
+                        <p:par>
+                          <p:cTn id="4" fill="hold">
+                            <p:stCondLst>
+                              <p:cond delay="0"/>
+                            </p:stCondLst>
+                            <p:childTnLst>
+                              <p:par>
+                                <p:cTn id="5" presetID="10" presetClass="entr" presetSubtype="0" fill="hold" grpId="0" nodeType="clickEffect">
+                                  <p:stCondLst>
+                                    <p:cond delay="0"/>
+                                  </p:stCondLst>
+                                  <p:childTnLst>
+                                    <p:set>
+                                      <p:cBhvr>
+                                        <p:cTn id="6" dur="1" fill="hold">
+                                          <p:stCondLst>
+                                            <p:cond delay="0"/>
+                                          </p:stCondLst>
+                                        </p:cTn>
+                                        <p:tgtEl>
+                                          <p:spTgt spid="9"/>
+                                        </p:tgtEl>
+                                        <p:attrNameLst>
+                                          <p:attrName>style.visibility</p:attrName>
+                                        </p:attrNameLst>
+                                      </p:cBhvr>
+                                      <p:to>
+                                        <p:strVal val="visible"/>
+                                      </p:to>
+                                    </p:set>
+                                    <p:animEffect transition="in" filter="fade">
+                                      <p:cBhvr>
+                                        <p:cTn id="7" dur="500"/>
+                                        <p:tgtEl>
+                                          <p:spTgt spid="9"/>
+                                        </p:tgtEl>
+                                      </p:cBhvr>
+                                    </p:animEffect>
+                                  </p:childTnLst>
+                                </p:cTn>
+                              </p:par>
+                            </p:childTnLst>
+                          </p:cTn>
+                        </p:par>
+                      </p:childTnLst>
+                    </p:cTn>
+                  </p:par>
+                  <p:par>
+                    <p:cTn id="8" fill="hold">
+                      <p:stCondLst>
+                        <p:cond delay="indefinite"/>
+                      </p:stCondLst>
+                      <p:childTnLst>
+                        <p:par>
+                          <p:cTn id="9" fill="hold">
+                            <p:stCondLst>
+                              <p:cond delay="0"/>
+                            </p:stCondLst>
+                            <p:childTnLst>
+                              <p:par>
+                                <p:cTn id="10" presetID="10" presetClass="entr" presetSubtype="0" fill="hold" grpId="0" nodeType="clickEffect">
+                                  <p:stCondLst>
+                                    <p:cond delay="0"/>
+                                  </p:stCondLst>
+                                  <p:childTnLst>
+                                    <p:set>
+                                      <p:cBhvr>
+                                        <p:cTn id="11" dur="1" fill="hold">
+                                          <p:stCondLst>
+                                            <p:cond delay="0"/>
+                                          </p:stCondLst>
+                                        </p:cTn>
+                                        <p:tgtEl>
+                                          <p:spTgt spid="15"/>
+                                        </p:tgtEl>
+                                        <p:attrNameLst>
+                                          <p:attrName>style.visibility</p:attrName>
+                                        </p:attrNameLst>
+                                      </p:cBhvr>
+                                      <p:to>
+                                        <p:strVal val="visible"/>
+                                      </p:to>
+                                    </p:set>
+                                    <p:animEffect transition="in" filter="fade">
+                                      <p:cBhvr>
+                                        <p:cTn id="12" dur="500"/>
+                                        <p:tgtEl>
+                                          <p:spTgt spid="15"/>
+                                        </p:tgtEl>
+                                      </p:cBhvr>
+                                    </p:animEffect>
+                                  </p:childTnLst>
+                                </p:cTn>
+                              </p:par>
+                            </p:childTnLst>
+                          </p:cTn>
+                        </p:par>
+                        <p:par>
+                          <p:cTn id="13" fill="hold">
+                            <p:stCondLst>
+                              <p:cond delay="500"/>
+                            </p:stCondLst>
+                            <p:childTnLst>
+                              <p:par>
+                                <p:cTn id="14" presetID="10" presetClass="entr" presetSubtype="0" fill="hold" grpId="0" nodeType="afterEffect">
+                                  <p:stCondLst>
+                                    <p:cond delay="0"/>
+                                  </p:stCondLst>
+                                  <p:childTnLst>
+                                    <p:set>
+                                      <p:cBhvr>
+                                        <p:cTn id="15" dur="1" fill="hold">
+                                          <p:stCondLst>
+                                            <p:cond delay="0"/>
+                                          </p:stCondLst>
+                                        </p:cTn>
+                                        <p:tgtEl>
+                                          <p:spTgt spid="14"/>
+                                        </p:tgtEl>
+                                        <p:attrNameLst>
+                                          <p:attrName>style.visibility</p:attrName>
+                                        </p:attrNameLst>
+                                      </p:cBhvr>
+                                      <p:to>
+                                        <p:strVal val="visible"/>
+                                      </p:to>
+                                    </p:set>
+                                    <p:animEffect transition="in" filter="fade">
+                                      <p:cBhvr>
+                                        <p:cTn id="16" dur="500"/>
+                                        <p:tgtEl>
+                                          <p:spTgt spid="14"/>
+                                        </p:tgtEl>
+                                      </p:cBhvr>
+                                    </p:animEffect>
+                                  </p:childTnLst>
+                                </p:cTn>
+                              </p:par>
+                            </p:childTnLst>
+                          </p:cTn>
+                        </p:par>
+                        <p:par>
+                          <p:cTn id="17" fill="hold">
+                            <p:stCondLst>
+                              <p:cond delay="1000"/>
+                            </p:stCondLst>
+                            <p:childTnLst>
+                              <p:par>
+                                <p:cTn id="18" presetID="10" presetClass="entr" presetSubtype="0" fill="hold" grpId="0" nodeType="afterEffect">
+                                  <p:stCondLst>
+                                    <p:cond delay="0"/>
+                                  </p:stCondLst>
+                                  <p:childTnLst>
+                                    <p:set>
+                                      <p:cBhvr>
+                                        <p:cTn id="19" dur="1" fill="hold">
+                                          <p:stCondLst>
+                                            <p:cond delay="0"/>
+                                          </p:stCondLst>
+                                        </p:cTn>
+                                        <p:tgtEl>
+                                          <p:spTgt spid="16"/>
+                                        </p:tgtEl>
+                                        <p:attrNameLst>
+                                          <p:attrName>style.visibility</p:attrName>
+                                        </p:attrNameLst>
+                                      </p:cBhvr>
+                                      <p:to>
+                                        <p:strVal val="visible"/>
+                                      </p:to>
+                                    </p:set>
+                                    <p:animEffect transition="in" filter="fade">
+                                      <p:cBhvr>
+                                        <p:cTn id="20" dur="500"/>
+                                        <p:tgtEl>
+                                          <p:spTgt spid="16"/>
+                                        </p:tgtEl>
+                                      </p:cBhvr>
+                                    </p:animEffect>
+                                  </p:childTnLst>
+                                </p:cTn>
+                              </p:par>
+                            </p:childTnLst>
+                          </p:cTn>
+                        </p:par>
+                      </p:childTnLst>
+                    </p:cTn>
+                  </p:par>
+                  <p:par>
+                    <p:cTn id="21" fill="hold">
+                      <p:stCondLst>
+                        <p:cond delay="indefinite"/>
+                      </p:stCondLst>
+                      <p:childTnLst>
+                        <p:par>
+                          <p:cTn id="22" fill="hold">
+                            <p:stCondLst>
+                              <p:cond delay="0"/>
+                            </p:stCondLst>
+                            <p:childTnLst>
+                              <p:par>
+                                <p:cTn id="23" presetID="10" presetClass="entr" presetSubtype="0" fill="hold" grpId="0" nodeType="clickEffect">
+                                  <p:stCondLst>
+                                    <p:cond delay="0"/>
+                                  </p:stCondLst>
+                                  <p:childTnLst>
+                                    <p:set>
+                                      <p:cBhvr>
+                                        <p:cTn id="24" dur="1" fill="hold">
+                                          <p:stCondLst>
+                                            <p:cond delay="0"/>
+                                          </p:stCondLst>
+                                        </p:cTn>
+                                        <p:tgtEl>
+                                          <p:spTgt spid="23"/>
+                                        </p:tgtEl>
+                                        <p:attrNameLst>
+                                          <p:attrName>style.visibility</p:attrName>
+                                        </p:attrNameLst>
+                                      </p:cBhvr>
+                                      <p:to>
+                                        <p:strVal val="visible"/>
+                                      </p:to>
+                                    </p:set>
+                                    <p:animEffect transition="in" filter="fade">
+                                      <p:cBhvr>
+                                        <p:cTn id="25" dur="500"/>
+                                        <p:tgtEl>
+                                          <p:spTgt spid="23"/>
+                                        </p:tgtEl>
+                                      </p:cBhvr>
+                                    </p:animEffect>
+                                  </p:childTnLst>
+                                </p:cTn>
+                              </p:par>
+                            </p:childTnLst>
+                          </p:cTn>
+                        </p:par>
+                      </p:childTnLst>
+                    </p:cTn>
+                  </p:par>
+                  <p:par>
+                    <p:cTn id="26" fill="hold">
+                      <p:stCondLst>
+                        <p:cond delay="indefinite"/>
+                      </p:stCondLst>
+                      <p:childTnLst>
+                        <p:par>
+                          <p:cTn id="27" fill="hold">
+                            <p:stCondLst>
+                              <p:cond delay="0"/>
+                            </p:stCondLst>
+                            <p:childTnLst>
+                              <p:par>
+                                <p:cTn id="28" presetID="10" presetClass="exit" presetSubtype="0" fill="hold" grpId="1" nodeType="clickEffect">
+                                  <p:stCondLst>
+                                    <p:cond delay="0"/>
+                                  </p:stCondLst>
+                                  <p:childTnLst>
+                                    <p:animEffect transition="out" filter="fade">
+                                      <p:cBhvr>
+                                        <p:cTn id="29" dur="500"/>
+                                        <p:tgtEl>
+                                          <p:spTgt spid="14"/>
+                                        </p:tgtEl>
+                                      </p:cBhvr>
+                                    </p:animEffect>
+                                    <p:set>
+                                      <p:cBhvr>
+                                        <p:cTn id="30" dur="1" fill="hold">
+                                          <p:stCondLst>
+                                            <p:cond delay="499"/>
+                                          </p:stCondLst>
+                                        </p:cTn>
+                                        <p:tgtEl>
+                                          <p:spTgt spid="14"/>
+                                        </p:tgtEl>
+                                        <p:attrNameLst>
+                                          <p:attrName>style.visibility</p:attrName>
+                                        </p:attrNameLst>
+                                      </p:cBhvr>
+                                      <p:to>
+                                        <p:strVal val="hidden"/>
+                                      </p:to>
+                                    </p:set>
+                                  </p:childTnLst>
+                                </p:cTn>
+                              </p:par>
+                              <p:par>
+                                <p:cTn id="31" presetID="10" presetClass="exit" presetSubtype="0" fill="hold" grpId="1" nodeType="withEffect">
+                                  <p:stCondLst>
+                                    <p:cond delay="0"/>
+                                  </p:stCondLst>
+                                  <p:childTnLst>
+                                    <p:animEffect transition="out" filter="fade">
+                                      <p:cBhvr>
+                                        <p:cTn id="32" dur="500"/>
+                                        <p:tgtEl>
+                                          <p:spTgt spid="15"/>
+                                        </p:tgtEl>
+                                      </p:cBhvr>
+                                    </p:animEffect>
+                                    <p:set>
+                                      <p:cBhvr>
+                                        <p:cTn id="33" dur="1" fill="hold">
+                                          <p:stCondLst>
+                                            <p:cond delay="499"/>
+                                          </p:stCondLst>
+                                        </p:cTn>
+                                        <p:tgtEl>
+                                          <p:spTgt spid="15"/>
+                                        </p:tgtEl>
+                                        <p:attrNameLst>
+                                          <p:attrName>style.visibility</p:attrName>
+                                        </p:attrNameLst>
+                                      </p:cBhvr>
+                                      <p:to>
+                                        <p:strVal val="hidden"/>
+                                      </p:to>
+                                    </p:set>
+                                  </p:childTnLst>
+                                </p:cTn>
+                              </p:par>
+                              <p:par>
+                                <p:cTn id="34" presetID="10" presetClass="exit" presetSubtype="0" fill="hold" grpId="1" nodeType="withEffect">
+                                  <p:stCondLst>
+                                    <p:cond delay="0"/>
+                                  </p:stCondLst>
+                                  <p:childTnLst>
+                                    <p:animEffect transition="out" filter="fade">
+                                      <p:cBhvr>
+                                        <p:cTn id="35" dur="500"/>
+                                        <p:tgtEl>
+                                          <p:spTgt spid="16"/>
+                                        </p:tgtEl>
+                                      </p:cBhvr>
+                                    </p:animEffect>
+                                    <p:set>
+                                      <p:cBhvr>
+                                        <p:cTn id="36" dur="1" fill="hold">
+                                          <p:stCondLst>
+                                            <p:cond delay="499"/>
+                                          </p:stCondLst>
+                                        </p:cTn>
+                                        <p:tgtEl>
+                                          <p:spTgt spid="16"/>
+                                        </p:tgtEl>
+                                        <p:attrNameLst>
+                                          <p:attrName>style.visibility</p:attrName>
+                                        </p:attrNameLst>
+                                      </p:cBhvr>
+                                      <p:to>
+                                        <p:strVal val="hidden"/>
+                                      </p:to>
+                                    </p:set>
+                                  </p:childTnLst>
+                                </p:cTn>
+                              </p:par>
+                              <p:par>
+                                <p:cTn id="37" presetID="10" presetClass="exit" presetSubtype="0" fill="hold" grpId="1" nodeType="withEffect">
+                                  <p:stCondLst>
+                                    <p:cond delay="0"/>
+                                  </p:stCondLst>
+                                  <p:childTnLst>
+                                    <p:animEffect transition="out" filter="fade">
+                                      <p:cBhvr>
+                                        <p:cTn id="38" dur="500"/>
+                                        <p:tgtEl>
+                                          <p:spTgt spid="9"/>
+                                        </p:tgtEl>
+                                      </p:cBhvr>
+                                    </p:animEffect>
+                                    <p:set>
+                                      <p:cBhvr>
+                                        <p:cTn id="39" dur="1" fill="hold">
+                                          <p:stCondLst>
+                                            <p:cond delay="499"/>
+                                          </p:stCondLst>
+                                        </p:cTn>
+                                        <p:tgtEl>
+                                          <p:spTgt spid="9"/>
+                                        </p:tgtEl>
+                                        <p:attrNameLst>
+                                          <p:attrName>style.visibility</p:attrName>
+                                        </p:attrNameLst>
+                                      </p:cBhvr>
+                                      <p:to>
+                                        <p:strVal val="hidden"/>
+                                      </p:to>
+                                    </p:set>
+                                  </p:childTnLst>
+                                </p:cTn>
+                              </p:par>
+                              <p:par>
+                                <p:cTn id="40" presetID="10" presetClass="entr" presetSubtype="0" fill="hold" grpId="0" nodeType="withEffect">
+                                  <p:stCondLst>
+                                    <p:cond delay="0"/>
+                                  </p:stCondLst>
+                                  <p:childTnLst>
+                                    <p:set>
+                                      <p:cBhvr>
+                                        <p:cTn id="41" dur="1" fill="hold">
+                                          <p:stCondLst>
+                                            <p:cond delay="0"/>
+                                          </p:stCondLst>
+                                        </p:cTn>
+                                        <p:tgtEl>
+                                          <p:spTgt spid="13"/>
+                                        </p:tgtEl>
+                                        <p:attrNameLst>
+                                          <p:attrName>style.visibility</p:attrName>
+                                        </p:attrNameLst>
+                                      </p:cBhvr>
+                                      <p:to>
+                                        <p:strVal val="visible"/>
+                                      </p:to>
+                                    </p:set>
+                                    <p:animEffect transition="in" filter="fade">
+                                      <p:cBhvr>
+                                        <p:cTn id="42" dur="500"/>
+                                        <p:tgtEl>
+                                          <p:spTgt spid="13"/>
+                                        </p:tgtEl>
+                                      </p:cBhvr>
+                                    </p:animEffect>
+                                  </p:childTnLst>
+                                </p:cTn>
+                              </p:par>
+                            </p:childTnLst>
+                          </p:cTn>
+                        </p:par>
+                      </p:childTnLst>
+                    </p:cTn>
+                  </p:par>
+                  <p:par>
+                    <p:cTn id="43" fill="hold">
+                      <p:stCondLst>
+                        <p:cond delay="indefinite"/>
+                      </p:stCondLst>
+                      <p:childTnLst>
+                        <p:par>
+                          <p:cTn id="44" fill="hold">
+                            <p:stCondLst>
+                              <p:cond delay="0"/>
+                            </p:stCondLst>
+                            <p:childTnLst>
+                              <p:par>
+                                <p:cTn id="45" presetID="10" presetClass="entr" presetSubtype="0" fill="hold" grpId="0" nodeType="clickEffect">
+                                  <p:stCondLst>
+                                    <p:cond delay="0"/>
+                                  </p:stCondLst>
+                                  <p:childTnLst>
+                                    <p:set>
+                                      <p:cBhvr>
+                                        <p:cTn id="46" dur="1" fill="hold">
+                                          <p:stCondLst>
+                                            <p:cond delay="0"/>
+                                          </p:stCondLst>
+                                        </p:cTn>
+                                        <p:tgtEl>
+                                          <p:spTgt spid="20"/>
+                                        </p:tgtEl>
+                                        <p:attrNameLst>
+                                          <p:attrName>style.visibility</p:attrName>
+                                        </p:attrNameLst>
+                                      </p:cBhvr>
+                                      <p:to>
+                                        <p:strVal val="visible"/>
+                                      </p:to>
+                                    </p:set>
+                                    <p:animEffect transition="in" filter="fade">
+                                      <p:cBhvr>
+                                        <p:cTn id="47" dur="500"/>
+                                        <p:tgtEl>
+                                          <p:spTgt spid="20"/>
+                                        </p:tgtEl>
+                                      </p:cBhvr>
+                                    </p:animEffect>
+                                  </p:childTnLst>
+                                </p:cTn>
+                              </p:par>
+                            </p:childTnLst>
+                          </p:cTn>
+                        </p:par>
+                        <p:par>
+                          <p:cTn id="48" fill="hold">
+                            <p:stCondLst>
+                              <p:cond delay="500"/>
+                            </p:stCondLst>
+                            <p:childTnLst>
+                              <p:par>
+                                <p:cTn id="49" presetID="10" presetClass="entr" presetSubtype="0" fill="hold" grpId="0" nodeType="afterEffect">
+                                  <p:stCondLst>
+                                    <p:cond delay="0"/>
+                                  </p:stCondLst>
+                                  <p:childTnLst>
+                                    <p:set>
+                                      <p:cBhvr>
+                                        <p:cTn id="50" dur="1" fill="hold">
+                                          <p:stCondLst>
+                                            <p:cond delay="0"/>
+                                          </p:stCondLst>
+                                        </p:cTn>
+                                        <p:tgtEl>
+                                          <p:spTgt spid="21"/>
+                                        </p:tgtEl>
+                                        <p:attrNameLst>
+                                          <p:attrName>style.visibility</p:attrName>
+                                        </p:attrNameLst>
+                                      </p:cBhvr>
+                                      <p:to>
+                                        <p:strVal val="visible"/>
+                                      </p:to>
+                                    </p:set>
+                                    <p:animEffect transition="in" filter="fade">
+                                      <p:cBhvr>
+                                        <p:cTn id="51" dur="500"/>
+                                        <p:tgtEl>
+                                          <p:spTgt spid="21"/>
+                                        </p:tgtEl>
+                                      </p:cBhvr>
+                                    </p:animEffect>
+                                  </p:childTnLst>
+                                </p:cTn>
+                              </p:par>
+                            </p:childTnLst>
+                          </p:cTn>
+                        </p:par>
+                        <p:par>
+                          <p:cTn id="52" fill="hold">
+                            <p:stCondLst>
+                              <p:cond delay="1000"/>
+                            </p:stCondLst>
+                            <p:childTnLst>
+                              <p:par>
+                                <p:cTn id="53" presetID="10" presetClass="entr" presetSubtype="0" fill="hold" grpId="0" nodeType="afterEffect">
+                                  <p:stCondLst>
+                                    <p:cond delay="0"/>
+                                  </p:stCondLst>
+                                  <p:childTnLst>
+                                    <p:set>
+                                      <p:cBhvr>
+                                        <p:cTn id="54" dur="1" fill="hold">
+                                          <p:stCondLst>
+                                            <p:cond delay="0"/>
+                                          </p:stCondLst>
+                                        </p:cTn>
+                                        <p:tgtEl>
+                                          <p:spTgt spid="22"/>
+                                        </p:tgtEl>
+                                        <p:attrNameLst>
+                                          <p:attrName>style.visibility</p:attrName>
+                                        </p:attrNameLst>
+                                      </p:cBhvr>
+                                      <p:to>
+                                        <p:strVal val="visible"/>
+                                      </p:to>
+                                    </p:set>
+                                    <p:animEffect transition="in" filter="fade">
+                                      <p:cBhvr>
+                                        <p:cTn id="55" dur="500"/>
+                                        <p:tgtEl>
+                                          <p:spTgt spid="22"/>
+                                        </p:tgtEl>
+                                      </p:cBhvr>
+                                    </p:animEffect>
+                                  </p:childTnLst>
+                                </p:cTn>
+                              </p:par>
+                            </p:childTnLst>
+                          </p:cTn>
+                        </p:par>
+                      </p:childTnLst>
+                    </p:cTn>
+                  </p:par>
+                </p:childTnLst>
+              </p:cTn>
+              <p:prevCondLst>
+                <p:cond evt="onPrev" delay="0">
+                  <p:tgtEl>
+                    <p:sldTgt/>
+                  </p:tgtEl>
+                </p:cond>
+              </p:prevCondLst>
+              <p:nextCondLst>
+                <p:cond evt="onNext" delay="0">
+                  <p:tgtEl>
+                    <p:sldTgt/>
+                  </p:tgtEl>
+                </p:cond>
+              </p:nextCondLst>
+            </p:seq>
+          </p:childTnLst>
+        </p:cTn>
+      </p:par>
+    </p:tnLst>
+    <p:bldLst>
+      <p:bldP spid="9" grpId="0" animBg="1"/>
+      <p:bldP spid="9" grpId="1" animBg="1"/>
+      <p:bldP spid="13" grpId="0" animBg="1"/>
+      <p:bldP spid="14" grpId="0" animBg="1"/>
+      <p:bldP spid="14" grpId="1" animBg="1"/>
+      <p:bldP spid="15" grpId="0"/>
+      <p:bldP spid="15" grpId="1"/>
+      <p:bldP spid="16" grpId="0"/>
+      <p:bldP spid="16" grpId="1"/>
+      <p:bldP spid="20" grpId="0"/>
+      <p:bldP spid="21" grpId="0" animBg="1"/>
+      <p:bldP spid="22" grpId="0"/>
+      <p:bldP spid="23" grpId="0"/>
+    </p:bldLst>
+  </p:timing>
+</p:sld>
+</file>
+
+<file path=ppt/slides/slide11.xml><?xml version="1.0" encoding="utf-8"?>
+<p:sld xmlns:a="http://schemas.openxmlformats.org/drawingml/2006/main" xmlns:r="http://schemas.openxmlformats.org/officeDocument/2006/relationships" xmlns:p="http://schemas.openxmlformats.org/presentationml/2006/main">
+  <p:cSld>
+    <p:spTree>
+      <p:nvGrpSpPr>
+        <p:cNvPr id="1" name=""/>
+        <p:cNvGrpSpPr/>
+        <p:nvPr/>
+      </p:nvGrpSpPr>
+      <p:grpSpPr>
+        <a:xfrm>
+          <a:off x="0" y="0"/>
+          <a:ext cx="0" cy="0"/>
+          <a:chOff x="0" y="0"/>
+          <a:chExt cx="0" cy="0"/>
+        </a:xfrm>
+      </p:grpSpPr>
+      <p:sp>
+        <p:nvSpPr>
+          <p:cNvPr id="2" name="Title 1">
+            <a:extLst>
+              <a:ext uri="{FF2B5EF4-FFF2-40B4-BE49-F238E27FC236}">
+                <a16:creationId xmlns:a16="http://schemas.microsoft.com/office/drawing/2014/main" id="{FCD9D52D-557C-4680-7A6F-5DEE76BE8F1D}"/>
               </a:ext>
             </a:extLst>
           </p:cNvPr>
@@ -16074,85 +18966,158 @@
           <a:p>
             <a:r>
               <a:rPr lang="en-US" dirty="0"/>
-              <a:t>Hello World of AI</a:t>
+              <a:t>Bigger and Better</a:t>
             </a:r>
           </a:p>
         </p:txBody>
       </p:sp>
-      <p:sp>
-        <p:nvSpPr>
-          <p:cNvPr id="3" name="Content Placeholder 2">
+      <p:pic>
+        <p:nvPicPr>
+          <p:cNvPr id="5" name="Picture 4" descr="A picture containing logo&#10;&#10;Description automatically generated">
             <a:extLst>
               <a:ext uri="{FF2B5EF4-FFF2-40B4-BE49-F238E27FC236}">
-                <a16:creationId xmlns:a16="http://schemas.microsoft.com/office/drawing/2014/main" id="{B8FB3FCC-76D4-FF29-1483-742E0D222D4D}"/>
+                <a16:creationId xmlns:a16="http://schemas.microsoft.com/office/drawing/2014/main" id="{A3C3BEA9-DFF1-2B45-0EE0-A483AB338FD8}"/>
               </a:ext>
             </a:extLst>
           </p:cNvPr>
-          <p:cNvSpPr>
-            <a:spLocks noGrp="1"/>
-          </p:cNvSpPr>
-          <p:nvPr>
-            <p:ph idx="1"/>
-          </p:nvPr>
+          <p:cNvPicPr>
+            <a:picLocks noChangeAspect="1"/>
+          </p:cNvPicPr>
+          <p:nvPr/>
+        </p:nvPicPr>
+        <p:blipFill>
+          <a:blip r:embed="rId3">
+            <a:extLst>
+              <a:ext uri="{28A0092B-C50C-407E-A947-70E740481C1C}">
+                <a14:useLocalDpi xmlns:a14="http://schemas.microsoft.com/office/drawing/2010/main" val="0"/>
+              </a:ext>
+            </a:extLst>
+          </a:blip>
+          <a:stretch>
+            <a:fillRect/>
+          </a:stretch>
+        </p:blipFill>
+        <p:spPr>
+          <a:xfrm>
+            <a:off x="857840" y="3429000"/>
+            <a:ext cx="3247326" cy="1689812"/>
+          </a:xfrm>
+          <a:prstGeom prst="rect">
+            <a:avLst/>
+          </a:prstGeom>
+        </p:spPr>
+      </p:pic>
+      <p:pic>
+        <p:nvPicPr>
+          <p:cNvPr id="7" name="Picture 6" descr="A picture containing text, clock&#10;&#10;Description automatically generated">
+            <a:extLst>
+              <a:ext uri="{FF2B5EF4-FFF2-40B4-BE49-F238E27FC236}">
+                <a16:creationId xmlns:a16="http://schemas.microsoft.com/office/drawing/2014/main" id="{DEC44FD3-AE2F-7091-B6BB-508D7612CCAF}"/>
+              </a:ext>
+            </a:extLst>
+          </p:cNvPr>
+          <p:cNvPicPr>
+            <a:picLocks noChangeAspect="1"/>
+          </p:cNvPicPr>
+          <p:nvPr/>
+        </p:nvPicPr>
+        <p:blipFill>
+          <a:blip r:embed="rId4">
+            <a:extLst>
+              <a:ext uri="{28A0092B-C50C-407E-A947-70E740481C1C}">
+                <a14:useLocalDpi xmlns:a14="http://schemas.microsoft.com/office/drawing/2010/main" val="0"/>
+              </a:ext>
+            </a:extLst>
+          </a:blip>
+          <a:stretch>
+            <a:fillRect/>
+          </a:stretch>
+        </p:blipFill>
+        <p:spPr>
+          <a:xfrm>
+            <a:off x="4417767" y="3043365"/>
+            <a:ext cx="3120536" cy="2322708"/>
+          </a:xfrm>
+          <a:prstGeom prst="rect">
+            <a:avLst/>
+          </a:prstGeom>
+        </p:spPr>
+      </p:pic>
+      <p:sp>
+        <p:nvSpPr>
+          <p:cNvPr id="8" name="TextBox 7">
+            <a:extLst>
+              <a:ext uri="{FF2B5EF4-FFF2-40B4-BE49-F238E27FC236}">
+                <a16:creationId xmlns:a16="http://schemas.microsoft.com/office/drawing/2014/main" id="{E4559D6E-79A9-E2A5-317D-3321524B17A3}"/>
+              </a:ext>
+            </a:extLst>
+          </p:cNvPr>
+          <p:cNvSpPr txBox="1"/>
+          <p:nvPr/>
         </p:nvSpPr>
-        <p:spPr/>
+        <p:spPr>
+          <a:xfrm>
+            <a:off x="857840" y="3043365"/>
+            <a:ext cx="1148776" cy="369332"/>
+          </a:xfrm>
+          <a:prstGeom prst="rect">
+            <a:avLst/>
+          </a:prstGeom>
+          <a:noFill/>
+        </p:spPr>
         <p:txBody>
-          <a:bodyPr>
-            <a:normAutofit/>
+          <a:bodyPr wrap="none" rtlCol="0">
+            <a:spAutoFit/>
           </a:bodyPr>
           <a:lstStyle/>
           <a:p>
             <a:r>
               <a:rPr lang="en-US" dirty="0"/>
-              <a:t>Introduce the problem – MNIST</a:t>
+              <a:t>Chat GPT</a:t>
             </a:r>
-          </a:p>
-          <a:p>
-            <a:r>
-              <a:rPr lang="en-US" dirty="0"/>
-              <a:t>Neural Network – “buzz word”</a:t>
-            </a:r>
-          </a:p>
-          <a:p>
-            <a:pPr lvl="1"/>
-            <a:r>
-              <a:rPr lang="en-US" dirty="0"/>
-              <a:t>What happens in the middle?</a:t>
-            </a:r>
-          </a:p>
-          <a:p>
-            <a:r>
-              <a:rPr lang="en-US" dirty="0"/>
-              <a:t>Inputs/Outputs</a:t>
-            </a:r>
-          </a:p>
-          <a:p>
-            <a:r>
-              <a:rPr lang="en-US" dirty="0"/>
-              <a:t>Training/rewards</a:t>
-            </a:r>
-          </a:p>
-          <a:p>
-            <a:r>
-              <a:rPr lang="en-US" dirty="0"/>
-              <a:t>Neuron</a:t>
-            </a:r>
-          </a:p>
-          <a:p>
-            <a:r>
-              <a:rPr lang="en-US" dirty="0"/>
-              <a:t>Weights and Biases -&gt; linear algebra and calculus</a:t>
-            </a:r>
-          </a:p>
-          <a:p>
-            <a:endParaRPr lang="en-US" dirty="0"/>
           </a:p>
         </p:txBody>
       </p:sp>
+      <p:pic>
+        <p:nvPicPr>
+          <p:cNvPr id="11" name="Picture 10" descr="Logo&#10;&#10;Description automatically generated">
+            <a:extLst>
+              <a:ext uri="{FF2B5EF4-FFF2-40B4-BE49-F238E27FC236}">
+                <a16:creationId xmlns:a16="http://schemas.microsoft.com/office/drawing/2014/main" id="{8005E0D0-5EFD-A4A5-DEC6-F04EAB56DF88}"/>
+              </a:ext>
+            </a:extLst>
+          </p:cNvPr>
+          <p:cNvPicPr>
+            <a:picLocks noChangeAspect="1"/>
+          </p:cNvPicPr>
+          <p:nvPr/>
+        </p:nvPicPr>
+        <p:blipFill>
+          <a:blip r:embed="rId5">
+            <a:extLst>
+              <a:ext uri="{28A0092B-C50C-407E-A947-70E740481C1C}">
+                <a14:useLocalDpi xmlns:a14="http://schemas.microsoft.com/office/drawing/2010/main" val="0"/>
+              </a:ext>
+            </a:extLst>
+          </a:blip>
+          <a:stretch>
+            <a:fillRect/>
+          </a:stretch>
+        </p:blipFill>
+        <p:spPr>
+          <a:xfrm>
+            <a:off x="7850904" y="3412697"/>
+            <a:ext cx="4269689" cy="1442463"/>
+          </a:xfrm>
+          <a:prstGeom prst="rect">
+            <a:avLst/>
+          </a:prstGeom>
+        </p:spPr>
+      </p:pic>
     </p:spTree>
     <p:extLst>
       <p:ext uri="{BB962C8B-B14F-4D97-AF65-F5344CB8AC3E}">
-        <p14:creationId xmlns:p14="http://schemas.microsoft.com/office/powerpoint/2010/main" val="2675459233"/>
+        <p14:creationId xmlns:p14="http://schemas.microsoft.com/office/powerpoint/2010/main" val="886647422"/>
       </p:ext>
     </p:extLst>
   </p:cSld>
@@ -16162,7 +19127,7 @@
 </p:sld>
 </file>
 
-<file path=ppt/slides/slide11.xml><?xml version="1.0" encoding="utf-8"?>
+<file path=ppt/slides/slide12.xml><?xml version="1.0" encoding="utf-8"?>
 <p:sld xmlns:a="http://schemas.openxmlformats.org/drawingml/2006/main" xmlns:r="http://schemas.openxmlformats.org/officeDocument/2006/relationships" xmlns:p="http://schemas.openxmlformats.org/presentationml/2006/main">
   <p:cSld>
     <p:spTree>
@@ -16292,7 +19257,7 @@
 </p:sld>
 </file>
 
-<file path=ppt/slides/slide12.xml><?xml version="1.0" encoding="utf-8"?>
+<file path=ppt/slides/slide13.xml><?xml version="1.0" encoding="utf-8"?>
 <p:sld xmlns:a="http://schemas.openxmlformats.org/drawingml/2006/main" xmlns:r="http://schemas.openxmlformats.org/officeDocument/2006/relationships" xmlns:p="http://schemas.openxmlformats.org/presentationml/2006/main">
   <p:cSld>
     <p:spTree>
@@ -16375,7 +19340,7 @@
 </p:sld>
 </file>
 
-<file path=ppt/slides/slide13.xml><?xml version="1.0" encoding="utf-8"?>
+<file path=ppt/slides/slide14.xml><?xml version="1.0" encoding="utf-8"?>
 <p:sld xmlns:a="http://schemas.openxmlformats.org/drawingml/2006/main" xmlns:r="http://schemas.openxmlformats.org/officeDocument/2006/relationships" xmlns:p="http://schemas.openxmlformats.org/presentationml/2006/main">
   <p:cSld>
     <p:bg>
@@ -20206,7 +23171,7 @@
 </p:sld>
 </file>
 
-<file path=ppt/slides/slide14.xml><?xml version="1.0" encoding="utf-8"?>
+<file path=ppt/slides/slide15.xml><?xml version="1.0" encoding="utf-8"?>
 <p:sld xmlns:a="http://schemas.openxmlformats.org/drawingml/2006/main" xmlns:r="http://schemas.openxmlformats.org/officeDocument/2006/relationships" xmlns:p="http://schemas.openxmlformats.org/presentationml/2006/main">
   <p:cSld>
     <p:spTree>
@@ -20404,7 +23369,7 @@
 </p:sld>
 </file>
 
-<file path=ppt/slides/slide15.xml><?xml version="1.0" encoding="utf-8"?>
+<file path=ppt/slides/slide16.xml><?xml version="1.0" encoding="utf-8"?>
 <p:sld xmlns:a="http://schemas.openxmlformats.org/drawingml/2006/main" xmlns:r="http://schemas.openxmlformats.org/officeDocument/2006/relationships" xmlns:p="http://schemas.openxmlformats.org/presentationml/2006/main">
   <p:cSld>
     <p:bg>
@@ -24170,7 +27135,7 @@
 </p:sld>
 </file>
 
-<file path=ppt/slides/slide16.xml><?xml version="1.0" encoding="utf-8"?>
+<file path=ppt/slides/slide17.xml><?xml version="1.0" encoding="utf-8"?>
 <p:sld xmlns:a="http://schemas.openxmlformats.org/drawingml/2006/main" xmlns:r="http://schemas.openxmlformats.org/officeDocument/2006/relationships" xmlns:p="http://schemas.openxmlformats.org/presentationml/2006/main">
   <p:cSld>
     <p:spTree>
@@ -24233,7 +27198,9 @@
         </p:nvSpPr>
         <p:spPr/>
         <p:txBody>
-          <a:bodyPr/>
+          <a:bodyPr>
+            <a:normAutofit fontScale="92500" lnSpcReduction="10000"/>
+          </a:bodyPr>
           <a:lstStyle/>
           <a:p>
             <a:r>
@@ -24314,6 +27281,54 @@
               </a:rPr>
               <a:t>https://www.jeremyjordan.me/intro-to-neural-networks/</a:t>
             </a:r>
+            <a:endParaRPr lang="en-US" sz="1000" dirty="0"/>
+          </a:p>
+          <a:p>
+            <a:r>
+              <a:rPr lang="en-US" sz="1000" dirty="0">
+                <a:hlinkClick r:id="rId11"/>
+              </a:rPr>
+              <a:t>https://www.tensorflow.org/datasets/catalog/mnist</a:t>
+            </a:r>
+            <a:endParaRPr lang="en-US" sz="1000" dirty="0"/>
+          </a:p>
+          <a:p>
+            <a:r>
+              <a:rPr lang="en-US" sz="1000" dirty="0">
+                <a:hlinkClick r:id="rId12"/>
+              </a:rPr>
+              <a:t>https://www.creativebloq.com/news/tesla-logo-IUD</a:t>
+            </a:r>
+            <a:endParaRPr lang="en-US" sz="1000" dirty="0"/>
+          </a:p>
+          <a:p>
+            <a:r>
+              <a:rPr lang="en-US" sz="1000" dirty="0">
+                <a:hlinkClick r:id="rId13"/>
+              </a:rPr>
+              <a:t>https://justcreative.com/chatgpt-prompt-framework/</a:t>
+            </a:r>
+            <a:endParaRPr lang="en-US" sz="1000" dirty="0"/>
+          </a:p>
+          <a:p>
+            <a:r>
+              <a:rPr lang="en-US" sz="1000" dirty="0">
+                <a:hlinkClick r:id="rId14"/>
+              </a:rPr>
+              <a:t>https://craiyon.teemill.com/</a:t>
+            </a:r>
+            <a:endParaRPr lang="en-US" sz="1000" dirty="0"/>
+          </a:p>
+          <a:p>
+            <a:endParaRPr lang="en-US" sz="1000" dirty="0"/>
+          </a:p>
+          <a:p>
+            <a:endParaRPr lang="en-US" sz="1000" dirty="0"/>
+          </a:p>
+          <a:p>
+            <a:endParaRPr lang="en-US" sz="1000" dirty="0"/>
+          </a:p>
+          <a:p>
             <a:endParaRPr lang="en-US" sz="1000" dirty="0"/>
           </a:p>
           <a:p>
@@ -30508,7 +33523,7 @@
           </p:nvPr>
         </p:nvPicPr>
         <p:blipFill rotWithShape="1">
-          <a:blip r:embed="rId2">
+          <a:blip r:embed="rId3">
             <a:alphaModFix amt="80000"/>
             <a:extLst>
               <a:ext uri="{28A0092B-C50C-407E-A947-70E740481C1C}">
@@ -30698,7 +33713,7 @@
           <p:nvPr/>
         </p:nvPicPr>
         <p:blipFill>
-          <a:blip r:embed="rId2">
+          <a:blip r:embed="rId3">
             <a:extLst>
               <a:ext uri="{28A0092B-C50C-407E-A947-70E740481C1C}">
                 <a14:useLocalDpi xmlns:a14="http://schemas.microsoft.com/office/drawing/2010/main" val="0"/>
@@ -30803,13 +33818,13 @@
           <p:nvPr/>
         </p:nvPicPr>
         <p:blipFill>
-          <a:blip r:embed="rId2">
+          <a:blip r:embed="rId3">
             <a:extLst>
               <a:ext uri="{28A0092B-C50C-407E-A947-70E740481C1C}">
                 <a14:useLocalDpi xmlns:a14="http://schemas.microsoft.com/office/drawing/2010/main" val="0"/>
               </a:ext>
               <a:ext uri="{96DAC541-7B7A-43D3-8B79-37D633B846F1}">
-                <asvg:svgBlip xmlns:asvg="http://schemas.microsoft.com/office/drawing/2016/SVG/main" r:embed="rId3"/>
+                <asvg:svgBlip xmlns:asvg="http://schemas.microsoft.com/office/drawing/2016/SVG/main" r:embed="rId4"/>
               </a:ext>
             </a:extLst>
           </a:blip>
@@ -30842,7 +33857,7 @@
           <p:nvPr/>
         </p:nvPicPr>
         <p:blipFill>
-          <a:blip r:embed="rId4">
+          <a:blip r:embed="rId5">
             <a:extLst>
               <a:ext uri="{28A0092B-C50C-407E-A947-70E740481C1C}">
                 <a14:useLocalDpi xmlns:a14="http://schemas.microsoft.com/office/drawing/2010/main" val="0"/>
@@ -30954,7 +33969,7 @@
           <p:nvPr/>
         </p:nvPicPr>
         <p:blipFill>
-          <a:blip r:embed="rId2">
+          <a:blip r:embed="rId3">
             <a:extLst>
               <a:ext uri="{28A0092B-C50C-407E-A947-70E740481C1C}">
                 <a14:useLocalDpi xmlns:a14="http://schemas.microsoft.com/office/drawing/2010/main" val="0"/>
@@ -31052,13 +34067,13 @@
           <p:nvPr/>
         </p:nvPicPr>
         <p:blipFill>
-          <a:blip r:embed="rId3">
+          <a:blip r:embed="rId4">
             <a:extLst>
               <a:ext uri="{28A0092B-C50C-407E-A947-70E740481C1C}">
                 <a14:useLocalDpi xmlns:a14="http://schemas.microsoft.com/office/drawing/2010/main" val="0"/>
               </a:ext>
               <a:ext uri="{96DAC541-7B7A-43D3-8B79-37D633B846F1}">
-                <asvg:svgBlip xmlns:asvg="http://schemas.microsoft.com/office/drawing/2016/SVG/main" r:embed="rId4"/>
+                <asvg:svgBlip xmlns:asvg="http://schemas.microsoft.com/office/drawing/2016/SVG/main" r:embed="rId5"/>
               </a:ext>
             </a:extLst>
           </a:blip>
@@ -31760,6 +34775,94 @@
                       </p:childTnLst>
                     </p:cTn>
                   </p:par>
+                  <p:par>
+                    <p:cTn id="25" fill="hold">
+                      <p:stCondLst>
+                        <p:cond delay="indefinite"/>
+                      </p:stCondLst>
+                      <p:childTnLst>
+                        <p:par>
+                          <p:cTn id="26" fill="hold">
+                            <p:stCondLst>
+                              <p:cond delay="0"/>
+                            </p:stCondLst>
+                            <p:childTnLst>
+                              <p:par>
+                                <p:cTn id="27" presetID="10" presetClass="entr" presetSubtype="0" fill="hold" grpId="0" nodeType="clickEffect">
+                                  <p:stCondLst>
+                                    <p:cond delay="0"/>
+                                  </p:stCondLst>
+                                  <p:childTnLst>
+                                    <p:set>
+                                      <p:cBhvr>
+                                        <p:cTn id="28" dur="1" fill="hold">
+                                          <p:stCondLst>
+                                            <p:cond delay="0"/>
+                                          </p:stCondLst>
+                                        </p:cTn>
+                                        <p:tgtEl>
+                                          <p:spTgt spid="16"/>
+                                        </p:tgtEl>
+                                        <p:attrNameLst>
+                                          <p:attrName>style.visibility</p:attrName>
+                                        </p:attrNameLst>
+                                      </p:cBhvr>
+                                      <p:to>
+                                        <p:strVal val="visible"/>
+                                      </p:to>
+                                    </p:set>
+                                    <p:animEffect transition="in" filter="fade">
+                                      <p:cBhvr>
+                                        <p:cTn id="29" dur="500"/>
+                                        <p:tgtEl>
+                                          <p:spTgt spid="16"/>
+                                        </p:tgtEl>
+                                      </p:cBhvr>
+                                    </p:animEffect>
+                                  </p:childTnLst>
+                                </p:cTn>
+                              </p:par>
+                              <p:par>
+                                <p:cTn id="30" presetID="10" presetClass="entr" presetSubtype="0" fill="hold" grpId="0" nodeType="withEffect">
+                                  <p:stCondLst>
+                                    <p:cond delay="0"/>
+                                  </p:stCondLst>
+                                  <p:childTnLst>
+                                    <p:set>
+                                      <p:cBhvr>
+                                        <p:cTn id="31" dur="1" fill="hold">
+                                          <p:stCondLst>
+                                            <p:cond delay="0"/>
+                                          </p:stCondLst>
+                                        </p:cTn>
+                                        <p:tgtEl>
+                                          <p:spTgt spid="17"/>
+                                        </p:tgtEl>
+                                        <p:attrNameLst>
+                                          <p:attrName>style.visibility</p:attrName>
+                                        </p:attrNameLst>
+                                      </p:cBhvr>
+                                      <p:to>
+                                        <p:strVal val="visible"/>
+                                      </p:to>
+                                    </p:set>
+                                    <p:animEffect transition="in" filter="fade">
+                                      <p:cBhvr>
+                                        <p:cTn id="32" dur="500"/>
+                                        <p:tgtEl>
+                                          <p:spTgt spid="17"/>
+                                        </p:tgtEl>
+                                      </p:cBhvr>
+                                    </p:animEffect>
+                                  </p:childTnLst>
+                                </p:cTn>
+                              </p:par>
+                            </p:childTnLst>
+                          </p:cTn>
+                        </p:par>
+                      </p:childTnLst>
+                    </p:cTn>
+                  </p:par>
                 </p:childTnLst>
               </p:cTn>
               <p:prevCondLst>
@@ -31788,6 +34891,8 @@
       <p:bldP spid="13" grpId="0" animBg="1"/>
       <p:bldP spid="14" grpId="0" animBg="1"/>
       <p:bldP spid="15" grpId="0"/>
+      <p:bldP spid="16" grpId="0" animBg="1"/>
+      <p:bldP spid="17" grpId="0"/>
     </p:bldLst>
   </p:timing>
 </p:sld>
@@ -31857,7 +34962,7 @@
         </p:nvSpPr>
         <p:spPr>
           <a:xfrm>
-            <a:off x="1586204" y="3219061"/>
+            <a:off x="897141" y="3248350"/>
             <a:ext cx="1119674" cy="1119674"/>
           </a:xfrm>
           <a:prstGeom prst="ellipse">
@@ -31909,7 +35014,7 @@
         </p:nvSpPr>
         <p:spPr>
           <a:xfrm>
-            <a:off x="1839707" y="3594232"/>
+            <a:off x="1150644" y="3623521"/>
             <a:ext cx="612668" cy="369332"/>
           </a:xfrm>
           <a:prstGeom prst="rect">
@@ -32625,8 +35730,8 @@
           </a:p>
         </p:txBody>
       </p:sp>
-      <mc:AlternateContent xmlns:mc="http://schemas.openxmlformats.org/markup-compatibility/2006">
-        <mc:Choice xmlns:a14="http://schemas.microsoft.com/office/drawing/2010/main" Requires="a14">
+      <mc:AlternateContent xmlns:mc="http://schemas.openxmlformats.org/markup-compatibility/2006" xmlns:a14="http://schemas.microsoft.com/office/drawing/2010/main">
+        <mc:Choice Requires="a14">
           <p:sp>
             <p:nvSpPr>
               <p:cNvPr id="29" name="TextBox 28">
@@ -32973,7 +36078,7 @@
             </p:txBody>
           </p:sp>
         </mc:Choice>
-        <mc:Fallback>
+        <mc:Fallback xmlns="">
           <p:sp>
             <p:nvSpPr>
               <p:cNvPr id="29" name="TextBox 28">
@@ -32997,7 +36102,7 @@
                 <a:avLst/>
               </a:prstGeom>
               <a:blipFill>
-                <a:blip r:embed="rId2"/>
+                <a:blip r:embed="rId3"/>
                 <a:stretch>
                   <a:fillRect r="-459" b="-3704"/>
                 </a:stretch>
@@ -33033,7 +36138,7 @@
         <p:spPr>
           <a:xfrm>
             <a:off x="7284452" y="1960677"/>
-            <a:ext cx="583814" cy="369332"/>
+            <a:ext cx="590226" cy="369332"/>
           </a:xfrm>
           <a:prstGeom prst="rect">
             <a:avLst/>
@@ -33048,7 +36153,7 @@
           <a:p>
             <a:r>
               <a:rPr lang="en-US" b="1" i="1" dirty="0" err="1"/>
-              <a:t>w_a</a:t>
+              <a:t>w_b</a:t>
             </a:r>
             <a:endParaRPr lang="en-US" b="1" i="1" dirty="0"/>
           </a:p>
@@ -33069,7 +36174,7 @@
         <p:spPr>
           <a:xfrm>
             <a:off x="7858536" y="3597226"/>
-            <a:ext cx="583814" cy="369332"/>
+            <a:ext cx="575799" cy="369332"/>
           </a:xfrm>
           <a:prstGeom prst="rect">
             <a:avLst/>
@@ -33084,7 +36189,7 @@
           <a:p>
             <a:r>
               <a:rPr lang="en-US" b="1" i="1" dirty="0" err="1"/>
-              <a:t>w_a</a:t>
+              <a:t>w_c</a:t>
             </a:r>
             <a:endParaRPr lang="en-US" b="1" i="1" dirty="0"/>
           </a:p>
@@ -33105,7 +36210,7 @@
         <p:spPr>
           <a:xfrm>
             <a:off x="897141" y="4713906"/>
-            <a:ext cx="1285929" cy="646331"/>
+            <a:ext cx="1577676" cy="923330"/>
           </a:xfrm>
           <a:prstGeom prst="rect">
             <a:avLst/>
@@ -33133,6 +36238,121 @@
               <a:t>= weight</a:t>
             </a:r>
           </a:p>
+          <a:p>
+            <a:r>
+              <a:rPr lang="en-US" dirty="0"/>
+              <a:t>current value</a:t>
+            </a:r>
+          </a:p>
+        </p:txBody>
+      </p:sp>
+      <p:sp>
+        <p:nvSpPr>
+          <p:cNvPr id="4" name="TextBox 3">
+            <a:extLst>
+              <a:ext uri="{FF2B5EF4-FFF2-40B4-BE49-F238E27FC236}">
+                <a16:creationId xmlns:a16="http://schemas.microsoft.com/office/drawing/2014/main" id="{802B1BD2-69EE-C655-96E3-E781E104F6C9}"/>
+              </a:ext>
+            </a:extLst>
+          </p:cNvPr>
+          <p:cNvSpPr txBox="1"/>
+          <p:nvPr/>
+        </p:nvSpPr>
+        <p:spPr>
+          <a:xfrm>
+            <a:off x="1973356" y="3109403"/>
+            <a:ext cx="345370" cy="369332"/>
+          </a:xfrm>
+          <a:prstGeom prst="rect">
+            <a:avLst/>
+          </a:prstGeom>
+          <a:noFill/>
+        </p:spPr>
+        <p:txBody>
+          <a:bodyPr wrap="square">
+            <a:spAutoFit/>
+          </a:bodyPr>
+          <a:lstStyle/>
+          <a:p>
+            <a:r>
+              <a:rPr lang="en-US" i="1" dirty="0"/>
+              <a:t>b</a:t>
+            </a:r>
+            <a:endParaRPr lang="en-US" dirty="0"/>
+          </a:p>
+        </p:txBody>
+      </p:sp>
+      <p:cxnSp>
+        <p:nvCxnSpPr>
+          <p:cNvPr id="11" name="Straight Connector 10">
+            <a:extLst>
+              <a:ext uri="{FF2B5EF4-FFF2-40B4-BE49-F238E27FC236}">
+                <a16:creationId xmlns:a16="http://schemas.microsoft.com/office/drawing/2014/main" id="{93393B6F-72B9-EFD7-ACC7-F384FF0D12A1}"/>
+              </a:ext>
+            </a:extLst>
+          </p:cNvPr>
+          <p:cNvCxnSpPr/>
+          <p:nvPr/>
+        </p:nvCxnSpPr>
+        <p:spPr>
+          <a:xfrm>
+            <a:off x="3057709" y="3781892"/>
+            <a:ext cx="1838130" cy="0"/>
+          </a:xfrm>
+          <a:prstGeom prst="line">
+            <a:avLst/>
+          </a:prstGeom>
+          <a:ln w="19050"/>
+        </p:spPr>
+        <p:style>
+          <a:lnRef idx="1">
+            <a:schemeClr val="dk1"/>
+          </a:lnRef>
+          <a:fillRef idx="0">
+            <a:schemeClr val="dk1"/>
+          </a:fillRef>
+          <a:effectRef idx="0">
+            <a:schemeClr val="dk1"/>
+          </a:effectRef>
+          <a:fontRef idx="minor">
+            <a:schemeClr val="tx1"/>
+          </a:fontRef>
+        </p:style>
+      </p:cxnSp>
+      <p:sp>
+        <p:nvSpPr>
+          <p:cNvPr id="14" name="TextBox 13">
+            <a:extLst>
+              <a:ext uri="{FF2B5EF4-FFF2-40B4-BE49-F238E27FC236}">
+                <a16:creationId xmlns:a16="http://schemas.microsoft.com/office/drawing/2014/main" id="{8F6BCA50-FB52-C39A-FF02-67D6C349075C}"/>
+              </a:ext>
+            </a:extLst>
+          </p:cNvPr>
+          <p:cNvSpPr txBox="1"/>
+          <p:nvPr/>
+        </p:nvSpPr>
+        <p:spPr>
+          <a:xfrm>
+            <a:off x="3780460" y="3409565"/>
+            <a:ext cx="392628" cy="369332"/>
+          </a:xfrm>
+          <a:prstGeom prst="rect">
+            <a:avLst/>
+          </a:prstGeom>
+          <a:noFill/>
+        </p:spPr>
+        <p:txBody>
+          <a:bodyPr wrap="square">
+            <a:spAutoFit/>
+          </a:bodyPr>
+          <a:lstStyle/>
+          <a:p>
+            <a:r>
+              <a:rPr lang="en-US" i="1" dirty="0"/>
+              <a:t>w</a:t>
+            </a:r>
+            <a:endParaRPr lang="en-US" dirty="0"/>
+          </a:p>
         </p:txBody>
       </p:sp>
     </p:spTree>
@@ -33145,6 +36365,737 @@
   <p:clrMapOvr>
     <a:masterClrMapping/>
   </p:clrMapOvr>
+  <p:timing>
+    <p:tnLst>
+      <p:par>
+        <p:cTn id="1" dur="indefinite" restart="never" nodeType="tmRoot">
+          <p:childTnLst>
+            <p:seq concurrent="1" nextAc="seek">
+              <p:cTn id="2" dur="indefinite" nodeType="mainSeq">
+                <p:childTnLst>
+                  <p:par>
+                    <p:cTn id="3" fill="hold">
+                      <p:stCondLst>
+                        <p:cond delay="indefinite"/>
+                      </p:stCondLst>
+                      <p:childTnLst>
+                        <p:par>
+                          <p:cTn id="4" fill="hold">
+                            <p:stCondLst>
+                              <p:cond delay="0"/>
+                            </p:stCondLst>
+                            <p:childTnLst>
+                              <p:par>
+                                <p:cTn id="5" presetID="10" presetClass="entr" presetSubtype="0" fill="hold" grpId="0" nodeType="clickEffect">
+                                  <p:stCondLst>
+                                    <p:cond delay="0"/>
+                                  </p:stCondLst>
+                                  <p:childTnLst>
+                                    <p:set>
+                                      <p:cBhvr>
+                                        <p:cTn id="6" dur="1" fill="hold">
+                                          <p:stCondLst>
+                                            <p:cond delay="0"/>
+                                          </p:stCondLst>
+                                        </p:cTn>
+                                        <p:tgtEl>
+                                          <p:spTgt spid="7"/>
+                                        </p:tgtEl>
+                                        <p:attrNameLst>
+                                          <p:attrName>style.visibility</p:attrName>
+                                        </p:attrNameLst>
+                                      </p:cBhvr>
+                                      <p:to>
+                                        <p:strVal val="visible"/>
+                                      </p:to>
+                                    </p:set>
+                                    <p:animEffect transition="in" filter="fade">
+                                      <p:cBhvr>
+                                        <p:cTn id="7" dur="500"/>
+                                        <p:tgtEl>
+                                          <p:spTgt spid="7"/>
+                                        </p:tgtEl>
+                                      </p:cBhvr>
+                                    </p:animEffect>
+                                  </p:childTnLst>
+                                </p:cTn>
+                              </p:par>
+                              <p:par>
+                                <p:cTn id="8" presetID="10" presetClass="entr" presetSubtype="0" fill="hold" grpId="0" nodeType="withEffect">
+                                  <p:stCondLst>
+                                    <p:cond delay="0"/>
+                                  </p:stCondLst>
+                                  <p:childTnLst>
+                                    <p:set>
+                                      <p:cBhvr>
+                                        <p:cTn id="9" dur="1" fill="hold">
+                                          <p:stCondLst>
+                                            <p:cond delay="0"/>
+                                          </p:stCondLst>
+                                        </p:cTn>
+                                        <p:tgtEl>
+                                          <p:spTgt spid="8"/>
+                                        </p:tgtEl>
+                                        <p:attrNameLst>
+                                          <p:attrName>style.visibility</p:attrName>
+                                        </p:attrNameLst>
+                                      </p:cBhvr>
+                                      <p:to>
+                                        <p:strVal val="visible"/>
+                                      </p:to>
+                                    </p:set>
+                                    <p:animEffect transition="in" filter="fade">
+                                      <p:cBhvr>
+                                        <p:cTn id="10" dur="500"/>
+                                        <p:tgtEl>
+                                          <p:spTgt spid="8"/>
+                                        </p:tgtEl>
+                                      </p:cBhvr>
+                                    </p:animEffect>
+                                  </p:childTnLst>
+                                </p:cTn>
+                              </p:par>
+                              <p:par>
+                                <p:cTn id="11" presetID="10" presetClass="entr" presetSubtype="0" fill="hold" grpId="0" nodeType="withEffect">
+                                  <p:stCondLst>
+                                    <p:cond delay="0"/>
+                                  </p:stCondLst>
+                                  <p:childTnLst>
+                                    <p:set>
+                                      <p:cBhvr>
+                                        <p:cTn id="12" dur="1" fill="hold">
+                                          <p:stCondLst>
+                                            <p:cond delay="0"/>
+                                          </p:stCondLst>
+                                        </p:cTn>
+                                        <p:tgtEl>
+                                          <p:spTgt spid="9"/>
+                                        </p:tgtEl>
+                                        <p:attrNameLst>
+                                          <p:attrName>style.visibility</p:attrName>
+                                        </p:attrNameLst>
+                                      </p:cBhvr>
+                                      <p:to>
+                                        <p:strVal val="visible"/>
+                                      </p:to>
+                                    </p:set>
+                                    <p:animEffect transition="in" filter="fade">
+                                      <p:cBhvr>
+                                        <p:cTn id="13" dur="500"/>
+                                        <p:tgtEl>
+                                          <p:spTgt spid="9"/>
+                                        </p:tgtEl>
+                                      </p:cBhvr>
+                                    </p:animEffect>
+                                  </p:childTnLst>
+                                </p:cTn>
+                              </p:par>
+                              <p:par>
+                                <p:cTn id="14" presetID="10" presetClass="entr" presetSubtype="0" fill="hold" grpId="0" nodeType="withEffect">
+                                  <p:stCondLst>
+                                    <p:cond delay="0"/>
+                                  </p:stCondLst>
+                                  <p:childTnLst>
+                                    <p:set>
+                                      <p:cBhvr>
+                                        <p:cTn id="15" dur="1" fill="hold">
+                                          <p:stCondLst>
+                                            <p:cond delay="0"/>
+                                          </p:stCondLst>
+                                        </p:cTn>
+                                        <p:tgtEl>
+                                          <p:spTgt spid="10"/>
+                                        </p:tgtEl>
+                                        <p:attrNameLst>
+                                          <p:attrName>style.visibility</p:attrName>
+                                        </p:attrNameLst>
+                                      </p:cBhvr>
+                                      <p:to>
+                                        <p:strVal val="visible"/>
+                                      </p:to>
+                                    </p:set>
+                                    <p:animEffect transition="in" filter="fade">
+                                      <p:cBhvr>
+                                        <p:cTn id="16" dur="500"/>
+                                        <p:tgtEl>
+                                          <p:spTgt spid="10"/>
+                                        </p:tgtEl>
+                                      </p:cBhvr>
+                                    </p:animEffect>
+                                  </p:childTnLst>
+                                </p:cTn>
+                              </p:par>
+                              <p:par>
+                                <p:cTn id="17" presetID="10" presetClass="entr" presetSubtype="0" fill="hold" nodeType="withEffect">
+                                  <p:stCondLst>
+                                    <p:cond delay="0"/>
+                                  </p:stCondLst>
+                                  <p:childTnLst>
+                                    <p:set>
+                                      <p:cBhvr>
+                                        <p:cTn id="18" dur="1" fill="hold">
+                                          <p:stCondLst>
+                                            <p:cond delay="0"/>
+                                          </p:stCondLst>
+                                        </p:cTn>
+                                        <p:tgtEl>
+                                          <p:spTgt spid="12"/>
+                                        </p:tgtEl>
+                                        <p:attrNameLst>
+                                          <p:attrName>style.visibility</p:attrName>
+                                        </p:attrNameLst>
+                                      </p:cBhvr>
+                                      <p:to>
+                                        <p:strVal val="visible"/>
+                                      </p:to>
+                                    </p:set>
+                                    <p:animEffect transition="in" filter="fade">
+                                      <p:cBhvr>
+                                        <p:cTn id="19" dur="500"/>
+                                        <p:tgtEl>
+                                          <p:spTgt spid="12"/>
+                                        </p:tgtEl>
+                                      </p:cBhvr>
+                                    </p:animEffect>
+                                  </p:childTnLst>
+                                </p:cTn>
+                              </p:par>
+                              <p:par>
+                                <p:cTn id="20" presetID="10" presetClass="entr" presetSubtype="0" fill="hold" nodeType="withEffect">
+                                  <p:stCondLst>
+                                    <p:cond delay="0"/>
+                                  </p:stCondLst>
+                                  <p:childTnLst>
+                                    <p:set>
+                                      <p:cBhvr>
+                                        <p:cTn id="21" dur="1" fill="hold">
+                                          <p:stCondLst>
+                                            <p:cond delay="0"/>
+                                          </p:stCondLst>
+                                        </p:cTn>
+                                        <p:tgtEl>
+                                          <p:spTgt spid="16"/>
+                                        </p:tgtEl>
+                                        <p:attrNameLst>
+                                          <p:attrName>style.visibility</p:attrName>
+                                        </p:attrNameLst>
+                                      </p:cBhvr>
+                                      <p:to>
+                                        <p:strVal val="visible"/>
+                                      </p:to>
+                                    </p:set>
+                                    <p:animEffect transition="in" filter="fade">
+                                      <p:cBhvr>
+                                        <p:cTn id="22" dur="500"/>
+                                        <p:tgtEl>
+                                          <p:spTgt spid="16"/>
+                                        </p:tgtEl>
+                                      </p:cBhvr>
+                                    </p:animEffect>
+                                  </p:childTnLst>
+                                </p:cTn>
+                              </p:par>
+                              <p:par>
+                                <p:cTn id="23" presetID="10" presetClass="entr" presetSubtype="0" fill="hold" nodeType="withEffect">
+                                  <p:stCondLst>
+                                    <p:cond delay="0"/>
+                                  </p:stCondLst>
+                                  <p:childTnLst>
+                                    <p:set>
+                                      <p:cBhvr>
+                                        <p:cTn id="24" dur="1" fill="hold">
+                                          <p:stCondLst>
+                                            <p:cond delay="0"/>
+                                          </p:stCondLst>
+                                        </p:cTn>
+                                        <p:tgtEl>
+                                          <p:spTgt spid="18"/>
+                                        </p:tgtEl>
+                                        <p:attrNameLst>
+                                          <p:attrName>style.visibility</p:attrName>
+                                        </p:attrNameLst>
+                                      </p:cBhvr>
+                                      <p:to>
+                                        <p:strVal val="visible"/>
+                                      </p:to>
+                                    </p:set>
+                                    <p:animEffect transition="in" filter="fade">
+                                      <p:cBhvr>
+                                        <p:cTn id="25" dur="500"/>
+                                        <p:tgtEl>
+                                          <p:spTgt spid="18"/>
+                                        </p:tgtEl>
+                                      </p:cBhvr>
+                                    </p:animEffect>
+                                  </p:childTnLst>
+                                </p:cTn>
+                              </p:par>
+                              <p:par>
+                                <p:cTn id="26" presetID="10" presetClass="entr" presetSubtype="0" fill="hold" grpId="0" nodeType="withEffect">
+                                  <p:stCondLst>
+                                    <p:cond delay="0"/>
+                                  </p:stCondLst>
+                                  <p:childTnLst>
+                                    <p:set>
+                                      <p:cBhvr>
+                                        <p:cTn id="27" dur="1" fill="hold">
+                                          <p:stCondLst>
+                                            <p:cond delay="0"/>
+                                          </p:stCondLst>
+                                        </p:cTn>
+                                        <p:tgtEl>
+                                          <p:spTgt spid="25"/>
+                                        </p:tgtEl>
+                                        <p:attrNameLst>
+                                          <p:attrName>style.visibility</p:attrName>
+                                        </p:attrNameLst>
+                                      </p:cBhvr>
+                                      <p:to>
+                                        <p:strVal val="visible"/>
+                                      </p:to>
+                                    </p:set>
+                                    <p:animEffect transition="in" filter="fade">
+                                      <p:cBhvr>
+                                        <p:cTn id="28" dur="500"/>
+                                        <p:tgtEl>
+                                          <p:spTgt spid="25"/>
+                                        </p:tgtEl>
+                                      </p:cBhvr>
+                                    </p:animEffect>
+                                  </p:childTnLst>
+                                </p:cTn>
+                              </p:par>
+                              <p:par>
+                                <p:cTn id="29" presetID="10" presetClass="entr" presetSubtype="0" fill="hold" grpId="0" nodeType="withEffect">
+                                  <p:stCondLst>
+                                    <p:cond delay="0"/>
+                                  </p:stCondLst>
+                                  <p:childTnLst>
+                                    <p:set>
+                                      <p:cBhvr>
+                                        <p:cTn id="30" dur="1" fill="hold">
+                                          <p:stCondLst>
+                                            <p:cond delay="0"/>
+                                          </p:stCondLst>
+                                        </p:cTn>
+                                        <p:tgtEl>
+                                          <p:spTgt spid="26"/>
+                                        </p:tgtEl>
+                                        <p:attrNameLst>
+                                          <p:attrName>style.visibility</p:attrName>
+                                        </p:attrNameLst>
+                                      </p:cBhvr>
+                                      <p:to>
+                                        <p:strVal val="visible"/>
+                                      </p:to>
+                                    </p:set>
+                                    <p:animEffect transition="in" filter="fade">
+                                      <p:cBhvr>
+                                        <p:cTn id="31" dur="500"/>
+                                        <p:tgtEl>
+                                          <p:spTgt spid="26"/>
+                                        </p:tgtEl>
+                                      </p:cBhvr>
+                                    </p:animEffect>
+                                  </p:childTnLst>
+                                </p:cTn>
+                              </p:par>
+                              <p:par>
+                                <p:cTn id="32" presetID="10" presetClass="entr" presetSubtype="0" fill="hold" grpId="0" nodeType="withEffect">
+                                  <p:stCondLst>
+                                    <p:cond delay="0"/>
+                                  </p:stCondLst>
+                                  <p:childTnLst>
+                                    <p:set>
+                                      <p:cBhvr>
+                                        <p:cTn id="33" dur="1" fill="hold">
+                                          <p:stCondLst>
+                                            <p:cond delay="0"/>
+                                          </p:stCondLst>
+                                        </p:cTn>
+                                        <p:tgtEl>
+                                          <p:spTgt spid="27"/>
+                                        </p:tgtEl>
+                                        <p:attrNameLst>
+                                          <p:attrName>style.visibility</p:attrName>
+                                        </p:attrNameLst>
+                                      </p:cBhvr>
+                                      <p:to>
+                                        <p:strVal val="visible"/>
+                                      </p:to>
+                                    </p:set>
+                                    <p:animEffect transition="in" filter="fade">
+                                      <p:cBhvr>
+                                        <p:cTn id="34" dur="500"/>
+                                        <p:tgtEl>
+                                          <p:spTgt spid="27"/>
+                                        </p:tgtEl>
+                                      </p:cBhvr>
+                                    </p:animEffect>
+                                  </p:childTnLst>
+                                </p:cTn>
+                              </p:par>
+                            </p:childTnLst>
+                          </p:cTn>
+                        </p:par>
+                        <p:par>
+                          <p:cTn id="35" fill="hold">
+                            <p:stCondLst>
+                              <p:cond delay="500"/>
+                            </p:stCondLst>
+                            <p:childTnLst>
+                              <p:par>
+                                <p:cTn id="36" presetID="10" presetClass="entr" presetSubtype="0" fill="hold" grpId="0" nodeType="afterEffect">
+                                  <p:stCondLst>
+                                    <p:cond delay="0"/>
+                                  </p:stCondLst>
+                                  <p:childTnLst>
+                                    <p:set>
+                                      <p:cBhvr>
+                                        <p:cTn id="37" dur="1" fill="hold">
+                                          <p:stCondLst>
+                                            <p:cond delay="0"/>
+                                          </p:stCondLst>
+                                        </p:cTn>
+                                        <p:tgtEl>
+                                          <p:spTgt spid="19"/>
+                                        </p:tgtEl>
+                                        <p:attrNameLst>
+                                          <p:attrName>style.visibility</p:attrName>
+                                        </p:attrNameLst>
+                                      </p:cBhvr>
+                                      <p:to>
+                                        <p:strVal val="visible"/>
+                                      </p:to>
+                                    </p:set>
+                                    <p:animEffect transition="in" filter="fade">
+                                      <p:cBhvr>
+                                        <p:cTn id="38" dur="500"/>
+                                        <p:tgtEl>
+                                          <p:spTgt spid="19"/>
+                                        </p:tgtEl>
+                                      </p:cBhvr>
+                                    </p:animEffect>
+                                  </p:childTnLst>
+                                </p:cTn>
+                              </p:par>
+                              <p:par>
+                                <p:cTn id="39" presetID="10" presetClass="entr" presetSubtype="0" fill="hold" grpId="0" nodeType="withEffect">
+                                  <p:stCondLst>
+                                    <p:cond delay="0"/>
+                                  </p:stCondLst>
+                                  <p:childTnLst>
+                                    <p:set>
+                                      <p:cBhvr>
+                                        <p:cTn id="40" dur="1" fill="hold">
+                                          <p:stCondLst>
+                                            <p:cond delay="0"/>
+                                          </p:stCondLst>
+                                        </p:cTn>
+                                        <p:tgtEl>
+                                          <p:spTgt spid="20"/>
+                                        </p:tgtEl>
+                                        <p:attrNameLst>
+                                          <p:attrName>style.visibility</p:attrName>
+                                        </p:attrNameLst>
+                                      </p:cBhvr>
+                                      <p:to>
+                                        <p:strVal val="visible"/>
+                                      </p:to>
+                                    </p:set>
+                                    <p:animEffect transition="in" filter="fade">
+                                      <p:cBhvr>
+                                        <p:cTn id="41" dur="500"/>
+                                        <p:tgtEl>
+                                          <p:spTgt spid="20"/>
+                                        </p:tgtEl>
+                                      </p:cBhvr>
+                                    </p:animEffect>
+                                  </p:childTnLst>
+                                </p:cTn>
+                              </p:par>
+                              <p:par>
+                                <p:cTn id="42" presetID="10" presetClass="entr" presetSubtype="0" fill="hold" grpId="0" nodeType="withEffect">
+                                  <p:stCondLst>
+                                    <p:cond delay="0"/>
+                                  </p:stCondLst>
+                                  <p:childTnLst>
+                                    <p:set>
+                                      <p:cBhvr>
+                                        <p:cTn id="43" dur="1" fill="hold">
+                                          <p:stCondLst>
+                                            <p:cond delay="0"/>
+                                          </p:stCondLst>
+                                        </p:cTn>
+                                        <p:tgtEl>
+                                          <p:spTgt spid="21"/>
+                                        </p:tgtEl>
+                                        <p:attrNameLst>
+                                          <p:attrName>style.visibility</p:attrName>
+                                        </p:attrNameLst>
+                                      </p:cBhvr>
+                                      <p:to>
+                                        <p:strVal val="visible"/>
+                                      </p:to>
+                                    </p:set>
+                                    <p:animEffect transition="in" filter="fade">
+                                      <p:cBhvr>
+                                        <p:cTn id="44" dur="500"/>
+                                        <p:tgtEl>
+                                          <p:spTgt spid="21"/>
+                                        </p:tgtEl>
+                                      </p:cBhvr>
+                                    </p:animEffect>
+                                  </p:childTnLst>
+                                </p:cTn>
+                              </p:par>
+                              <p:par>
+                                <p:cTn id="45" presetID="10" presetClass="entr" presetSubtype="0" fill="hold" grpId="0" nodeType="withEffect">
+                                  <p:stCondLst>
+                                    <p:cond delay="0"/>
+                                  </p:stCondLst>
+                                  <p:childTnLst>
+                                    <p:set>
+                                      <p:cBhvr>
+                                        <p:cTn id="46" dur="1" fill="hold">
+                                          <p:stCondLst>
+                                            <p:cond delay="0"/>
+                                          </p:stCondLst>
+                                        </p:cTn>
+                                        <p:tgtEl>
+                                          <p:spTgt spid="23"/>
+                                        </p:tgtEl>
+                                        <p:attrNameLst>
+                                          <p:attrName>style.visibility</p:attrName>
+                                        </p:attrNameLst>
+                                      </p:cBhvr>
+                                      <p:to>
+                                        <p:strVal val="visible"/>
+                                      </p:to>
+                                    </p:set>
+                                    <p:animEffect transition="in" filter="fade">
+                                      <p:cBhvr>
+                                        <p:cTn id="47" dur="500"/>
+                                        <p:tgtEl>
+                                          <p:spTgt spid="23"/>
+                                        </p:tgtEl>
+                                      </p:cBhvr>
+                                    </p:animEffect>
+                                  </p:childTnLst>
+                                </p:cTn>
+                              </p:par>
+                            </p:childTnLst>
+                          </p:cTn>
+                        </p:par>
+                        <p:par>
+                          <p:cTn id="48" fill="hold">
+                            <p:stCondLst>
+                              <p:cond delay="1000"/>
+                            </p:stCondLst>
+                            <p:childTnLst>
+                              <p:par>
+                                <p:cTn id="49" presetID="10" presetClass="entr" presetSubtype="0" fill="hold" grpId="0" nodeType="afterEffect">
+                                  <p:stCondLst>
+                                    <p:cond delay="0"/>
+                                  </p:stCondLst>
+                                  <p:childTnLst>
+                                    <p:set>
+                                      <p:cBhvr>
+                                        <p:cTn id="50" dur="1" fill="hold">
+                                          <p:stCondLst>
+                                            <p:cond delay="0"/>
+                                          </p:stCondLst>
+                                        </p:cTn>
+                                        <p:tgtEl>
+                                          <p:spTgt spid="28"/>
+                                        </p:tgtEl>
+                                        <p:attrNameLst>
+                                          <p:attrName>style.visibility</p:attrName>
+                                        </p:attrNameLst>
+                                      </p:cBhvr>
+                                      <p:to>
+                                        <p:strVal val="visible"/>
+                                      </p:to>
+                                    </p:set>
+                                    <p:animEffect transition="in" filter="fade">
+                                      <p:cBhvr>
+                                        <p:cTn id="51" dur="500"/>
+                                        <p:tgtEl>
+                                          <p:spTgt spid="28"/>
+                                        </p:tgtEl>
+                                      </p:cBhvr>
+                                    </p:animEffect>
+                                  </p:childTnLst>
+                                </p:cTn>
+                              </p:par>
+                              <p:par>
+                                <p:cTn id="52" presetID="10" presetClass="entr" presetSubtype="0" fill="hold" grpId="0" nodeType="withEffect">
+                                  <p:stCondLst>
+                                    <p:cond delay="0"/>
+                                  </p:stCondLst>
+                                  <p:childTnLst>
+                                    <p:set>
+                                      <p:cBhvr>
+                                        <p:cTn id="53" dur="1" fill="hold">
+                                          <p:stCondLst>
+                                            <p:cond delay="0"/>
+                                          </p:stCondLst>
+                                        </p:cTn>
+                                        <p:tgtEl>
+                                          <p:spTgt spid="30"/>
+                                        </p:tgtEl>
+                                        <p:attrNameLst>
+                                          <p:attrName>style.visibility</p:attrName>
+                                        </p:attrNameLst>
+                                      </p:cBhvr>
+                                      <p:to>
+                                        <p:strVal val="visible"/>
+                                      </p:to>
+                                    </p:set>
+                                    <p:animEffect transition="in" filter="fade">
+                                      <p:cBhvr>
+                                        <p:cTn id="54" dur="500"/>
+                                        <p:tgtEl>
+                                          <p:spTgt spid="30"/>
+                                        </p:tgtEl>
+                                      </p:cBhvr>
+                                    </p:animEffect>
+                                  </p:childTnLst>
+                                </p:cTn>
+                              </p:par>
+                              <p:par>
+                                <p:cTn id="55" presetID="10" presetClass="entr" presetSubtype="0" fill="hold" grpId="0" nodeType="withEffect">
+                                  <p:stCondLst>
+                                    <p:cond delay="0"/>
+                                  </p:stCondLst>
+                                  <p:childTnLst>
+                                    <p:set>
+                                      <p:cBhvr>
+                                        <p:cTn id="56" dur="1" fill="hold">
+                                          <p:stCondLst>
+                                            <p:cond delay="0"/>
+                                          </p:stCondLst>
+                                        </p:cTn>
+                                        <p:tgtEl>
+                                          <p:spTgt spid="31"/>
+                                        </p:tgtEl>
+                                        <p:attrNameLst>
+                                          <p:attrName>style.visibility</p:attrName>
+                                        </p:attrNameLst>
+                                      </p:cBhvr>
+                                      <p:to>
+                                        <p:strVal val="visible"/>
+                                      </p:to>
+                                    </p:set>
+                                    <p:animEffect transition="in" filter="fade">
+                                      <p:cBhvr>
+                                        <p:cTn id="57" dur="500"/>
+                                        <p:tgtEl>
+                                          <p:spTgt spid="31"/>
+                                        </p:tgtEl>
+                                      </p:cBhvr>
+                                    </p:animEffect>
+                                  </p:childTnLst>
+                                </p:cTn>
+                              </p:par>
+                            </p:childTnLst>
+                          </p:cTn>
+                        </p:par>
+                      </p:childTnLst>
+                    </p:cTn>
+                  </p:par>
+                  <p:par>
+                    <p:cTn id="58" fill="hold">
+                      <p:stCondLst>
+                        <p:cond delay="indefinite"/>
+                      </p:stCondLst>
+                      <p:childTnLst>
+                        <p:par>
+                          <p:cTn id="59" fill="hold">
+                            <p:stCondLst>
+                              <p:cond delay="0"/>
+                            </p:stCondLst>
+                            <p:childTnLst>
+                              <p:par>
+                                <p:cTn id="60" presetID="10" presetClass="entr" presetSubtype="0" fill="hold" grpId="0" nodeType="clickEffect">
+                                  <p:stCondLst>
+                                    <p:cond delay="0"/>
+                                  </p:stCondLst>
+                                  <p:childTnLst>
+                                    <p:set>
+                                      <p:cBhvr>
+                                        <p:cTn id="61" dur="1" fill="hold">
+                                          <p:stCondLst>
+                                            <p:cond delay="0"/>
+                                          </p:stCondLst>
+                                        </p:cTn>
+                                        <p:tgtEl>
+                                          <p:spTgt spid="29"/>
+                                        </p:tgtEl>
+                                        <p:attrNameLst>
+                                          <p:attrName>style.visibility</p:attrName>
+                                        </p:attrNameLst>
+                                      </p:cBhvr>
+                                      <p:to>
+                                        <p:strVal val="visible"/>
+                                      </p:to>
+                                    </p:set>
+                                    <p:animEffect transition="in" filter="fade">
+                                      <p:cBhvr>
+                                        <p:cTn id="62" dur="500"/>
+                                        <p:tgtEl>
+                                          <p:spTgt spid="29"/>
+                                        </p:tgtEl>
+                                      </p:cBhvr>
+                                    </p:animEffect>
+                                  </p:childTnLst>
+                                </p:cTn>
+                              </p:par>
+                            </p:childTnLst>
+                          </p:cTn>
+                        </p:par>
+                      </p:childTnLst>
+                    </p:cTn>
+                  </p:par>
+                </p:childTnLst>
+              </p:cTn>
+              <p:prevCondLst>
+                <p:cond evt="onPrev" delay="0">
+                  <p:tgtEl>
+                    <p:sldTgt/>
+                  </p:tgtEl>
+                </p:cond>
+              </p:prevCondLst>
+              <p:nextCondLst>
+                <p:cond evt="onNext" delay="0">
+                  <p:tgtEl>
+                    <p:sldTgt/>
+                  </p:tgtEl>
+                </p:cond>
+              </p:nextCondLst>
+            </p:seq>
+          </p:childTnLst>
+        </p:cTn>
+      </p:par>
+    </p:tnLst>
+    <p:bldLst>
+      <p:bldP spid="7" grpId="0" animBg="1"/>
+      <p:bldP spid="8" grpId="0" animBg="1"/>
+      <p:bldP spid="9" grpId="0" animBg="1"/>
+      <p:bldP spid="10" grpId="0" animBg="1"/>
+      <p:bldP spid="19" grpId="0"/>
+      <p:bldP spid="20" grpId="0"/>
+      <p:bldP spid="21" grpId="0"/>
+      <p:bldP spid="23" grpId="0"/>
+      <p:bldP spid="25" grpId="0" animBg="1"/>
+      <p:bldP spid="26" grpId="0" animBg="1"/>
+      <p:bldP spid="27" grpId="0" animBg="1"/>
+      <p:bldP spid="28" grpId="0"/>
+      <p:bldP spid="29" grpId="0"/>
+      <p:bldP spid="30" grpId="0"/>
+      <p:bldP spid="31" grpId="0"/>
+    </p:bldLst>
+  </p:timing>
 </p:sld>
 </file>
 
@@ -33182,7 +37133,7 @@
           </p:nvPr>
         </p:nvPicPr>
         <p:blipFill>
-          <a:blip r:embed="rId2">
+          <a:blip r:embed="rId3">
             <a:extLst>
               <a:ext uri="{28A0092B-C50C-407E-A947-70E740481C1C}">
                 <a14:useLocalDpi xmlns:a14="http://schemas.microsoft.com/office/drawing/2010/main" val="0"/>
@@ -33200,8 +37151,8 @@
           </a:xfrm>
         </p:spPr>
       </p:pic>
-      <mc:AlternateContent xmlns:mc="http://schemas.openxmlformats.org/markup-compatibility/2006">
-        <mc:Choice xmlns:a14="http://schemas.microsoft.com/office/drawing/2010/main" Requires="a14">
+      <mc:AlternateContent xmlns:mc="http://schemas.openxmlformats.org/markup-compatibility/2006" xmlns:a14="http://schemas.microsoft.com/office/drawing/2010/main">
+        <mc:Choice Requires="a14">
           <p:sp>
             <p:nvSpPr>
               <p:cNvPr id="6" name="TextBox 5">
@@ -33625,7 +37576,7 @@
             </p:txBody>
           </p:sp>
         </mc:Choice>
-        <mc:Fallback>
+        <mc:Fallback xmlns="">
           <p:sp>
             <p:nvSpPr>
               <p:cNvPr id="6" name="TextBox 5">
@@ -33649,7 +37600,7 @@
                 <a:avLst/>
               </a:prstGeom>
               <a:blipFill>
-                <a:blip r:embed="rId3"/>
+                <a:blip r:embed="rId4"/>
                 <a:stretch>
                   <a:fillRect b="-4348"/>
                 </a:stretch>
@@ -33882,4 +37833,299 @@
     </a:ext>
   </a:extLst>
 </a:theme>
+</file>
+
+<file path=ppt/theme/theme2.xml><?xml version="1.0" encoding="utf-8"?>
+<a:theme xmlns:a="http://schemas.openxmlformats.org/drawingml/2006/main" name="Office Theme">
+  <a:themeElements>
+    <a:clrScheme name="Office">
+      <a:dk1>
+        <a:sysClr val="windowText" lastClr="000000"/>
+      </a:dk1>
+      <a:lt1>
+        <a:sysClr val="window" lastClr="FFFFFF"/>
+      </a:lt1>
+      <a:dk2>
+        <a:srgbClr val="44546A"/>
+      </a:dk2>
+      <a:lt2>
+        <a:srgbClr val="E7E6E6"/>
+      </a:lt2>
+      <a:accent1>
+        <a:srgbClr val="4472C4"/>
+      </a:accent1>
+      <a:accent2>
+        <a:srgbClr val="ED7D31"/>
+      </a:accent2>
+      <a:accent3>
+        <a:srgbClr val="A5A5A5"/>
+      </a:accent3>
+      <a:accent4>
+        <a:srgbClr val="FFC000"/>
+      </a:accent4>
+      <a:accent5>
+        <a:srgbClr val="5B9BD5"/>
+      </a:accent5>
+      <a:accent6>
+        <a:srgbClr val="70AD47"/>
+      </a:accent6>
+      <a:hlink>
+        <a:srgbClr val="0563C1"/>
+      </a:hlink>
+      <a:folHlink>
+        <a:srgbClr val="954F72"/>
+      </a:folHlink>
+    </a:clrScheme>
+    <a:fontScheme name="Office">
+      <a:majorFont>
+        <a:latin typeface="Calibri Light" panose="020F0302020204030204"/>
+        <a:ea typeface=""/>
+        <a:cs typeface=""/>
+        <a:font script="Jpan" typeface="游ゴシック Light"/>
+        <a:font script="Hang" typeface="맑은 고딕"/>
+        <a:font script="Hans" typeface="等线 Light"/>
+        <a:font script="Hant" typeface="新細明體"/>
+        <a:font script="Arab" typeface="Times New Roman"/>
+        <a:font script="Hebr" typeface="Times New Roman"/>
+        <a:font script="Thai" typeface="Angsana New"/>
+        <a:font script="Ethi" typeface="Nyala"/>
+        <a:font script="Beng" typeface="Vrinda"/>
+        <a:font script="Gujr" typeface="Shruti"/>
+        <a:font script="Khmr" typeface="MoolBoran"/>
+        <a:font script="Knda" typeface="Tunga"/>
+        <a:font script="Guru" typeface="Raavi"/>
+        <a:font script="Cans" typeface="Euphemia"/>
+        <a:font script="Cher" typeface="Plantagenet Cherokee"/>
+        <a:font script="Yiii" typeface="Microsoft Yi Baiti"/>
+        <a:font script="Tibt" typeface="Microsoft Himalaya"/>
+        <a:font script="Thaa" typeface="MV Boli"/>
+        <a:font script="Deva" typeface="Mangal"/>
+        <a:font script="Telu" typeface="Gautami"/>
+        <a:font script="Taml" typeface="Latha"/>
+        <a:font script="Syrc" typeface="Estrangelo Edessa"/>
+        <a:font script="Orya" typeface="Kalinga"/>
+        <a:font script="Mlym" typeface="Kartika"/>
+        <a:font script="Laoo" typeface="DokChampa"/>
+        <a:font script="Sinh" typeface="Iskoola Pota"/>
+        <a:font script="Mong" typeface="Mongolian Baiti"/>
+        <a:font script="Viet" typeface="Times New Roman"/>
+        <a:font script="Uigh" typeface="Microsoft Uighur"/>
+        <a:font script="Geor" typeface="Sylfaen"/>
+        <a:font script="Armn" typeface="Arial"/>
+        <a:font script="Bugi" typeface="Leelawadee UI"/>
+        <a:font script="Bopo" typeface="Microsoft JhengHei"/>
+        <a:font script="Java" typeface="Javanese Text"/>
+        <a:font script="Lisu" typeface="Segoe UI"/>
+        <a:font script="Mymr" typeface="Myanmar Text"/>
+        <a:font script="Nkoo" typeface="Ebrima"/>
+        <a:font script="Olck" typeface="Nirmala UI"/>
+        <a:font script="Osma" typeface="Ebrima"/>
+        <a:font script="Phag" typeface="Phagspa"/>
+        <a:font script="Syrn" typeface="Estrangelo Edessa"/>
+        <a:font script="Syrj" typeface="Estrangelo Edessa"/>
+        <a:font script="Syre" typeface="Estrangelo Edessa"/>
+        <a:font script="Sora" typeface="Nirmala UI"/>
+        <a:font script="Tale" typeface="Microsoft Tai Le"/>
+        <a:font script="Talu" typeface="Microsoft New Tai Lue"/>
+        <a:font script="Tfng" typeface="Ebrima"/>
+      </a:majorFont>
+      <a:minorFont>
+        <a:latin typeface="Calibri" panose="020F0502020204030204"/>
+        <a:ea typeface=""/>
+        <a:cs typeface=""/>
+        <a:font script="Jpan" typeface="游ゴシック"/>
+        <a:font script="Hang" typeface="맑은 고딕"/>
+        <a:font script="Hans" typeface="等线"/>
+        <a:font script="Hant" typeface="新細明體"/>
+        <a:font script="Arab" typeface="Arial"/>
+        <a:font script="Hebr" typeface="Arial"/>
+        <a:font script="Thai" typeface="Cordia New"/>
+        <a:font script="Ethi" typeface="Nyala"/>
+        <a:font script="Beng" typeface="Vrinda"/>
+        <a:font script="Gujr" typeface="Shruti"/>
+        <a:font script="Khmr" typeface="DaunPenh"/>
+        <a:font script="Knda" typeface="Tunga"/>
+        <a:font script="Guru" typeface="Raavi"/>
+        <a:font script="Cans" typeface="Euphemia"/>
+        <a:font script="Cher" typeface="Plantagenet Cherokee"/>
+        <a:font script="Yiii" typeface="Microsoft Yi Baiti"/>
+        <a:font script="Tibt" typeface="Microsoft Himalaya"/>
+        <a:font script="Thaa" typeface="MV Boli"/>
+        <a:font script="Deva" typeface="Mangal"/>
+        <a:font script="Telu" typeface="Gautami"/>
+        <a:font script="Taml" typeface="Latha"/>
+        <a:font script="Syrc" typeface="Estrangelo Edessa"/>
+        <a:font script="Orya" typeface="Kalinga"/>
+        <a:font script="Mlym" typeface="Kartika"/>
+        <a:font script="Laoo" typeface="DokChampa"/>
+        <a:font script="Sinh" typeface="Iskoola Pota"/>
+        <a:font script="Mong" typeface="Mongolian Baiti"/>
+        <a:font script="Viet" typeface="Arial"/>
+        <a:font script="Uigh" typeface="Microsoft Uighur"/>
+        <a:font script="Geor" typeface="Sylfaen"/>
+        <a:font script="Armn" typeface="Arial"/>
+        <a:font script="Bugi" typeface="Leelawadee UI"/>
+        <a:font script="Bopo" typeface="Microsoft JhengHei"/>
+        <a:font script="Java" typeface="Javanese Text"/>
+        <a:font script="Lisu" typeface="Segoe UI"/>
+        <a:font script="Mymr" typeface="Myanmar Text"/>
+        <a:font script="Nkoo" typeface="Ebrima"/>
+        <a:font script="Olck" typeface="Nirmala UI"/>
+        <a:font script="Osma" typeface="Ebrima"/>
+        <a:font script="Phag" typeface="Phagspa"/>
+        <a:font script="Syrn" typeface="Estrangelo Edessa"/>
+        <a:font script="Syrj" typeface="Estrangelo Edessa"/>
+        <a:font script="Syre" typeface="Estrangelo Edessa"/>
+        <a:font script="Sora" typeface="Nirmala UI"/>
+        <a:font script="Tale" typeface="Microsoft Tai Le"/>
+        <a:font script="Talu" typeface="Microsoft New Tai Lue"/>
+        <a:font script="Tfng" typeface="Ebrima"/>
+      </a:minorFont>
+    </a:fontScheme>
+    <a:fmtScheme name="Office">
+      <a:fillStyleLst>
+        <a:solidFill>
+          <a:schemeClr val="phClr"/>
+        </a:solidFill>
+        <a:gradFill rotWithShape="1">
+          <a:gsLst>
+            <a:gs pos="0">
+              <a:schemeClr val="phClr">
+                <a:lumMod val="110000"/>
+                <a:satMod val="105000"/>
+                <a:tint val="67000"/>
+              </a:schemeClr>
+            </a:gs>
+            <a:gs pos="50000">
+              <a:schemeClr val="phClr">
+                <a:lumMod val="105000"/>
+                <a:satMod val="103000"/>
+                <a:tint val="73000"/>
+              </a:schemeClr>
+            </a:gs>
+            <a:gs pos="100000">
+              <a:schemeClr val="phClr">
+                <a:lumMod val="105000"/>
+                <a:satMod val="109000"/>
+                <a:tint val="81000"/>
+              </a:schemeClr>
+            </a:gs>
+          </a:gsLst>
+          <a:lin ang="5400000" scaled="0"/>
+        </a:gradFill>
+        <a:gradFill rotWithShape="1">
+          <a:gsLst>
+            <a:gs pos="0">
+              <a:schemeClr val="phClr">
+                <a:satMod val="103000"/>
+                <a:lumMod val="102000"/>
+                <a:tint val="94000"/>
+              </a:schemeClr>
+            </a:gs>
+            <a:gs pos="50000">
+              <a:schemeClr val="phClr">
+                <a:satMod val="110000"/>
+                <a:lumMod val="100000"/>
+                <a:shade val="100000"/>
+              </a:schemeClr>
+            </a:gs>
+            <a:gs pos="100000">
+              <a:schemeClr val="phClr">
+                <a:lumMod val="99000"/>
+                <a:satMod val="120000"/>
+                <a:shade val="78000"/>
+              </a:schemeClr>
+            </a:gs>
+          </a:gsLst>
+          <a:lin ang="5400000" scaled="0"/>
+        </a:gradFill>
+      </a:fillStyleLst>
+      <a:lnStyleLst>
+        <a:ln w="6350" cap="flat" cmpd="sng" algn="ctr">
+          <a:solidFill>
+            <a:schemeClr val="phClr"/>
+          </a:solidFill>
+          <a:prstDash val="solid"/>
+          <a:miter lim="800000"/>
+        </a:ln>
+        <a:ln w="12700" cap="flat" cmpd="sng" algn="ctr">
+          <a:solidFill>
+            <a:schemeClr val="phClr"/>
+          </a:solidFill>
+          <a:prstDash val="solid"/>
+          <a:miter lim="800000"/>
+        </a:ln>
+        <a:ln w="19050" cap="flat" cmpd="sng" algn="ctr">
+          <a:solidFill>
+            <a:schemeClr val="phClr"/>
+          </a:solidFill>
+          <a:prstDash val="solid"/>
+          <a:miter lim="800000"/>
+        </a:ln>
+      </a:lnStyleLst>
+      <a:effectStyleLst>
+        <a:effectStyle>
+          <a:effectLst/>
+        </a:effectStyle>
+        <a:effectStyle>
+          <a:effectLst/>
+        </a:effectStyle>
+        <a:effectStyle>
+          <a:effectLst>
+            <a:outerShdw blurRad="57150" dist="19050" dir="5400000" algn="ctr" rotWithShape="0">
+              <a:srgbClr val="000000">
+                <a:alpha val="63000"/>
+              </a:srgbClr>
+            </a:outerShdw>
+          </a:effectLst>
+        </a:effectStyle>
+      </a:effectStyleLst>
+      <a:bgFillStyleLst>
+        <a:solidFill>
+          <a:schemeClr val="phClr"/>
+        </a:solidFill>
+        <a:solidFill>
+          <a:schemeClr val="phClr">
+            <a:tint val="95000"/>
+            <a:satMod val="170000"/>
+          </a:schemeClr>
+        </a:solidFill>
+        <a:gradFill rotWithShape="1">
+          <a:gsLst>
+            <a:gs pos="0">
+              <a:schemeClr val="phClr">
+                <a:tint val="93000"/>
+                <a:satMod val="150000"/>
+                <a:shade val="98000"/>
+                <a:lumMod val="102000"/>
+              </a:schemeClr>
+            </a:gs>
+            <a:gs pos="50000">
+              <a:schemeClr val="phClr">
+                <a:tint val="98000"/>
+                <a:satMod val="130000"/>
+                <a:shade val="90000"/>
+                <a:lumMod val="103000"/>
+              </a:schemeClr>
+            </a:gs>
+            <a:gs pos="100000">
+              <a:schemeClr val="phClr">
+                <a:shade val="63000"/>
+                <a:satMod val="120000"/>
+              </a:schemeClr>
+            </a:gs>
+          </a:gsLst>
+          <a:lin ang="5400000" scaled="0"/>
+        </a:gradFill>
+      </a:bgFillStyleLst>
+    </a:fmtScheme>
+  </a:themeElements>
+  <a:objectDefaults/>
+  <a:extraClrSchemeLst/>
+  <a:extLst>
+    <a:ext uri="{05A4C25C-085E-4340-85A3-A5531E510DB2}">
+      <thm15:themeFamily xmlns:thm15="http://schemas.microsoft.com/office/thememl/2012/main" name="Office Theme" id="{62F939B6-93AF-4DB8-9C6B-D6C7DFDC589F}" vid="{4A3C46E8-61CC-4603-A589-7422A47A8E4A}"/>
+    </a:ext>
+  </a:extLst>
+</a:theme>
 </file>